--- a/LectureSlides/SPLASHE23.pptx
+++ b/LectureSlides/SPLASHE23.pptx
@@ -7,39 +7,35 @@
   <p:sldIdLst>
     <p:sldId id="256" r:id="rId2"/>
     <p:sldId id="257" r:id="rId3"/>
-    <p:sldId id="258" r:id="rId4"/>
-    <p:sldId id="262" r:id="rId5"/>
-    <p:sldId id="263" r:id="rId6"/>
-    <p:sldId id="286" r:id="rId7"/>
-    <p:sldId id="264" r:id="rId8"/>
-    <p:sldId id="265" r:id="rId9"/>
-    <p:sldId id="259" r:id="rId10"/>
-    <p:sldId id="266" r:id="rId11"/>
-    <p:sldId id="267" r:id="rId12"/>
-    <p:sldId id="287" r:id="rId13"/>
-    <p:sldId id="288" r:id="rId14"/>
-    <p:sldId id="289" r:id="rId15"/>
-    <p:sldId id="269" r:id="rId16"/>
-    <p:sldId id="260" r:id="rId17"/>
-    <p:sldId id="270" r:id="rId18"/>
-    <p:sldId id="290" r:id="rId19"/>
-    <p:sldId id="271" r:id="rId20"/>
-    <p:sldId id="291" r:id="rId21"/>
-    <p:sldId id="292" r:id="rId22"/>
-    <p:sldId id="273" r:id="rId23"/>
-    <p:sldId id="274" r:id="rId24"/>
-    <p:sldId id="293" r:id="rId25"/>
-    <p:sldId id="275" r:id="rId26"/>
-    <p:sldId id="280" r:id="rId27"/>
-    <p:sldId id="281" r:id="rId28"/>
-    <p:sldId id="282" r:id="rId29"/>
-    <p:sldId id="283" r:id="rId30"/>
-    <p:sldId id="284" r:id="rId31"/>
-    <p:sldId id="285" r:id="rId32"/>
-    <p:sldId id="261" r:id="rId33"/>
-    <p:sldId id="277" r:id="rId34"/>
-    <p:sldId id="278" r:id="rId35"/>
-    <p:sldId id="279" r:id="rId36"/>
+    <p:sldId id="262" r:id="rId4"/>
+    <p:sldId id="263" r:id="rId5"/>
+    <p:sldId id="286" r:id="rId6"/>
+    <p:sldId id="265" r:id="rId7"/>
+    <p:sldId id="266" r:id="rId8"/>
+    <p:sldId id="264" r:id="rId9"/>
+    <p:sldId id="288" r:id="rId10"/>
+    <p:sldId id="271" r:id="rId11"/>
+    <p:sldId id="291" r:id="rId12"/>
+    <p:sldId id="295" r:id="rId13"/>
+    <p:sldId id="270" r:id="rId14"/>
+    <p:sldId id="290" r:id="rId15"/>
+    <p:sldId id="273" r:id="rId16"/>
+    <p:sldId id="275" r:id="rId17"/>
+    <p:sldId id="274" r:id="rId18"/>
+    <p:sldId id="293" r:id="rId19"/>
+    <p:sldId id="280" r:id="rId20"/>
+    <p:sldId id="277" r:id="rId21"/>
+    <p:sldId id="279" r:id="rId22"/>
+    <p:sldId id="294" r:id="rId23"/>
+    <p:sldId id="278" r:id="rId24"/>
+    <p:sldId id="267" r:id="rId25"/>
+    <p:sldId id="287" r:id="rId26"/>
+    <p:sldId id="281" r:id="rId27"/>
+    <p:sldId id="282" r:id="rId28"/>
+    <p:sldId id="283" r:id="rId29"/>
+    <p:sldId id="284" r:id="rId30"/>
+    <p:sldId id="285" r:id="rId31"/>
+    <p:sldId id="289" r:id="rId32"/>
   </p:sldIdLst>
   <p:sldSz cx="12192000" cy="6858000"/>
   <p:notesSz cx="6858000" cy="9144000"/>
@@ -138,6 +134,11 @@
       </a:defRPr>
     </a:lvl9pPr>
   </p:defaultTextStyle>
+  <p:extLst>
+    <p:ext uri="{EFAFB233-063F-42B5-8137-9DF3F51BA10A}">
+      <p15:sldGuideLst xmlns:p15="http://schemas.microsoft.com/office/powerpoint/2012/main"/>
+    </p:ext>
+  </p:extLst>
 </p:presentation>
 </file>
 
@@ -459,7 +460,7 @@
             <a:fld id="{8256C2ED-54A4-480D-B5C8-65C0D62359B9}" type="datetime2">
               <a:rPr lang="en-US" smtClean="0"/>
               <a:pPr/>
-              <a:t>Tuesday, October 17, 2023</a:t>
+              <a:t>Wednesday, October 18, 2023</a:t>
             </a:fld>
             <a:endParaRPr lang="en-US" dirty="0"/>
           </a:p>
@@ -618,7 +619,7 @@
           <a:p>
             <a:fld id="{53CF612A-4CB0-4F57-9A87-F049CECB184D}" type="datetime2">
               <a:rPr lang="en-US" smtClean="0"/>
-              <a:t>Tuesday, October 17, 2023</a:t>
+              <a:t>Wednesday, October 18, 2023</a:t>
             </a:fld>
             <a:endParaRPr lang="en-US"/>
           </a:p>
@@ -839,7 +840,7 @@
           <a:p>
             <a:fld id="{8F397F40-C8F7-4897-A6B8-241042F913A9}" type="datetime2">
               <a:rPr lang="en-US" smtClean="0"/>
-              <a:t>Tuesday, October 17, 2023</a:t>
+              <a:t>Wednesday, October 18, 2023</a:t>
             </a:fld>
             <a:endParaRPr lang="en-US"/>
           </a:p>
@@ -1197,7 +1198,7 @@
             <a:fld id="{8256C2ED-54A4-480D-B5C8-65C0D62359B9}" type="datetime2">
               <a:rPr lang="en-US" smtClean="0"/>
               <a:pPr/>
-              <a:t>Tuesday, October 17, 2023</a:t>
+              <a:t>Wednesday, October 18, 2023</a:t>
             </a:fld>
             <a:endParaRPr lang="en-US" dirty="0"/>
           </a:p>
@@ -1432,7 +1433,7 @@
           <a:p>
             <a:fld id="{10EDCA73-0A86-4195-A787-75037827079D}" type="datetime2">
               <a:rPr lang="en-US" smtClean="0"/>
-              <a:t>Tuesday, October 17, 2023</a:t>
+              <a:t>Wednesday, October 18, 2023</a:t>
             </a:fld>
             <a:endParaRPr lang="en-US"/>
           </a:p>
@@ -1824,7 +1825,7 @@
           <a:p>
             <a:fld id="{83C75374-B296-498E-A935-80631EA9020D}" type="datetime2">
               <a:rPr lang="en-US" smtClean="0"/>
-              <a:t>Tuesday, October 17, 2023</a:t>
+              <a:t>Wednesday, October 18, 2023</a:t>
             </a:fld>
             <a:endParaRPr lang="en-US"/>
           </a:p>
@@ -2264,7 +2265,7 @@
           <a:p>
             <a:fld id="{B098B728-214A-4ABC-8432-5B3A5A66A987}" type="datetime2">
               <a:rPr lang="en-US" smtClean="0"/>
-              <a:t>Tuesday, October 17, 2023</a:t>
+              <a:t>Wednesday, October 18, 2023</a:t>
             </a:fld>
             <a:endParaRPr lang="en-US" dirty="0"/>
           </a:p>
@@ -2422,7 +2423,7 @@
           <a:p>
             <a:fld id="{015F02D0-6806-43AF-9888-2359BF40C204}" type="datetime2">
               <a:rPr lang="en-US" smtClean="0"/>
-              <a:t>Tuesday, October 17, 2023</a:t>
+              <a:t>Wednesday, October 18, 2023</a:t>
             </a:fld>
             <a:endParaRPr lang="en-US"/>
           </a:p>
@@ -2546,7 +2547,7 @@
           <a:p>
             <a:fld id="{8EE14D2D-B1AF-4197-82D6-FC1F8BD05681}" type="datetime2">
               <a:rPr lang="en-US" smtClean="0"/>
-              <a:t>Tuesday, October 17, 2023</a:t>
+              <a:t>Wednesday, October 18, 2023</a:t>
             </a:fld>
             <a:endParaRPr lang="en-US"/>
           </a:p>
@@ -2874,7 +2875,7 @@
           <a:p>
             <a:fld id="{98771CEB-9838-4245-91B8-EFBAFE2D8B44}" type="datetime2">
               <a:rPr lang="en-US" smtClean="0"/>
-              <a:t>Tuesday, October 17, 2023</a:t>
+              <a:t>Wednesday, October 18, 2023</a:t>
             </a:fld>
             <a:endParaRPr lang="en-US"/>
           </a:p>
@@ -3182,7 +3183,7 @@
           <a:p>
             <a:fld id="{51D3F6BF-A585-41F8-88DF-7E5D069F892A}" type="datetime2">
               <a:rPr lang="en-US" smtClean="0"/>
-              <a:t>Tuesday, October 17, 2023</a:t>
+              <a:t>Wednesday, October 18, 2023</a:t>
             </a:fld>
             <a:endParaRPr lang="en-US"/>
           </a:p>
@@ -3525,7 +3526,7 @@
             <a:fld id="{8256C2ED-54A4-480D-B5C8-65C0D62359B9}" type="datetime2">
               <a:rPr lang="en-US" smtClean="0"/>
               <a:pPr/>
-              <a:t>Tuesday, October 17, 2023</a:t>
+              <a:t>Wednesday, October 18, 2023</a:t>
             </a:fld>
             <a:endParaRPr lang="en-US" dirty="0"/>
           </a:p>
@@ -4227,7 +4228,7 @@
           <p:cNvPr id="2" name="Title 1">
             <a:extLst>
               <a:ext uri="{FF2B5EF4-FFF2-40B4-BE49-F238E27FC236}">
-                <a16:creationId xmlns:a16="http://schemas.microsoft.com/office/drawing/2014/main" id="{5E786DE9-EE34-A40C-11A2-90547EEE475F}"/>
+                <a16:creationId xmlns:a16="http://schemas.microsoft.com/office/drawing/2014/main" id="{DBCB4E9E-F629-8F04-EFD8-64DC98E8E2E1}"/>
               </a:ext>
             </a:extLst>
           </p:cNvPr>
@@ -4245,7 +4246,7 @@
           <a:p>
             <a:r>
               <a:rPr lang="en-US" dirty="0"/>
-              <a:t>Outline</a:t>
+              <a:t>Exercises</a:t>
             </a:r>
           </a:p>
         </p:txBody>
@@ -4255,7 +4256,7 @@
           <p:cNvPr id="3" name="Content Placeholder 2">
             <a:extLst>
               <a:ext uri="{FF2B5EF4-FFF2-40B4-BE49-F238E27FC236}">
-                <a16:creationId xmlns:a16="http://schemas.microsoft.com/office/drawing/2014/main" id="{BF4AFEFC-93AE-2F4A-222A-0A4406F9DFDE}"/>
+                <a16:creationId xmlns:a16="http://schemas.microsoft.com/office/drawing/2014/main" id="{C3499925-59A6-FF25-346E-ECB93412FC5A}"/>
               </a:ext>
             </a:extLst>
           </p:cNvPr>
@@ -4268,763 +4269,145 @@
         </p:nvSpPr>
         <p:spPr>
           <a:xfrm>
-            <a:off x="448056" y="1151467"/>
-            <a:ext cx="3932033" cy="5125155"/>
+            <a:off x="448055" y="1309036"/>
+            <a:ext cx="11535397" cy="5091764"/>
           </a:xfrm>
         </p:spPr>
         <p:txBody>
-          <a:bodyPr/>
-          <a:lstStyle/>
-          <a:p>
-            <a:r>
-              <a:rPr lang="en-US" dirty="0"/>
-              <a:t>Chapters selected based on learning objectives, archetypes, student population, and interest</a:t>
-            </a:r>
-          </a:p>
-          <a:p>
-            <a:r>
-              <a:rPr lang="en-US" dirty="0"/>
-              <a:t>Chapters form several clusters, which can be integrated in various courses</a:t>
-            </a:r>
-          </a:p>
-        </p:txBody>
-      </p:sp>
-      <p:pic>
-        <p:nvPicPr>
-          <p:cNvPr id="5" name="Picture 4">
-            <a:extLst>
-              <a:ext uri="{FF2B5EF4-FFF2-40B4-BE49-F238E27FC236}">
-                <a16:creationId xmlns:a16="http://schemas.microsoft.com/office/drawing/2014/main" id="{8C5E071E-68B0-BCE6-FD7C-C9D0DCE424EB}"/>
-              </a:ext>
-            </a:extLst>
-          </p:cNvPr>
-          <p:cNvPicPr>
-            <a:picLocks noChangeAspect="1"/>
-          </p:cNvPicPr>
-          <p:nvPr/>
-        </p:nvPicPr>
-        <p:blipFill>
-          <a:blip r:embed="rId2"/>
-          <a:stretch>
-            <a:fillRect/>
-          </a:stretch>
-        </p:blipFill>
-        <p:spPr>
-          <a:xfrm>
-            <a:off x="6802336" y="443790"/>
-            <a:ext cx="5207348" cy="5970420"/>
-          </a:xfrm>
-          <a:prstGeom prst="rect">
-            <a:avLst/>
-          </a:prstGeom>
-        </p:spPr>
-      </p:pic>
-      <p:cxnSp>
-        <p:nvCxnSpPr>
-          <p:cNvPr id="7" name="Straight Connector 6">
-            <a:extLst>
-              <a:ext uri="{FF2B5EF4-FFF2-40B4-BE49-F238E27FC236}">
-                <a16:creationId xmlns:a16="http://schemas.microsoft.com/office/drawing/2014/main" id="{B3379121-891B-1B06-7FB9-BDABC00826AD}"/>
-              </a:ext>
-            </a:extLst>
-          </p:cNvPr>
-          <p:cNvCxnSpPr>
-            <a:cxnSpLocks/>
-          </p:cNvCxnSpPr>
-          <p:nvPr/>
-        </p:nvCxnSpPr>
-        <p:spPr>
-          <a:xfrm>
-            <a:off x="6519511" y="957179"/>
-            <a:ext cx="0" cy="2103654"/>
-          </a:xfrm>
-          <a:prstGeom prst="line">
-            <a:avLst/>
-          </a:prstGeom>
-          <a:ln w="38100">
-            <a:solidFill>
-              <a:schemeClr val="tx1"/>
-            </a:solidFill>
-          </a:ln>
-        </p:spPr>
-        <p:style>
-          <a:lnRef idx="1">
-            <a:schemeClr val="accent1"/>
-          </a:lnRef>
-          <a:fillRef idx="0">
-            <a:schemeClr val="accent1"/>
-          </a:fillRef>
-          <a:effectRef idx="0">
-            <a:schemeClr val="accent1"/>
-          </a:effectRef>
-          <a:fontRef idx="minor">
-            <a:schemeClr val="tx1"/>
-          </a:fontRef>
-        </p:style>
-      </p:cxnSp>
-      <p:cxnSp>
-        <p:nvCxnSpPr>
-          <p:cNvPr id="9" name="Straight Connector 8">
-            <a:extLst>
-              <a:ext uri="{FF2B5EF4-FFF2-40B4-BE49-F238E27FC236}">
-                <a16:creationId xmlns:a16="http://schemas.microsoft.com/office/drawing/2014/main" id="{F6355FFE-855C-584E-E3EA-21E29F7D4238}"/>
-              </a:ext>
-            </a:extLst>
-          </p:cNvPr>
-          <p:cNvCxnSpPr>
-            <a:cxnSpLocks/>
-          </p:cNvCxnSpPr>
-          <p:nvPr/>
-        </p:nvCxnSpPr>
-        <p:spPr>
-          <a:xfrm>
-            <a:off x="6519511" y="3294515"/>
-            <a:ext cx="0" cy="1104230"/>
-          </a:xfrm>
-          <a:prstGeom prst="line">
-            <a:avLst/>
-          </a:prstGeom>
-          <a:ln w="38100">
-            <a:solidFill>
-              <a:schemeClr val="tx1"/>
-            </a:solidFill>
-          </a:ln>
-        </p:spPr>
-        <p:style>
-          <a:lnRef idx="1">
-            <a:schemeClr val="accent1"/>
-          </a:lnRef>
-          <a:fillRef idx="0">
-            <a:schemeClr val="accent1"/>
-          </a:fillRef>
-          <a:effectRef idx="0">
-            <a:schemeClr val="accent1"/>
-          </a:effectRef>
-          <a:fontRef idx="minor">
-            <a:schemeClr val="tx1"/>
-          </a:fontRef>
-        </p:style>
-      </p:cxnSp>
-      <p:cxnSp>
-        <p:nvCxnSpPr>
-          <p:cNvPr id="11" name="Straight Connector 10">
-            <a:extLst>
-              <a:ext uri="{FF2B5EF4-FFF2-40B4-BE49-F238E27FC236}">
-                <a16:creationId xmlns:a16="http://schemas.microsoft.com/office/drawing/2014/main" id="{FFFEDA5D-F578-3004-21B1-4C88BAF6EF19}"/>
-              </a:ext>
-            </a:extLst>
-          </p:cNvPr>
-          <p:cNvCxnSpPr>
-            <a:cxnSpLocks/>
-          </p:cNvCxnSpPr>
-          <p:nvPr/>
-        </p:nvCxnSpPr>
-        <p:spPr>
-          <a:xfrm>
-            <a:off x="6519511" y="4597710"/>
-            <a:ext cx="0" cy="927191"/>
-          </a:xfrm>
-          <a:prstGeom prst="line">
-            <a:avLst/>
-          </a:prstGeom>
-          <a:ln w="38100">
-            <a:solidFill>
-              <a:schemeClr val="tx1"/>
-            </a:solidFill>
-          </a:ln>
-        </p:spPr>
-        <p:style>
-          <a:lnRef idx="1">
-            <a:schemeClr val="accent1"/>
-          </a:lnRef>
-          <a:fillRef idx="0">
-            <a:schemeClr val="accent1"/>
-          </a:fillRef>
-          <a:effectRef idx="0">
-            <a:schemeClr val="accent1"/>
-          </a:effectRef>
-          <a:fontRef idx="minor">
-            <a:schemeClr val="tx1"/>
-          </a:fontRef>
-        </p:style>
-      </p:cxnSp>
-      <p:cxnSp>
-        <p:nvCxnSpPr>
-          <p:cNvPr id="13" name="Straight Connector 12">
-            <a:extLst>
-              <a:ext uri="{FF2B5EF4-FFF2-40B4-BE49-F238E27FC236}">
-                <a16:creationId xmlns:a16="http://schemas.microsoft.com/office/drawing/2014/main" id="{72D6405C-1F53-DA00-CCB0-9AF037BD7C12}"/>
-              </a:ext>
-            </a:extLst>
-          </p:cNvPr>
-          <p:cNvCxnSpPr>
-            <a:cxnSpLocks/>
-          </p:cNvCxnSpPr>
-          <p:nvPr/>
-        </p:nvCxnSpPr>
-        <p:spPr>
-          <a:xfrm>
-            <a:off x="6519511" y="5646210"/>
-            <a:ext cx="0" cy="340704"/>
-          </a:xfrm>
-          <a:prstGeom prst="line">
-            <a:avLst/>
-          </a:prstGeom>
-          <a:ln w="38100">
-            <a:solidFill>
-              <a:schemeClr val="tx1"/>
-            </a:solidFill>
-          </a:ln>
-        </p:spPr>
-        <p:style>
-          <a:lnRef idx="1">
-            <a:schemeClr val="accent1"/>
-          </a:lnRef>
-          <a:fillRef idx="0">
-            <a:schemeClr val="accent1"/>
-          </a:fillRef>
-          <a:effectRef idx="0">
-            <a:schemeClr val="accent1"/>
-          </a:effectRef>
-          <a:fontRef idx="minor">
-            <a:schemeClr val="tx1"/>
-          </a:fontRef>
-        </p:style>
-      </p:cxnSp>
-      <p:cxnSp>
-        <p:nvCxnSpPr>
-          <p:cNvPr id="16" name="Straight Connector 15">
-            <a:extLst>
-              <a:ext uri="{FF2B5EF4-FFF2-40B4-BE49-F238E27FC236}">
-                <a16:creationId xmlns:a16="http://schemas.microsoft.com/office/drawing/2014/main" id="{E9C3BA39-EA39-ED72-8ACD-88959256B74B}"/>
-              </a:ext>
-            </a:extLst>
-          </p:cNvPr>
-          <p:cNvCxnSpPr>
-            <a:cxnSpLocks/>
-          </p:cNvCxnSpPr>
-          <p:nvPr/>
-        </p:nvCxnSpPr>
-        <p:spPr>
-          <a:xfrm flipH="1">
-            <a:off x="6521115" y="957179"/>
-            <a:ext cx="281221" cy="0"/>
-          </a:xfrm>
-          <a:prstGeom prst="line">
-            <a:avLst/>
-          </a:prstGeom>
-          <a:ln w="38100">
-            <a:solidFill>
-              <a:schemeClr val="tx1"/>
-            </a:solidFill>
-          </a:ln>
-        </p:spPr>
-        <p:style>
-          <a:lnRef idx="1">
-            <a:schemeClr val="accent1"/>
-          </a:lnRef>
-          <a:fillRef idx="0">
-            <a:schemeClr val="accent1"/>
-          </a:fillRef>
-          <a:effectRef idx="0">
-            <a:schemeClr val="accent1"/>
-          </a:effectRef>
-          <a:fontRef idx="minor">
-            <a:schemeClr val="tx1"/>
-          </a:fontRef>
-        </p:style>
-      </p:cxnSp>
-      <p:cxnSp>
-        <p:nvCxnSpPr>
-          <p:cNvPr id="18" name="Straight Connector 17">
-            <a:extLst>
-              <a:ext uri="{FF2B5EF4-FFF2-40B4-BE49-F238E27FC236}">
-                <a16:creationId xmlns:a16="http://schemas.microsoft.com/office/drawing/2014/main" id="{53EB0C21-350B-D539-9FCA-56A9CA086A30}"/>
-              </a:ext>
-            </a:extLst>
-          </p:cNvPr>
-          <p:cNvCxnSpPr>
-            <a:cxnSpLocks/>
-          </p:cNvCxnSpPr>
-          <p:nvPr/>
-        </p:nvCxnSpPr>
-        <p:spPr>
-          <a:xfrm flipH="1">
-            <a:off x="6519511" y="3042652"/>
-            <a:ext cx="281221" cy="0"/>
-          </a:xfrm>
-          <a:prstGeom prst="line">
-            <a:avLst/>
-          </a:prstGeom>
-          <a:ln w="38100">
-            <a:solidFill>
-              <a:schemeClr val="tx1"/>
-            </a:solidFill>
-          </a:ln>
-        </p:spPr>
-        <p:style>
-          <a:lnRef idx="1">
-            <a:schemeClr val="accent1"/>
-          </a:lnRef>
-          <a:fillRef idx="0">
-            <a:schemeClr val="accent1"/>
-          </a:fillRef>
-          <a:effectRef idx="0">
-            <a:schemeClr val="accent1"/>
-          </a:effectRef>
-          <a:fontRef idx="minor">
-            <a:schemeClr val="tx1"/>
-          </a:fontRef>
-        </p:style>
-      </p:cxnSp>
-      <p:cxnSp>
-        <p:nvCxnSpPr>
-          <p:cNvPr id="19" name="Straight Connector 18">
-            <a:extLst>
-              <a:ext uri="{FF2B5EF4-FFF2-40B4-BE49-F238E27FC236}">
-                <a16:creationId xmlns:a16="http://schemas.microsoft.com/office/drawing/2014/main" id="{82517FD2-FBCA-250A-424D-978DA8C4CF56}"/>
-              </a:ext>
-            </a:extLst>
-          </p:cNvPr>
-          <p:cNvCxnSpPr>
-            <a:cxnSpLocks/>
-          </p:cNvCxnSpPr>
-          <p:nvPr/>
-        </p:nvCxnSpPr>
-        <p:spPr>
-          <a:xfrm flipH="1">
-            <a:off x="6519511" y="3299194"/>
-            <a:ext cx="281221" cy="0"/>
-          </a:xfrm>
-          <a:prstGeom prst="line">
-            <a:avLst/>
-          </a:prstGeom>
-          <a:ln w="38100">
-            <a:solidFill>
-              <a:schemeClr val="tx1"/>
-            </a:solidFill>
-          </a:ln>
-        </p:spPr>
-        <p:style>
-          <a:lnRef idx="1">
-            <a:schemeClr val="accent1"/>
-          </a:lnRef>
-          <a:fillRef idx="0">
-            <a:schemeClr val="accent1"/>
-          </a:fillRef>
-          <a:effectRef idx="0">
-            <a:schemeClr val="accent1"/>
-          </a:effectRef>
-          <a:fontRef idx="minor">
-            <a:schemeClr val="tx1"/>
-          </a:fontRef>
-        </p:style>
-      </p:cxnSp>
-      <p:cxnSp>
-        <p:nvCxnSpPr>
-          <p:cNvPr id="20" name="Straight Connector 19">
-            <a:extLst>
-              <a:ext uri="{FF2B5EF4-FFF2-40B4-BE49-F238E27FC236}">
-                <a16:creationId xmlns:a16="http://schemas.microsoft.com/office/drawing/2014/main" id="{8E020F6F-A90F-D4E0-8DD7-CEF8CBA7E002}"/>
-              </a:ext>
-            </a:extLst>
-          </p:cNvPr>
-          <p:cNvCxnSpPr>
-            <a:cxnSpLocks/>
-          </p:cNvCxnSpPr>
-          <p:nvPr/>
-        </p:nvCxnSpPr>
-        <p:spPr>
-          <a:xfrm flipH="1">
-            <a:off x="6519511" y="4398745"/>
-            <a:ext cx="281221" cy="0"/>
-          </a:xfrm>
-          <a:prstGeom prst="line">
-            <a:avLst/>
-          </a:prstGeom>
-          <a:ln w="38100">
-            <a:solidFill>
-              <a:schemeClr val="tx1"/>
-            </a:solidFill>
-          </a:ln>
-        </p:spPr>
-        <p:style>
-          <a:lnRef idx="1">
-            <a:schemeClr val="accent1"/>
-          </a:lnRef>
-          <a:fillRef idx="0">
-            <a:schemeClr val="accent1"/>
-          </a:fillRef>
-          <a:effectRef idx="0">
-            <a:schemeClr val="accent1"/>
-          </a:effectRef>
-          <a:fontRef idx="minor">
-            <a:schemeClr val="tx1"/>
-          </a:fontRef>
-        </p:style>
-      </p:cxnSp>
-      <p:cxnSp>
-        <p:nvCxnSpPr>
-          <p:cNvPr id="22" name="Straight Connector 21">
-            <a:extLst>
-              <a:ext uri="{FF2B5EF4-FFF2-40B4-BE49-F238E27FC236}">
-                <a16:creationId xmlns:a16="http://schemas.microsoft.com/office/drawing/2014/main" id="{184C2B91-55DE-7EFD-C25E-50F7DADF5109}"/>
-              </a:ext>
-            </a:extLst>
-          </p:cNvPr>
-          <p:cNvCxnSpPr>
-            <a:cxnSpLocks/>
-          </p:cNvCxnSpPr>
-          <p:nvPr/>
-        </p:nvCxnSpPr>
-        <p:spPr>
-          <a:xfrm flipH="1">
-            <a:off x="6519511" y="4610009"/>
-            <a:ext cx="281221" cy="0"/>
-          </a:xfrm>
-          <a:prstGeom prst="line">
-            <a:avLst/>
-          </a:prstGeom>
-          <a:ln w="38100">
-            <a:solidFill>
-              <a:schemeClr val="tx1"/>
-            </a:solidFill>
-          </a:ln>
-        </p:spPr>
-        <p:style>
-          <a:lnRef idx="1">
-            <a:schemeClr val="accent1"/>
-          </a:lnRef>
-          <a:fillRef idx="0">
-            <a:schemeClr val="accent1"/>
-          </a:fillRef>
-          <a:effectRef idx="0">
-            <a:schemeClr val="accent1"/>
-          </a:effectRef>
-          <a:fontRef idx="minor">
-            <a:schemeClr val="tx1"/>
-          </a:fontRef>
-        </p:style>
-      </p:cxnSp>
-      <p:cxnSp>
-        <p:nvCxnSpPr>
-          <p:cNvPr id="23" name="Straight Connector 22">
-            <a:extLst>
-              <a:ext uri="{FF2B5EF4-FFF2-40B4-BE49-F238E27FC236}">
-                <a16:creationId xmlns:a16="http://schemas.microsoft.com/office/drawing/2014/main" id="{70D31651-A4A2-0B8B-AFD2-7C289BE90125}"/>
-              </a:ext>
-            </a:extLst>
-          </p:cNvPr>
-          <p:cNvCxnSpPr>
-            <a:cxnSpLocks/>
-          </p:cNvCxnSpPr>
-          <p:nvPr/>
-        </p:nvCxnSpPr>
-        <p:spPr>
-          <a:xfrm flipH="1">
-            <a:off x="6519511" y="5524901"/>
-            <a:ext cx="281221" cy="0"/>
-          </a:xfrm>
-          <a:prstGeom prst="line">
-            <a:avLst/>
-          </a:prstGeom>
-          <a:ln w="38100">
-            <a:solidFill>
-              <a:schemeClr val="tx1"/>
-            </a:solidFill>
-          </a:ln>
-        </p:spPr>
-        <p:style>
-          <a:lnRef idx="1">
-            <a:schemeClr val="accent1"/>
-          </a:lnRef>
-          <a:fillRef idx="0">
-            <a:schemeClr val="accent1"/>
-          </a:fillRef>
-          <a:effectRef idx="0">
-            <a:schemeClr val="accent1"/>
-          </a:effectRef>
-          <a:fontRef idx="minor">
-            <a:schemeClr val="tx1"/>
-          </a:fontRef>
-        </p:style>
-      </p:cxnSp>
-      <p:cxnSp>
-        <p:nvCxnSpPr>
-          <p:cNvPr id="24" name="Straight Connector 23">
-            <a:extLst>
-              <a:ext uri="{FF2B5EF4-FFF2-40B4-BE49-F238E27FC236}">
-                <a16:creationId xmlns:a16="http://schemas.microsoft.com/office/drawing/2014/main" id="{4D76A118-FAD2-A93E-FB41-2A28428A15AB}"/>
-              </a:ext>
-            </a:extLst>
-          </p:cNvPr>
-          <p:cNvCxnSpPr>
-            <a:cxnSpLocks/>
-          </p:cNvCxnSpPr>
-          <p:nvPr/>
-        </p:nvCxnSpPr>
-        <p:spPr>
-          <a:xfrm flipH="1">
-            <a:off x="6519511" y="5986914"/>
-            <a:ext cx="281221" cy="0"/>
-          </a:xfrm>
-          <a:prstGeom prst="line">
-            <a:avLst/>
-          </a:prstGeom>
-          <a:ln w="38100">
-            <a:solidFill>
-              <a:schemeClr val="tx1"/>
-            </a:solidFill>
-          </a:ln>
-        </p:spPr>
-        <p:style>
-          <a:lnRef idx="1">
-            <a:schemeClr val="accent1"/>
-          </a:lnRef>
-          <a:fillRef idx="0">
-            <a:schemeClr val="accent1"/>
-          </a:fillRef>
-          <a:effectRef idx="0">
-            <a:schemeClr val="accent1"/>
-          </a:effectRef>
-          <a:fontRef idx="minor">
-            <a:schemeClr val="tx1"/>
-          </a:fontRef>
-        </p:style>
-      </p:cxnSp>
-      <p:cxnSp>
-        <p:nvCxnSpPr>
-          <p:cNvPr id="25" name="Straight Connector 24">
-            <a:extLst>
-              <a:ext uri="{FF2B5EF4-FFF2-40B4-BE49-F238E27FC236}">
-                <a16:creationId xmlns:a16="http://schemas.microsoft.com/office/drawing/2014/main" id="{A9FDB71C-727A-314E-1007-18FE94A1A2D2}"/>
-              </a:ext>
-            </a:extLst>
-          </p:cNvPr>
-          <p:cNvCxnSpPr>
-            <a:cxnSpLocks/>
-          </p:cNvCxnSpPr>
-          <p:nvPr/>
-        </p:nvCxnSpPr>
-        <p:spPr>
-          <a:xfrm flipH="1">
-            <a:off x="6519511" y="5650889"/>
-            <a:ext cx="281221" cy="0"/>
-          </a:xfrm>
-          <a:prstGeom prst="line">
-            <a:avLst/>
-          </a:prstGeom>
-          <a:ln w="38100">
-            <a:solidFill>
-              <a:schemeClr val="tx1"/>
-            </a:solidFill>
-          </a:ln>
-        </p:spPr>
-        <p:style>
-          <a:lnRef idx="1">
-            <a:schemeClr val="accent1"/>
-          </a:lnRef>
-          <a:fillRef idx="0">
-            <a:schemeClr val="accent1"/>
-          </a:fillRef>
-          <a:effectRef idx="0">
-            <a:schemeClr val="accent1"/>
-          </a:effectRef>
-          <a:fontRef idx="minor">
-            <a:schemeClr val="tx1"/>
-          </a:fontRef>
-        </p:style>
-      </p:cxnSp>
-      <p:sp>
-        <p:nvSpPr>
-          <p:cNvPr id="26" name="TextBox 25">
-            <a:extLst>
-              <a:ext uri="{FF2B5EF4-FFF2-40B4-BE49-F238E27FC236}">
-                <a16:creationId xmlns:a16="http://schemas.microsoft.com/office/drawing/2014/main" id="{B21757F9-22B7-45EC-0777-1E89A61D398D}"/>
-              </a:ext>
-            </a:extLst>
-          </p:cNvPr>
-          <p:cNvSpPr txBox="1"/>
-          <p:nvPr/>
-        </p:nvSpPr>
-        <p:spPr>
-          <a:xfrm>
-            <a:off x="4799226" y="1488927"/>
-            <a:ext cx="1688924" cy="923330"/>
-          </a:xfrm>
-          <a:prstGeom prst="rect">
-            <a:avLst/>
-          </a:prstGeom>
-          <a:noFill/>
-        </p:spPr>
-        <p:txBody>
-          <a:bodyPr wrap="none" rtlCol="0">
-            <a:spAutoFit/>
+          <a:bodyPr>
+            <a:normAutofit/>
           </a:bodyPr>
           <a:lstStyle/>
           <a:p>
-            <a:pPr algn="ctr"/>
-            <a:r>
-              <a:rPr lang="en-US" dirty="0"/>
-              <a:t>CS Core:</a:t>
-            </a:r>
-            <a:br>
-              <a:rPr lang="en-US" dirty="0"/>
-            </a:br>
-            <a:r>
-              <a:rPr lang="en-US" dirty="0"/>
-              <a:t>Implementation</a:t>
-            </a:r>
-            <a:br>
-              <a:rPr lang="en-US" dirty="0"/>
-            </a:br>
-            <a:r>
-              <a:rPr lang="en-US" dirty="0"/>
-              <a:t>+ Theory</a:t>
-            </a:r>
-          </a:p>
-        </p:txBody>
-      </p:sp>
-      <p:sp>
-        <p:nvSpPr>
-          <p:cNvPr id="27" name="TextBox 26">
-            <a:extLst>
-              <a:ext uri="{FF2B5EF4-FFF2-40B4-BE49-F238E27FC236}">
-                <a16:creationId xmlns:a16="http://schemas.microsoft.com/office/drawing/2014/main" id="{21A32AEA-1DFC-453B-759D-CFFF0D43A1AD}"/>
-              </a:ext>
-            </a:extLst>
-          </p:cNvPr>
-          <p:cNvSpPr txBox="1"/>
-          <p:nvPr/>
-        </p:nvSpPr>
-        <p:spPr>
-          <a:xfrm>
-            <a:off x="4715299" y="3384965"/>
-            <a:ext cx="1840568" cy="923330"/>
-          </a:xfrm>
-          <a:prstGeom prst="rect">
-            <a:avLst/>
-          </a:prstGeom>
-          <a:noFill/>
-        </p:spPr>
-        <p:txBody>
-          <a:bodyPr wrap="none" rtlCol="0">
-            <a:spAutoFit/>
-          </a:bodyPr>
-          <a:lstStyle/>
-          <a:p>
-            <a:pPr algn="ctr"/>
-            <a:r>
-              <a:rPr lang="en-US" dirty="0"/>
-              <a:t>HCI Core:</a:t>
-            </a:r>
-            <a:br>
-              <a:rPr lang="en-US" dirty="0"/>
-            </a:br>
-            <a:r>
-              <a:rPr lang="en-US" dirty="0"/>
-              <a:t>Social Science</a:t>
-            </a:r>
-            <a:br>
-              <a:rPr lang="en-US" dirty="0"/>
-            </a:br>
-            <a:r>
-              <a:rPr lang="en-US" dirty="0"/>
-              <a:t>+ Critical Studies</a:t>
-            </a:r>
-          </a:p>
-        </p:txBody>
-      </p:sp>
-      <p:sp>
-        <p:nvSpPr>
-          <p:cNvPr id="28" name="TextBox 27">
-            <a:extLst>
-              <a:ext uri="{FF2B5EF4-FFF2-40B4-BE49-F238E27FC236}">
-                <a16:creationId xmlns:a16="http://schemas.microsoft.com/office/drawing/2014/main" id="{5546ADA1-1FAC-9533-DE8C-37D07253596B}"/>
-              </a:ext>
-            </a:extLst>
-          </p:cNvPr>
-          <p:cNvSpPr txBox="1"/>
-          <p:nvPr/>
-        </p:nvSpPr>
-        <p:spPr>
-          <a:xfrm>
-            <a:off x="4942925" y="4597709"/>
-            <a:ext cx="1612942" cy="646331"/>
-          </a:xfrm>
-          <a:prstGeom prst="rect">
-            <a:avLst/>
-          </a:prstGeom>
-          <a:noFill/>
-        </p:spPr>
-        <p:txBody>
-          <a:bodyPr wrap="none" rtlCol="0">
-            <a:spAutoFit/>
-          </a:bodyPr>
-          <a:lstStyle/>
-          <a:p>
-            <a:pPr algn="ctr"/>
-            <a:r>
-              <a:rPr lang="en-US" dirty="0"/>
-              <a:t>Media Module:</a:t>
-            </a:r>
-            <a:br>
-              <a:rPr lang="en-US" dirty="0"/>
-            </a:br>
-            <a:r>
-              <a:rPr lang="en-US" dirty="0"/>
-              <a:t>Case Studies</a:t>
-            </a:r>
-          </a:p>
-        </p:txBody>
-      </p:sp>
-      <p:sp>
-        <p:nvSpPr>
-          <p:cNvPr id="29" name="TextBox 28">
-            <a:extLst>
-              <a:ext uri="{FF2B5EF4-FFF2-40B4-BE49-F238E27FC236}">
-                <a16:creationId xmlns:a16="http://schemas.microsoft.com/office/drawing/2014/main" id="{7A6F21C6-EFD4-E9D5-73A0-A7ECF8E40DB6}"/>
-              </a:ext>
-            </a:extLst>
-          </p:cNvPr>
-          <p:cNvSpPr txBox="1"/>
-          <p:nvPr/>
-        </p:nvSpPr>
-        <p:spPr>
-          <a:xfrm>
-            <a:off x="4837481" y="5493396"/>
-            <a:ext cx="1682833" cy="646331"/>
-          </a:xfrm>
-          <a:prstGeom prst="rect">
-            <a:avLst/>
-          </a:prstGeom>
-          <a:noFill/>
-        </p:spPr>
-        <p:txBody>
-          <a:bodyPr wrap="none" rtlCol="0">
-            <a:spAutoFit/>
-          </a:bodyPr>
-          <a:lstStyle/>
-          <a:p>
-            <a:pPr algn="ctr"/>
-            <a:r>
-              <a:rPr lang="en-US" dirty="0"/>
-              <a:t>Advanced</a:t>
-            </a:r>
-            <a:br>
-              <a:rPr lang="en-US" dirty="0"/>
-            </a:br>
-            <a:r>
-              <a:rPr lang="en-US" dirty="0"/>
-              <a:t>Theory Module</a:t>
-            </a:r>
+            <a:r>
+              <a:rPr lang="en-US" dirty="0"/>
+              <a:t>Book contains exercises for </a:t>
+            </a:r>
+            <a:r>
+              <a:rPr lang="en-US" b="1" dirty="0"/>
+              <a:t>every archetype</a:t>
+            </a:r>
+            <a:endParaRPr lang="en-US" dirty="0"/>
+          </a:p>
+          <a:p>
+            <a:pPr lvl="1"/>
+            <a:r>
+              <a:rPr lang="en-US" b="1" dirty="0"/>
+              <a:t>Practitioner:</a:t>
+            </a:r>
+            <a:r>
+              <a:rPr lang="en-US" dirty="0"/>
+              <a:t> Implement function X in Rust; make a picture in Processing</a:t>
+            </a:r>
+          </a:p>
+          <a:p>
+            <a:pPr lvl="1"/>
+            <a:r>
+              <a:rPr lang="en-US" b="1" dirty="0"/>
+              <a:t>Implementer: </a:t>
+            </a:r>
+            <a:r>
+              <a:rPr lang="en-US" dirty="0"/>
+              <a:t>Implement type-checker in Rust</a:t>
+            </a:r>
+          </a:p>
+          <a:p>
+            <a:pPr lvl="1"/>
+            <a:r>
+              <a:rPr lang="en-US" b="1" dirty="0"/>
+              <a:t>Theorist: </a:t>
+            </a:r>
+            <a:r>
+              <a:rPr lang="en-US" dirty="0"/>
+              <a:t>Construct derivations for context-free grammars; language of a regex</a:t>
+            </a:r>
+          </a:p>
+          <a:p>
+            <a:pPr lvl="1"/>
+            <a:r>
+              <a:rPr lang="en-US" b="1" dirty="0"/>
+              <a:t>Social Scientist:</a:t>
+            </a:r>
+            <a:r>
+              <a:rPr lang="en-US" dirty="0"/>
+              <a:t> Qualitative corpus analysis; autoethnography for code</a:t>
+            </a:r>
+            <a:endParaRPr lang="en-US" b="1" dirty="0"/>
+          </a:p>
+          <a:p>
+            <a:pPr lvl="1"/>
+            <a:r>
+              <a:rPr lang="en-US" b="1" dirty="0"/>
+              <a:t>Humanist: </a:t>
+            </a:r>
+            <a:r>
+              <a:rPr lang="en-US" dirty="0"/>
+              <a:t>Critical essays in cultural, gender, and disability studies</a:t>
+            </a:r>
+          </a:p>
+          <a:p>
+            <a:r>
+              <a:rPr lang="en-US" dirty="0"/>
+              <a:t>And multiple complexity levels:</a:t>
+            </a:r>
+          </a:p>
+          <a:p>
+            <a:pPr lvl="1"/>
+            <a:r>
+              <a:rPr lang="en-US" b="1" dirty="0"/>
+              <a:t>Exam questions: </a:t>
+            </a:r>
+            <a:r>
+              <a:rPr lang="en-US" dirty="0"/>
+              <a:t>reason about examples of regex, CFG, semantics, types</a:t>
+            </a:r>
+          </a:p>
+          <a:p>
+            <a:pPr lvl="1"/>
+            <a:r>
+              <a:rPr lang="en-US" b="1" dirty="0"/>
+              <a:t>Homework + Projects: </a:t>
+            </a:r>
+            <a:r>
+              <a:rPr lang="en-US" dirty="0"/>
+              <a:t>Implement PL feature X. Design + run user study</a:t>
+            </a:r>
+            <a:endParaRPr lang="en-US" b="1" dirty="0"/>
+          </a:p>
+          <a:p>
+            <a:pPr lvl="1"/>
+            <a:r>
+              <a:rPr lang="en-US" b="1" dirty="0"/>
+              <a:t>Research-Level: </a:t>
+            </a:r>
+            <a:r>
+              <a:rPr lang="en-US" dirty="0"/>
+              <a:t>Design a type system that does X; do proofs, user studies, </a:t>
+            </a:r>
+            <a:r>
+              <a:rPr lang="en-US" dirty="0" err="1"/>
+              <a:t>etc</a:t>
+            </a:r>
+            <a:r>
+              <a:rPr lang="en-US" dirty="0"/>
+              <a:t>…</a:t>
+            </a:r>
+            <a:endParaRPr lang="en-US" b="1" dirty="0"/>
+          </a:p>
+          <a:p>
+            <a:pPr lvl="1"/>
+            <a:endParaRPr lang="en-US" b="1" dirty="0"/>
+          </a:p>
+          <a:p>
+            <a:pPr lvl="1"/>
+            <a:endParaRPr lang="en-US" b="1" dirty="0"/>
           </a:p>
         </p:txBody>
       </p:sp>
     </p:spTree>
     <p:extLst>
       <p:ext uri="{BB962C8B-B14F-4D97-AF65-F5344CB8AC3E}">
-        <p14:creationId xmlns:p14="http://schemas.microsoft.com/office/powerpoint/2010/main" val="2654569342"/>
+        <p14:creationId xmlns:p14="http://schemas.microsoft.com/office/powerpoint/2010/main" val="3363802956"/>
       </p:ext>
     </p:extLst>
   </p:cSld>
@@ -5056,7 +4439,7 @@
           <p:cNvPr id="2" name="Title 1">
             <a:extLst>
               <a:ext uri="{FF2B5EF4-FFF2-40B4-BE49-F238E27FC236}">
-                <a16:creationId xmlns:a16="http://schemas.microsoft.com/office/drawing/2014/main" id="{983D6BA5-AC6E-48DD-9446-6203CA62C5A5}"/>
+                <a16:creationId xmlns:a16="http://schemas.microsoft.com/office/drawing/2014/main" id="{73DEF183-FA04-D231-F4E4-358EDC6D690A}"/>
               </a:ext>
             </a:extLst>
           </p:cNvPr>
@@ -5074,7 +4457,7 @@
           <a:p>
             <a:r>
               <a:rPr lang="en-US" dirty="0"/>
-              <a:t>Platform + Format</a:t>
+              <a:t>Assignments</a:t>
             </a:r>
           </a:p>
         </p:txBody>
@@ -5084,7 +4467,7 @@
           <p:cNvPr id="3" name="Content Placeholder 2">
             <a:extLst>
               <a:ext uri="{FF2B5EF4-FFF2-40B4-BE49-F238E27FC236}">
-                <a16:creationId xmlns:a16="http://schemas.microsoft.com/office/drawing/2014/main" id="{604A8032-4026-45CD-53F1-38DBF416460D}"/>
+                <a16:creationId xmlns:a16="http://schemas.microsoft.com/office/drawing/2014/main" id="{64015499-C3A5-01D4-6885-24B8663A2567}"/>
               </a:ext>
             </a:extLst>
           </p:cNvPr>
@@ -5097,786 +4480,8 @@
         </p:nvSpPr>
         <p:spPr>
           <a:xfrm>
-            <a:off x="363628" y="1193334"/>
-            <a:ext cx="11293200" cy="3783013"/>
-          </a:xfrm>
-        </p:spPr>
-        <p:txBody>
-          <a:bodyPr/>
-          <a:lstStyle/>
-          <a:p>
-            <a:r>
-              <a:rPr lang="en-US" dirty="0"/>
-              <a:t>Prepared using </a:t>
-            </a:r>
-            <a:r>
-              <a:rPr lang="en-US" dirty="0">
-                <a:hlinkClick r:id="rId2"/>
-              </a:rPr>
-              <a:t>Bookish</a:t>
-            </a:r>
-            <a:r>
-              <a:rPr lang="en-US" dirty="0"/>
-              <a:t>, </a:t>
-            </a:r>
-            <a:r>
-              <a:rPr lang="en-US" dirty="0" err="1"/>
-              <a:t>ebook</a:t>
-            </a:r>
-            <a:r>
-              <a:rPr lang="en-US" dirty="0"/>
-              <a:t> platform by </a:t>
-            </a:r>
-            <a:r>
-              <a:rPr lang="en-US" dirty="0">
-                <a:hlinkClick r:id="rId3"/>
-              </a:rPr>
-              <a:t>Amy J. Ko</a:t>
-            </a:r>
-            <a:endParaRPr lang="en-US" dirty="0"/>
-          </a:p>
-          <a:p>
-            <a:r>
-              <a:rPr lang="en-US" dirty="0"/>
-              <a:t>Typical chapter structure: Introduction </a:t>
-            </a:r>
-          </a:p>
-        </p:txBody>
-      </p:sp>
-      <p:pic>
-        <p:nvPicPr>
-          <p:cNvPr id="9" name="Picture 8">
-            <a:extLst>
-              <a:ext uri="{FF2B5EF4-FFF2-40B4-BE49-F238E27FC236}">
-                <a16:creationId xmlns:a16="http://schemas.microsoft.com/office/drawing/2014/main" id="{1E68F5FA-6CE8-2E8E-9DE3-0787201EF974}"/>
-              </a:ext>
-            </a:extLst>
-          </p:cNvPr>
-          <p:cNvPicPr>
-            <a:picLocks noChangeAspect="1"/>
-          </p:cNvPicPr>
-          <p:nvPr/>
-        </p:nvPicPr>
-        <p:blipFill>
-          <a:blip r:embed="rId4"/>
-          <a:stretch>
-            <a:fillRect/>
-          </a:stretch>
-        </p:blipFill>
-        <p:spPr>
-          <a:xfrm>
-            <a:off x="200525" y="3084840"/>
-            <a:ext cx="6620768" cy="2351881"/>
-          </a:xfrm>
-          <a:prstGeom prst="rect">
-            <a:avLst/>
-          </a:prstGeom>
-        </p:spPr>
-      </p:pic>
-      <p:sp>
-        <p:nvSpPr>
-          <p:cNvPr id="10" name="TextBox 9">
-            <a:extLst>
-              <a:ext uri="{FF2B5EF4-FFF2-40B4-BE49-F238E27FC236}">
-                <a16:creationId xmlns:a16="http://schemas.microsoft.com/office/drawing/2014/main" id="{7B15B3D4-E174-2FBB-ABBF-2F0FCF3D32C9}"/>
-              </a:ext>
-            </a:extLst>
-          </p:cNvPr>
-          <p:cNvSpPr txBox="1"/>
-          <p:nvPr/>
-        </p:nvSpPr>
-        <p:spPr>
-          <a:xfrm>
-            <a:off x="0" y="2629584"/>
-            <a:ext cx="6610752" cy="400110"/>
-          </a:xfrm>
-          <a:prstGeom prst="rect">
-            <a:avLst/>
-          </a:prstGeom>
-          <a:noFill/>
-        </p:spPr>
-        <p:txBody>
-          <a:bodyPr wrap="square" rtlCol="0">
-            <a:spAutoFit/>
-          </a:bodyPr>
-          <a:lstStyle/>
-          <a:p>
-            <a:r>
-              <a:rPr lang="en-US" sz="2000" b="1" dirty="0"/>
-              <a:t>Introduction contextualizes content for each archetype</a:t>
-            </a:r>
-          </a:p>
-        </p:txBody>
-      </p:sp>
-    </p:spTree>
-    <p:extLst>
-      <p:ext uri="{BB962C8B-B14F-4D97-AF65-F5344CB8AC3E}">
-        <p14:creationId xmlns:p14="http://schemas.microsoft.com/office/powerpoint/2010/main" val="2801843948"/>
-      </p:ext>
-    </p:extLst>
-  </p:cSld>
-  <p:clrMapOvr>
-    <a:masterClrMapping/>
-  </p:clrMapOvr>
-</p:sld>
-</file>
-
-<file path=ppt/slides/slide12.xml><?xml version="1.0" encoding="utf-8"?>
-<p:sld xmlns:a="http://schemas.openxmlformats.org/drawingml/2006/main" xmlns:r="http://schemas.openxmlformats.org/officeDocument/2006/relationships" xmlns:p="http://schemas.openxmlformats.org/presentationml/2006/main">
-  <p:cSld>
-    <p:spTree>
-      <p:nvGrpSpPr>
-        <p:cNvPr id="1" name=""/>
-        <p:cNvGrpSpPr/>
-        <p:nvPr/>
-      </p:nvGrpSpPr>
-      <p:grpSpPr>
-        <a:xfrm>
-          <a:off x="0" y="0"/>
-          <a:ext cx="0" cy="0"/>
-          <a:chOff x="0" y="0"/>
-          <a:chExt cx="0" cy="0"/>
-        </a:xfrm>
-      </p:grpSpPr>
-      <p:sp>
-        <p:nvSpPr>
-          <p:cNvPr id="2" name="Title 1">
-            <a:extLst>
-              <a:ext uri="{FF2B5EF4-FFF2-40B4-BE49-F238E27FC236}">
-                <a16:creationId xmlns:a16="http://schemas.microsoft.com/office/drawing/2014/main" id="{983D6BA5-AC6E-48DD-9446-6203CA62C5A5}"/>
-              </a:ext>
-            </a:extLst>
-          </p:cNvPr>
-          <p:cNvSpPr>
-            <a:spLocks noGrp="1"/>
-          </p:cNvSpPr>
-          <p:nvPr>
-            <p:ph type="title"/>
-          </p:nvPr>
-        </p:nvSpPr>
-        <p:spPr/>
-        <p:txBody>
-          <a:bodyPr/>
-          <a:lstStyle/>
-          <a:p>
-            <a:r>
-              <a:rPr lang="en-US" dirty="0"/>
-              <a:t>Platform + Format</a:t>
-            </a:r>
-          </a:p>
-        </p:txBody>
-      </p:sp>
-      <p:sp>
-        <p:nvSpPr>
-          <p:cNvPr id="3" name="Content Placeholder 2">
-            <a:extLst>
-              <a:ext uri="{FF2B5EF4-FFF2-40B4-BE49-F238E27FC236}">
-                <a16:creationId xmlns:a16="http://schemas.microsoft.com/office/drawing/2014/main" id="{604A8032-4026-45CD-53F1-38DBF416460D}"/>
-              </a:ext>
-            </a:extLst>
-          </p:cNvPr>
-          <p:cNvSpPr>
-            <a:spLocks noGrp="1"/>
-          </p:cNvSpPr>
-          <p:nvPr>
-            <p:ph idx="1"/>
-          </p:nvPr>
-        </p:nvSpPr>
-        <p:spPr>
-          <a:xfrm>
-            <a:off x="363628" y="1193334"/>
-            <a:ext cx="11293200" cy="3783013"/>
-          </a:xfrm>
-        </p:spPr>
-        <p:txBody>
-          <a:bodyPr/>
-          <a:lstStyle/>
-          <a:p>
-            <a:r>
-              <a:rPr lang="en-US" dirty="0"/>
-              <a:t>Prepared using </a:t>
-            </a:r>
-            <a:r>
-              <a:rPr lang="en-US" dirty="0">
-                <a:hlinkClick r:id="rId2"/>
-              </a:rPr>
-              <a:t>Bookish</a:t>
-            </a:r>
-            <a:r>
-              <a:rPr lang="en-US" dirty="0"/>
-              <a:t>, </a:t>
-            </a:r>
-            <a:r>
-              <a:rPr lang="en-US" dirty="0" err="1"/>
-              <a:t>ebook</a:t>
-            </a:r>
-            <a:r>
-              <a:rPr lang="en-US" dirty="0"/>
-              <a:t> platform by </a:t>
-            </a:r>
-            <a:r>
-              <a:rPr lang="en-US" dirty="0">
-                <a:hlinkClick r:id="rId3"/>
-              </a:rPr>
-              <a:t>Amy J. Ko</a:t>
-            </a:r>
-            <a:endParaRPr lang="en-US" dirty="0"/>
-          </a:p>
-          <a:p>
-            <a:r>
-              <a:rPr lang="en-US" dirty="0"/>
-              <a:t>Typical chapter structure: Introduction </a:t>
-            </a:r>
-          </a:p>
-        </p:txBody>
-      </p:sp>
-      <p:pic>
-        <p:nvPicPr>
-          <p:cNvPr id="5" name="Picture 4">
-            <a:extLst>
-              <a:ext uri="{FF2B5EF4-FFF2-40B4-BE49-F238E27FC236}">
-                <a16:creationId xmlns:a16="http://schemas.microsoft.com/office/drawing/2014/main" id="{CF518033-FF56-A542-05BE-282398B20AB6}"/>
-              </a:ext>
-            </a:extLst>
-          </p:cNvPr>
-          <p:cNvPicPr>
-            <a:picLocks noChangeAspect="1"/>
-          </p:cNvPicPr>
-          <p:nvPr/>
-        </p:nvPicPr>
-        <p:blipFill>
-          <a:blip r:embed="rId4"/>
-          <a:stretch>
-            <a:fillRect/>
-          </a:stretch>
-        </p:blipFill>
-        <p:spPr>
-          <a:xfrm>
-            <a:off x="9268178" y="2424574"/>
-            <a:ext cx="2757164" cy="4216839"/>
-          </a:xfrm>
-          <a:prstGeom prst="rect">
-            <a:avLst/>
-          </a:prstGeom>
-        </p:spPr>
-      </p:pic>
-      <p:pic>
-        <p:nvPicPr>
-          <p:cNvPr id="9" name="Picture 8">
-            <a:extLst>
-              <a:ext uri="{FF2B5EF4-FFF2-40B4-BE49-F238E27FC236}">
-                <a16:creationId xmlns:a16="http://schemas.microsoft.com/office/drawing/2014/main" id="{1E68F5FA-6CE8-2E8E-9DE3-0787201EF974}"/>
-              </a:ext>
-            </a:extLst>
-          </p:cNvPr>
-          <p:cNvPicPr>
-            <a:picLocks noChangeAspect="1"/>
-          </p:cNvPicPr>
-          <p:nvPr/>
-        </p:nvPicPr>
-        <p:blipFill>
-          <a:blip r:embed="rId5"/>
-          <a:stretch>
-            <a:fillRect/>
-          </a:stretch>
-        </p:blipFill>
-        <p:spPr>
-          <a:xfrm>
-            <a:off x="200525" y="3084840"/>
-            <a:ext cx="6620768" cy="2351881"/>
-          </a:xfrm>
-          <a:prstGeom prst="rect">
-            <a:avLst/>
-          </a:prstGeom>
-        </p:spPr>
-      </p:pic>
-      <p:sp>
-        <p:nvSpPr>
-          <p:cNvPr id="10" name="TextBox 9">
-            <a:extLst>
-              <a:ext uri="{FF2B5EF4-FFF2-40B4-BE49-F238E27FC236}">
-                <a16:creationId xmlns:a16="http://schemas.microsoft.com/office/drawing/2014/main" id="{7B15B3D4-E174-2FBB-ABBF-2F0FCF3D32C9}"/>
-              </a:ext>
-            </a:extLst>
-          </p:cNvPr>
-          <p:cNvSpPr txBox="1"/>
-          <p:nvPr/>
-        </p:nvSpPr>
-        <p:spPr>
-          <a:xfrm>
-            <a:off x="0" y="2629584"/>
-            <a:ext cx="6610752" cy="400110"/>
-          </a:xfrm>
-          <a:prstGeom prst="rect">
-            <a:avLst/>
-          </a:prstGeom>
-          <a:noFill/>
-        </p:spPr>
-        <p:txBody>
-          <a:bodyPr wrap="square" rtlCol="0">
-            <a:spAutoFit/>
-          </a:bodyPr>
-          <a:lstStyle/>
-          <a:p>
-            <a:r>
-              <a:rPr lang="en-US" sz="2000" b="1" dirty="0"/>
-              <a:t>Introduction contextualizes content for each archetype</a:t>
-            </a:r>
-          </a:p>
-        </p:txBody>
-      </p:sp>
-      <p:sp>
-        <p:nvSpPr>
-          <p:cNvPr id="11" name="TextBox 10">
-            <a:extLst>
-              <a:ext uri="{FF2B5EF4-FFF2-40B4-BE49-F238E27FC236}">
-                <a16:creationId xmlns:a16="http://schemas.microsoft.com/office/drawing/2014/main" id="{780B1283-F79A-0EAF-639D-A47CF11F2FF5}"/>
-              </a:ext>
-            </a:extLst>
-          </p:cNvPr>
-          <p:cNvSpPr txBox="1"/>
-          <p:nvPr/>
-        </p:nvSpPr>
-        <p:spPr>
-          <a:xfrm>
-            <a:off x="7384329" y="3025314"/>
-            <a:ext cx="1883849" cy="461665"/>
-          </a:xfrm>
-          <a:prstGeom prst="rect">
-            <a:avLst/>
-          </a:prstGeom>
-          <a:noFill/>
-        </p:spPr>
-        <p:txBody>
-          <a:bodyPr wrap="none" rtlCol="0">
-            <a:spAutoFit/>
-          </a:bodyPr>
-          <a:lstStyle/>
-          <a:p>
-            <a:r>
-              <a:rPr lang="en-US" sz="2400" dirty="0"/>
-              <a:t>Core Content</a:t>
-            </a:r>
-          </a:p>
-        </p:txBody>
-      </p:sp>
-      <p:sp>
-        <p:nvSpPr>
-          <p:cNvPr id="12" name="TextBox 11">
-            <a:extLst>
-              <a:ext uri="{FF2B5EF4-FFF2-40B4-BE49-F238E27FC236}">
-                <a16:creationId xmlns:a16="http://schemas.microsoft.com/office/drawing/2014/main" id="{005F7024-4739-8D5C-9E86-B306157F4D60}"/>
-              </a:ext>
-            </a:extLst>
-          </p:cNvPr>
-          <p:cNvSpPr txBox="1"/>
-          <p:nvPr/>
-        </p:nvSpPr>
-        <p:spPr>
-          <a:xfrm>
-            <a:off x="7087453" y="4260780"/>
-            <a:ext cx="2180725" cy="461665"/>
-          </a:xfrm>
-          <a:prstGeom prst="rect">
-            <a:avLst/>
-          </a:prstGeom>
-          <a:noFill/>
-        </p:spPr>
-        <p:txBody>
-          <a:bodyPr wrap="none" rtlCol="0">
-            <a:spAutoFit/>
-          </a:bodyPr>
-          <a:lstStyle/>
-          <a:p>
-            <a:r>
-              <a:rPr lang="en-US" sz="2400" dirty="0"/>
-              <a:t>Implementation</a:t>
-            </a:r>
-          </a:p>
-        </p:txBody>
-      </p:sp>
-      <p:sp>
-        <p:nvSpPr>
-          <p:cNvPr id="13" name="TextBox 12">
-            <a:extLst>
-              <a:ext uri="{FF2B5EF4-FFF2-40B4-BE49-F238E27FC236}">
-                <a16:creationId xmlns:a16="http://schemas.microsoft.com/office/drawing/2014/main" id="{F5B3552D-D314-086E-9643-FD017B66A114}"/>
-              </a:ext>
-            </a:extLst>
-          </p:cNvPr>
-          <p:cNvSpPr txBox="1"/>
-          <p:nvPr/>
-        </p:nvSpPr>
-        <p:spPr>
-          <a:xfrm>
-            <a:off x="7949868" y="4904121"/>
-            <a:ext cx="1318310" cy="461665"/>
-          </a:xfrm>
-          <a:prstGeom prst="rect">
-            <a:avLst/>
-          </a:prstGeom>
-          <a:noFill/>
-        </p:spPr>
-        <p:txBody>
-          <a:bodyPr wrap="none" rtlCol="0">
-            <a:spAutoFit/>
-          </a:bodyPr>
-          <a:lstStyle/>
-          <a:p>
-            <a:r>
-              <a:rPr lang="en-US" sz="2400" dirty="0"/>
-              <a:t>Citations</a:t>
-            </a:r>
-          </a:p>
-        </p:txBody>
-      </p:sp>
-      <p:sp>
-        <p:nvSpPr>
-          <p:cNvPr id="14" name="TextBox 13">
-            <a:extLst>
-              <a:ext uri="{FF2B5EF4-FFF2-40B4-BE49-F238E27FC236}">
-                <a16:creationId xmlns:a16="http://schemas.microsoft.com/office/drawing/2014/main" id="{35E63DBD-7F3C-F92B-CA7C-71850FEA988B}"/>
-              </a:ext>
-            </a:extLst>
-          </p:cNvPr>
-          <p:cNvSpPr txBox="1"/>
-          <p:nvPr/>
-        </p:nvSpPr>
-        <p:spPr>
-          <a:xfrm>
-            <a:off x="7824385" y="5319216"/>
-            <a:ext cx="1443793" cy="461665"/>
-          </a:xfrm>
-          <a:prstGeom prst="rect">
-            <a:avLst/>
-          </a:prstGeom>
-          <a:noFill/>
-        </p:spPr>
-        <p:txBody>
-          <a:bodyPr wrap="none" rtlCol="0">
-            <a:spAutoFit/>
-          </a:bodyPr>
-          <a:lstStyle/>
-          <a:p>
-            <a:r>
-              <a:rPr lang="en-US" sz="2400" dirty="0"/>
-              <a:t>Dialogues</a:t>
-            </a:r>
-          </a:p>
-        </p:txBody>
-      </p:sp>
-      <p:sp>
-        <p:nvSpPr>
-          <p:cNvPr id="15" name="TextBox 14">
-            <a:extLst>
-              <a:ext uri="{FF2B5EF4-FFF2-40B4-BE49-F238E27FC236}">
-                <a16:creationId xmlns:a16="http://schemas.microsoft.com/office/drawing/2014/main" id="{ECCC09D6-B76A-A36A-0BFE-1061A04F65D1}"/>
-              </a:ext>
-            </a:extLst>
-          </p:cNvPr>
-          <p:cNvSpPr txBox="1"/>
-          <p:nvPr/>
-        </p:nvSpPr>
-        <p:spPr>
-          <a:xfrm>
-            <a:off x="7068731" y="5713624"/>
-            <a:ext cx="2515043" cy="830997"/>
-          </a:xfrm>
-          <a:prstGeom prst="rect">
-            <a:avLst/>
-          </a:prstGeom>
-          <a:noFill/>
-        </p:spPr>
-        <p:txBody>
-          <a:bodyPr wrap="square" rtlCol="0">
-            <a:spAutoFit/>
-          </a:bodyPr>
-          <a:lstStyle/>
-          <a:p>
-            <a:r>
-              <a:rPr lang="en-US" sz="2400" dirty="0"/>
-              <a:t>Classroom Ideas</a:t>
-            </a:r>
-            <a:br>
-              <a:rPr lang="en-US" sz="2400" dirty="0"/>
-            </a:br>
-            <a:endParaRPr lang="en-US" sz="2400" dirty="0"/>
-          </a:p>
-        </p:txBody>
-      </p:sp>
-      <p:sp>
-        <p:nvSpPr>
-          <p:cNvPr id="16" name="TextBox 15">
-            <a:extLst>
-              <a:ext uri="{FF2B5EF4-FFF2-40B4-BE49-F238E27FC236}">
-                <a16:creationId xmlns:a16="http://schemas.microsoft.com/office/drawing/2014/main" id="{3F23D7D3-152A-92EC-F9C6-7173115130AF}"/>
-              </a:ext>
-            </a:extLst>
-          </p:cNvPr>
-          <p:cNvSpPr txBox="1"/>
-          <p:nvPr/>
-        </p:nvSpPr>
-        <p:spPr>
-          <a:xfrm>
-            <a:off x="7824385" y="6082956"/>
-            <a:ext cx="1598932" cy="461665"/>
-          </a:xfrm>
-          <a:prstGeom prst="rect">
-            <a:avLst/>
-          </a:prstGeom>
-          <a:noFill/>
-        </p:spPr>
-        <p:txBody>
-          <a:bodyPr wrap="square" rtlCol="0">
-            <a:spAutoFit/>
-          </a:bodyPr>
-          <a:lstStyle/>
-          <a:p>
-            <a:r>
-              <a:rPr lang="en-US" sz="2400" dirty="0"/>
-              <a:t>Exercises</a:t>
-            </a:r>
-          </a:p>
-        </p:txBody>
-      </p:sp>
-    </p:spTree>
-    <p:extLst>
-      <p:ext uri="{BB962C8B-B14F-4D97-AF65-F5344CB8AC3E}">
-        <p14:creationId xmlns:p14="http://schemas.microsoft.com/office/powerpoint/2010/main" val="1324957898"/>
-      </p:ext>
-    </p:extLst>
-  </p:cSld>
-  <p:clrMapOvr>
-    <a:masterClrMapping/>
-  </p:clrMapOvr>
-</p:sld>
-</file>
-
-<file path=ppt/slides/slide13.xml><?xml version="1.0" encoding="utf-8"?>
-<p:sld xmlns:a="http://schemas.openxmlformats.org/drawingml/2006/main" xmlns:r="http://schemas.openxmlformats.org/officeDocument/2006/relationships" xmlns:p="http://schemas.openxmlformats.org/presentationml/2006/main">
-  <p:cSld>
-    <p:spTree>
-      <p:nvGrpSpPr>
-        <p:cNvPr id="1" name=""/>
-        <p:cNvGrpSpPr/>
-        <p:nvPr/>
-      </p:nvGrpSpPr>
-      <p:grpSpPr>
-        <a:xfrm>
-          <a:off x="0" y="0"/>
-          <a:ext cx="0" cy="0"/>
-          <a:chOff x="0" y="0"/>
-          <a:chExt cx="0" cy="0"/>
-        </a:xfrm>
-      </p:grpSpPr>
-      <p:sp>
-        <p:nvSpPr>
-          <p:cNvPr id="2" name="Title 1">
-            <a:extLst>
-              <a:ext uri="{FF2B5EF4-FFF2-40B4-BE49-F238E27FC236}">
-                <a16:creationId xmlns:a16="http://schemas.microsoft.com/office/drawing/2014/main" id="{531DAE26-CB42-D05F-FF3C-22F7E903552F}"/>
-              </a:ext>
-            </a:extLst>
-          </p:cNvPr>
-          <p:cNvSpPr>
-            <a:spLocks noGrp="1"/>
-          </p:cNvSpPr>
-          <p:nvPr>
-            <p:ph type="title"/>
-          </p:nvPr>
-        </p:nvSpPr>
-        <p:spPr/>
-        <p:txBody>
-          <a:bodyPr/>
-          <a:lstStyle/>
-          <a:p>
-            <a:r>
-              <a:rPr lang="en-US" dirty="0"/>
-              <a:t>Archetypes</a:t>
-            </a:r>
-          </a:p>
-        </p:txBody>
-      </p:sp>
-      <p:sp>
-        <p:nvSpPr>
-          <p:cNvPr id="3" name="Content Placeholder 2">
-            <a:extLst>
-              <a:ext uri="{FF2B5EF4-FFF2-40B4-BE49-F238E27FC236}">
-                <a16:creationId xmlns:a16="http://schemas.microsoft.com/office/drawing/2014/main" id="{6294EB66-1871-C726-E3CF-0060718B9ECB}"/>
-              </a:ext>
-            </a:extLst>
-          </p:cNvPr>
-          <p:cNvSpPr>
-            <a:spLocks noGrp="1"/>
-          </p:cNvSpPr>
-          <p:nvPr>
-            <p:ph idx="1"/>
-          </p:nvPr>
-        </p:nvSpPr>
-        <p:spPr>
-          <a:xfrm>
-            <a:off x="448056" y="1735200"/>
-            <a:ext cx="11293200" cy="4935107"/>
-          </a:xfrm>
-        </p:spPr>
-        <p:txBody>
-          <a:bodyPr>
-            <a:normAutofit lnSpcReduction="10000"/>
-          </a:bodyPr>
-          <a:lstStyle/>
-          <a:p>
-            <a:r>
-              <a:rPr lang="en-US" dirty="0"/>
-              <a:t>The </a:t>
-            </a:r>
-            <a:r>
-              <a:rPr lang="en-US" b="1" dirty="0"/>
-              <a:t>Practitioner</a:t>
-            </a:r>
-            <a:r>
-              <a:rPr lang="en-US" dirty="0"/>
-              <a:t> is someone who interacts with code as a programmer, but does not implement, design, nor theorize about programming languages.</a:t>
-            </a:r>
-          </a:p>
-          <a:p>
-            <a:r>
-              <a:rPr lang="en-US" dirty="0"/>
-              <a:t>The </a:t>
-            </a:r>
-            <a:r>
-              <a:rPr lang="en-US" b="1" dirty="0"/>
-              <a:t>Implementer</a:t>
-            </a:r>
-            <a:r>
-              <a:rPr lang="en-US" dirty="0"/>
-              <a:t> is anyone who implements a programming language, typically as a compiler or interpreter. By definition, they are simultaneously a Practitioner, but they have an additional set of needs and concerns.</a:t>
-            </a:r>
-          </a:p>
-          <a:p>
-            <a:r>
-              <a:rPr lang="en-US" dirty="0"/>
-              <a:t>The </a:t>
-            </a:r>
-            <a:r>
-              <a:rPr lang="en-US" b="1" dirty="0"/>
-              <a:t>Theorist</a:t>
-            </a:r>
-            <a:r>
-              <a:rPr lang="en-US" dirty="0"/>
-              <a:t> says that PLs are formal languages that can be defined and analyzed mathematically. A “good PL” is a language that we can analyze in powerful ways.</a:t>
-            </a:r>
-          </a:p>
-          <a:p>
-            <a:r>
-              <a:rPr lang="en-US" dirty="0"/>
-              <a:t>The </a:t>
-            </a:r>
-            <a:r>
-              <a:rPr lang="en-US" b="1" dirty="0"/>
-              <a:t>Social Scientist</a:t>
-            </a:r>
-            <a:r>
-              <a:rPr lang="en-US" dirty="0"/>
-              <a:t>’s emphasis is on the rigorous academic study of humans. The Social Scientist may study humans for humans’ sakes or for the sake of informing technical solutions to the users’ problems. </a:t>
-            </a:r>
-          </a:p>
-          <a:p>
-            <a:r>
-              <a:rPr lang="en-US" dirty="0"/>
-              <a:t>The </a:t>
-            </a:r>
-            <a:r>
-              <a:rPr lang="en-US" b="1" dirty="0"/>
-              <a:t>Humanist</a:t>
-            </a:r>
-            <a:r>
-              <a:rPr lang="en-US" dirty="0"/>
-              <a:t> also studies society. The most important differences are methodology and motivation - the Humanist relies primarily on critique</a:t>
-            </a:r>
-          </a:p>
-          <a:p>
-            <a:endParaRPr lang="en-US" dirty="0"/>
-          </a:p>
-        </p:txBody>
-      </p:sp>
-    </p:spTree>
-    <p:extLst>
-      <p:ext uri="{BB962C8B-B14F-4D97-AF65-F5344CB8AC3E}">
-        <p14:creationId xmlns:p14="http://schemas.microsoft.com/office/powerpoint/2010/main" val="1675350135"/>
-      </p:ext>
-    </p:extLst>
-  </p:cSld>
-  <p:clrMapOvr>
-    <a:masterClrMapping/>
-  </p:clrMapOvr>
-</p:sld>
-</file>
-
-<file path=ppt/slides/slide14.xml><?xml version="1.0" encoding="utf-8"?>
-<p:sld xmlns:a="http://schemas.openxmlformats.org/drawingml/2006/main" xmlns:r="http://schemas.openxmlformats.org/officeDocument/2006/relationships" xmlns:p="http://schemas.openxmlformats.org/presentationml/2006/main">
-  <p:cSld>
-    <p:spTree>
-      <p:nvGrpSpPr>
-        <p:cNvPr id="1" name=""/>
-        <p:cNvGrpSpPr/>
-        <p:nvPr/>
-      </p:nvGrpSpPr>
-      <p:grpSpPr>
-        <a:xfrm>
-          <a:off x="0" y="0"/>
-          <a:ext cx="0" cy="0"/>
-          <a:chOff x="0" y="0"/>
-          <a:chExt cx="0" cy="0"/>
-        </a:xfrm>
-      </p:grpSpPr>
-      <p:sp>
-        <p:nvSpPr>
-          <p:cNvPr id="2" name="Title 1">
-            <a:extLst>
-              <a:ext uri="{FF2B5EF4-FFF2-40B4-BE49-F238E27FC236}">
-                <a16:creationId xmlns:a16="http://schemas.microsoft.com/office/drawing/2014/main" id="{531DAE26-CB42-D05F-FF3C-22F7E903552F}"/>
-              </a:ext>
-            </a:extLst>
-          </p:cNvPr>
-          <p:cNvSpPr>
-            <a:spLocks noGrp="1"/>
-          </p:cNvSpPr>
-          <p:nvPr>
-            <p:ph type="title"/>
-          </p:nvPr>
-        </p:nvSpPr>
-        <p:spPr/>
-        <p:txBody>
-          <a:bodyPr/>
-          <a:lstStyle/>
-          <a:p>
-            <a:r>
-              <a:rPr lang="en-US" dirty="0"/>
-              <a:t>Archetypes – Example Dialogue</a:t>
-            </a:r>
-          </a:p>
-        </p:txBody>
-      </p:sp>
-      <p:sp>
-        <p:nvSpPr>
-          <p:cNvPr id="3" name="Content Placeholder 2">
-            <a:extLst>
-              <a:ext uri="{FF2B5EF4-FFF2-40B4-BE49-F238E27FC236}">
-                <a16:creationId xmlns:a16="http://schemas.microsoft.com/office/drawing/2014/main" id="{6294EB66-1871-C726-E3CF-0060718B9ECB}"/>
-              </a:ext>
-            </a:extLst>
-          </p:cNvPr>
-          <p:cNvSpPr>
-            <a:spLocks noGrp="1"/>
-          </p:cNvSpPr>
-          <p:nvPr>
-            <p:ph idx="1"/>
-          </p:nvPr>
-        </p:nvSpPr>
-        <p:spPr>
-          <a:xfrm>
-            <a:off x="448056" y="1735200"/>
-            <a:ext cx="11293200" cy="4935107"/>
+            <a:off x="1044822" y="2204185"/>
+            <a:ext cx="4499329" cy="3609473"/>
           </a:xfrm>
         </p:spPr>
         <p:txBody>
@@ -5885,957 +4490,19 @@
           </a:bodyPr>
           <a:lstStyle/>
           <a:p>
-            <a:r>
-              <a:rPr lang="en-US" dirty="0"/>
-              <a:t>Question: Do context-free grammars model human language? </a:t>
-            </a:r>
-          </a:p>
-          <a:p>
-            <a:r>
-              <a:rPr lang="en-US" b="1" dirty="0"/>
-              <a:t>Social Scientist:</a:t>
-            </a:r>
-            <a:r>
-              <a:rPr lang="en-US" dirty="0"/>
-              <a:t> Of course they do. I invented context-free grammars and I invented them to model natural human language. That’s what’s so amazing about them, they can model every natural language that has ever existed. </a:t>
-            </a:r>
-          </a:p>
-          <a:p>
-            <a:r>
-              <a:rPr lang="en-US" b="1" dirty="0"/>
-              <a:t>Theorist:</a:t>
-            </a:r>
-            <a:r>
-              <a:rPr lang="en-US" dirty="0"/>
-              <a:t> Woah! Did I just hear you make a universal claim, SS? I never thought I’d see this day. Can I prove this by induction?</a:t>
-            </a:r>
-          </a:p>
-          <a:p>
-            <a:r>
-              <a:rPr lang="en-US" b="1" dirty="0"/>
-              <a:t>Humanist:</a:t>
-            </a:r>
-            <a:r>
-              <a:rPr lang="en-US" dirty="0"/>
-              <a:t> I never thought you would have me agreeing with T, but desperate times call for desperate measures. You and I both know not all human language is context-free. What about Swiss German? [40]</a:t>
-            </a:r>
-          </a:p>
-          <a:p>
-            <a:endParaRPr lang="en-US" dirty="0"/>
-          </a:p>
-        </p:txBody>
-      </p:sp>
-    </p:spTree>
-    <p:extLst>
-      <p:ext uri="{BB962C8B-B14F-4D97-AF65-F5344CB8AC3E}">
-        <p14:creationId xmlns:p14="http://schemas.microsoft.com/office/powerpoint/2010/main" val="1719368644"/>
-      </p:ext>
-    </p:extLst>
-  </p:cSld>
-  <p:clrMapOvr>
-    <a:masterClrMapping/>
-  </p:clrMapOvr>
-</p:sld>
-</file>
-
-<file path=ppt/slides/slide15.xml><?xml version="1.0" encoding="utf-8"?>
-<p:sld xmlns:a="http://schemas.openxmlformats.org/drawingml/2006/main" xmlns:r="http://schemas.openxmlformats.org/officeDocument/2006/relationships" xmlns:p="http://schemas.openxmlformats.org/presentationml/2006/main">
-  <p:cSld>
-    <p:spTree>
-      <p:nvGrpSpPr>
-        <p:cNvPr id="1" name=""/>
-        <p:cNvGrpSpPr/>
-        <p:nvPr/>
-      </p:nvGrpSpPr>
-      <p:grpSpPr>
-        <a:xfrm>
-          <a:off x="0" y="0"/>
-          <a:ext cx="0" cy="0"/>
-          <a:chOff x="0" y="0"/>
-          <a:chExt cx="0" cy="0"/>
-        </a:xfrm>
-      </p:grpSpPr>
-      <p:sp>
-        <p:nvSpPr>
-          <p:cNvPr id="2" name="Title 1">
-            <a:extLst>
-              <a:ext uri="{FF2B5EF4-FFF2-40B4-BE49-F238E27FC236}">
-                <a16:creationId xmlns:a16="http://schemas.microsoft.com/office/drawing/2014/main" id="{561E3039-CDE8-892B-1EF0-E65803CAB392}"/>
-              </a:ext>
-            </a:extLst>
-          </p:cNvPr>
-          <p:cNvSpPr>
-            <a:spLocks noGrp="1"/>
-          </p:cNvSpPr>
-          <p:nvPr>
-            <p:ph type="title"/>
-          </p:nvPr>
-        </p:nvSpPr>
-        <p:spPr/>
-        <p:txBody>
-          <a:bodyPr/>
-          <a:lstStyle/>
-          <a:p>
-            <a:r>
-              <a:rPr lang="en-US" dirty="0"/>
-              <a:t>Example Chapter</a:t>
-            </a:r>
-          </a:p>
-        </p:txBody>
-      </p:sp>
-      <p:sp>
-        <p:nvSpPr>
-          <p:cNvPr id="3" name="Content Placeholder 2">
-            <a:extLst>
-              <a:ext uri="{FF2B5EF4-FFF2-40B4-BE49-F238E27FC236}">
-                <a16:creationId xmlns:a16="http://schemas.microsoft.com/office/drawing/2014/main" id="{B3B3DFEF-7B3B-CFDF-7622-943CDA61B8E6}"/>
-              </a:ext>
-            </a:extLst>
-          </p:cNvPr>
-          <p:cNvSpPr>
-            <a:spLocks noGrp="1"/>
-          </p:cNvSpPr>
-          <p:nvPr>
-            <p:ph idx="1"/>
-          </p:nvPr>
-        </p:nvSpPr>
-        <p:spPr/>
-        <p:txBody>
-          <a:bodyPr/>
-          <a:lstStyle/>
-          <a:p>
             <a:pPr marL="1944" indent="0">
               <a:buNone/>
             </a:pPr>
             <a:r>
               <a:rPr lang="en-US" dirty="0"/>
-              <a:t>[Give demo of </a:t>
-            </a:r>
-            <a:r>
-              <a:rPr lang="en-US" dirty="0">
-                <a:hlinkClick r:id="rId2"/>
-              </a:rPr>
-              <a:t>Regular Expressions chapter</a:t>
-            </a:r>
-            <a:r>
-              <a:rPr lang="en-US" dirty="0"/>
-              <a:t>]</a:t>
-            </a:r>
-          </a:p>
-        </p:txBody>
-      </p:sp>
-    </p:spTree>
-    <p:extLst>
-      <p:ext uri="{BB962C8B-B14F-4D97-AF65-F5344CB8AC3E}">
-        <p14:creationId xmlns:p14="http://schemas.microsoft.com/office/powerpoint/2010/main" val="2314475883"/>
-      </p:ext>
-    </p:extLst>
-  </p:cSld>
-  <p:clrMapOvr>
-    <a:masterClrMapping/>
-  </p:clrMapOvr>
-</p:sld>
-</file>
-
-<file path=ppt/slides/slide16.xml><?xml version="1.0" encoding="utf-8"?>
-<p:sld xmlns:a="http://schemas.openxmlformats.org/drawingml/2006/main" xmlns:r="http://schemas.openxmlformats.org/officeDocument/2006/relationships" xmlns:p="http://schemas.openxmlformats.org/presentationml/2006/main">
-  <p:cSld>
-    <p:spTree>
-      <p:nvGrpSpPr>
-        <p:cNvPr id="1" name=""/>
-        <p:cNvGrpSpPr/>
-        <p:nvPr/>
-      </p:nvGrpSpPr>
-      <p:grpSpPr>
-        <a:xfrm>
-          <a:off x="0" y="0"/>
-          <a:ext cx="0" cy="0"/>
-          <a:chOff x="0" y="0"/>
-          <a:chExt cx="0" cy="0"/>
-        </a:xfrm>
-      </p:grpSpPr>
-      <p:sp>
-        <p:nvSpPr>
-          <p:cNvPr id="2" name="Title 1">
-            <a:extLst>
-              <a:ext uri="{FF2B5EF4-FFF2-40B4-BE49-F238E27FC236}">
-                <a16:creationId xmlns:a16="http://schemas.microsoft.com/office/drawing/2014/main" id="{E4E52F12-F8B0-74E3-586E-18AC2A397A73}"/>
-              </a:ext>
-            </a:extLst>
-          </p:cNvPr>
-          <p:cNvSpPr>
-            <a:spLocks noGrp="1"/>
-          </p:cNvSpPr>
-          <p:nvPr>
-            <p:ph type="title"/>
-          </p:nvPr>
-        </p:nvSpPr>
-        <p:spPr/>
-        <p:txBody>
-          <a:bodyPr/>
-          <a:lstStyle/>
-          <a:p>
-            <a:r>
-              <a:rPr lang="en-US" dirty="0"/>
-              <a:t>Section: Turning it Into a Course</a:t>
-            </a:r>
-          </a:p>
-        </p:txBody>
-      </p:sp>
-      <p:sp>
-        <p:nvSpPr>
-          <p:cNvPr id="3" name="Content Placeholder 2">
-            <a:extLst>
-              <a:ext uri="{FF2B5EF4-FFF2-40B4-BE49-F238E27FC236}">
-                <a16:creationId xmlns:a16="http://schemas.microsoft.com/office/drawing/2014/main" id="{EB2CBB9F-53F1-12CA-94C3-34EE43B117CA}"/>
-              </a:ext>
-            </a:extLst>
-          </p:cNvPr>
-          <p:cNvSpPr>
-            <a:spLocks noGrp="1"/>
-          </p:cNvSpPr>
-          <p:nvPr>
-            <p:ph idx="1"/>
-          </p:nvPr>
-        </p:nvSpPr>
-        <p:spPr/>
-        <p:txBody>
-          <a:bodyPr/>
-          <a:lstStyle/>
-          <a:p>
-            <a:endParaRPr lang="en-US" dirty="0"/>
-          </a:p>
-        </p:txBody>
-      </p:sp>
-    </p:spTree>
-    <p:extLst>
-      <p:ext uri="{BB962C8B-B14F-4D97-AF65-F5344CB8AC3E}">
-        <p14:creationId xmlns:p14="http://schemas.microsoft.com/office/powerpoint/2010/main" val="3399481991"/>
-      </p:ext>
-    </p:extLst>
-  </p:cSld>
-  <p:clrMapOvr>
-    <a:masterClrMapping/>
-  </p:clrMapOvr>
-</p:sld>
-</file>
-
-<file path=ppt/slides/slide17.xml><?xml version="1.0" encoding="utf-8"?>
-<p:sld xmlns:a="http://schemas.openxmlformats.org/drawingml/2006/main" xmlns:r="http://schemas.openxmlformats.org/officeDocument/2006/relationships" xmlns:p="http://schemas.openxmlformats.org/presentationml/2006/main">
-  <p:cSld>
-    <p:spTree>
-      <p:nvGrpSpPr>
-        <p:cNvPr id="1" name=""/>
-        <p:cNvGrpSpPr/>
-        <p:nvPr/>
-      </p:nvGrpSpPr>
-      <p:grpSpPr>
-        <a:xfrm>
-          <a:off x="0" y="0"/>
-          <a:ext cx="0" cy="0"/>
-          <a:chOff x="0" y="0"/>
-          <a:chExt cx="0" cy="0"/>
-        </a:xfrm>
-      </p:grpSpPr>
-      <p:sp>
-        <p:nvSpPr>
-          <p:cNvPr id="2" name="Title 1">
-            <a:extLst>
-              <a:ext uri="{FF2B5EF4-FFF2-40B4-BE49-F238E27FC236}">
-                <a16:creationId xmlns:a16="http://schemas.microsoft.com/office/drawing/2014/main" id="{A255666C-EB9D-3933-7FBC-D005B4D6E384}"/>
-              </a:ext>
-            </a:extLst>
-          </p:cNvPr>
-          <p:cNvSpPr>
-            <a:spLocks noGrp="1"/>
-          </p:cNvSpPr>
-          <p:nvPr>
-            <p:ph type="title"/>
-          </p:nvPr>
-        </p:nvSpPr>
-        <p:spPr/>
-        <p:txBody>
-          <a:bodyPr/>
-          <a:lstStyle/>
-          <a:p>
-            <a:r>
-              <a:rPr lang="en-US" dirty="0"/>
-              <a:t>Language Choice</a:t>
-            </a:r>
-          </a:p>
-        </p:txBody>
-      </p:sp>
-      <p:sp>
-        <p:nvSpPr>
-          <p:cNvPr id="3" name="Content Placeholder 2">
-            <a:extLst>
-              <a:ext uri="{FF2B5EF4-FFF2-40B4-BE49-F238E27FC236}">
-                <a16:creationId xmlns:a16="http://schemas.microsoft.com/office/drawing/2014/main" id="{5E3AFFAB-FB94-A71A-2D7B-BCA0BB52C3ED}"/>
-              </a:ext>
-            </a:extLst>
-          </p:cNvPr>
-          <p:cNvSpPr>
-            <a:spLocks noGrp="1"/>
-          </p:cNvSpPr>
-          <p:nvPr>
-            <p:ph idx="1"/>
-          </p:nvPr>
-        </p:nvSpPr>
-        <p:spPr>
-          <a:xfrm>
-            <a:off x="448056" y="1735200"/>
-            <a:ext cx="11293200" cy="4636724"/>
-          </a:xfrm>
-        </p:spPr>
-        <p:txBody>
-          <a:bodyPr>
-            <a:normAutofit/>
-          </a:bodyPr>
-          <a:lstStyle/>
-          <a:p>
-            <a:r>
-              <a:rPr lang="en-US" dirty="0"/>
-              <a:t>Book moves language-specific content to the margins; course cannot</a:t>
-            </a:r>
-          </a:p>
-          <a:p>
-            <a:r>
-              <a:rPr lang="en-US" dirty="0"/>
-              <a:t>Choice informed by learning goals, stated student opinions, student background</a:t>
-            </a:r>
-          </a:p>
-          <a:p>
-            <a:r>
-              <a:rPr lang="en-US" b="1" dirty="0"/>
-              <a:t>Learning Goals:</a:t>
-            </a:r>
-            <a:r>
-              <a:rPr lang="en-US" dirty="0"/>
-              <a:t> Implement evaluator + type-checker by recursion over AST; </a:t>
+              <a:t>Coding Assignments</a:t>
             </a:r>
             <a:br>
               <a:rPr lang="en-US" dirty="0"/>
             </a:br>
             <a:r>
               <a:rPr lang="en-US" dirty="0"/>
-              <a:t>implement parser for toy language; assess benefits and barriers of static typing</a:t>
-            </a:r>
-            <a:br>
-              <a:rPr lang="en-US" dirty="0"/>
-            </a:br>
-            <a:r>
-              <a:rPr lang="en-US" b="1" dirty="0"/>
-              <a:t>Implied needs:</a:t>
-            </a:r>
-            <a:r>
-              <a:rPr lang="en-US" dirty="0"/>
-              <a:t> Static types, ADTs, recursion</a:t>
-            </a:r>
-          </a:p>
-          <a:p>
-            <a:r>
-              <a:rPr lang="en-US" b="1" dirty="0"/>
-              <a:t>Stated Student Opinions:</a:t>
-            </a:r>
-            <a:r>
-              <a:rPr lang="en-US" dirty="0"/>
-              <a:t> Career-oriented. </a:t>
-            </a:r>
-            <a:r>
-              <a:rPr lang="en-US" b="1" dirty="0"/>
-              <a:t>Needs industry growth (potential)</a:t>
-            </a:r>
-          </a:p>
-          <a:p>
-            <a:r>
-              <a:rPr lang="en-US" b="1" dirty="0"/>
-              <a:t>Student Background: </a:t>
-            </a:r>
-            <a:r>
-              <a:rPr lang="en-US" dirty="0"/>
-              <a:t>Exposure to systems and object-oriented programming. Limited exposure to functional programming or Hindley-Milner-style type systems</a:t>
-            </a:r>
-          </a:p>
-        </p:txBody>
-      </p:sp>
-    </p:spTree>
-    <p:extLst>
-      <p:ext uri="{BB962C8B-B14F-4D97-AF65-F5344CB8AC3E}">
-        <p14:creationId xmlns:p14="http://schemas.microsoft.com/office/powerpoint/2010/main" val="4210129056"/>
-      </p:ext>
-    </p:extLst>
-  </p:cSld>
-  <p:clrMapOvr>
-    <a:masterClrMapping/>
-  </p:clrMapOvr>
-</p:sld>
-</file>
-
-<file path=ppt/slides/slide18.xml><?xml version="1.0" encoding="utf-8"?>
-<p:sld xmlns:a="http://schemas.openxmlformats.org/drawingml/2006/main" xmlns:r="http://schemas.openxmlformats.org/officeDocument/2006/relationships" xmlns:p="http://schemas.openxmlformats.org/presentationml/2006/main">
-  <p:cSld>
-    <p:spTree>
-      <p:nvGrpSpPr>
-        <p:cNvPr id="1" name=""/>
-        <p:cNvGrpSpPr/>
-        <p:nvPr/>
-      </p:nvGrpSpPr>
-      <p:grpSpPr>
-        <a:xfrm>
-          <a:off x="0" y="0"/>
-          <a:ext cx="0" cy="0"/>
-          <a:chOff x="0" y="0"/>
-          <a:chExt cx="0" cy="0"/>
-        </a:xfrm>
-      </p:grpSpPr>
-      <p:sp>
-        <p:nvSpPr>
-          <p:cNvPr id="2" name="Title 1">
-            <a:extLst>
-              <a:ext uri="{FF2B5EF4-FFF2-40B4-BE49-F238E27FC236}">
-                <a16:creationId xmlns:a16="http://schemas.microsoft.com/office/drawing/2014/main" id="{A255666C-EB9D-3933-7FBC-D005B4D6E384}"/>
-              </a:ext>
-            </a:extLst>
-          </p:cNvPr>
-          <p:cNvSpPr>
-            <a:spLocks noGrp="1"/>
-          </p:cNvSpPr>
-          <p:nvPr>
-            <p:ph type="title"/>
-          </p:nvPr>
-        </p:nvSpPr>
-        <p:spPr/>
-        <p:txBody>
-          <a:bodyPr/>
-          <a:lstStyle/>
-          <a:p>
-            <a:r>
-              <a:rPr lang="en-US" dirty="0"/>
-              <a:t>Language Choice</a:t>
-            </a:r>
-          </a:p>
-        </p:txBody>
-      </p:sp>
-      <p:sp>
-        <p:nvSpPr>
-          <p:cNvPr id="3" name="Content Placeholder 2">
-            <a:extLst>
-              <a:ext uri="{FF2B5EF4-FFF2-40B4-BE49-F238E27FC236}">
-                <a16:creationId xmlns:a16="http://schemas.microsoft.com/office/drawing/2014/main" id="{5E3AFFAB-FB94-A71A-2D7B-BCA0BB52C3ED}"/>
-              </a:ext>
-            </a:extLst>
-          </p:cNvPr>
-          <p:cNvSpPr>
-            <a:spLocks noGrp="1"/>
-          </p:cNvSpPr>
-          <p:nvPr>
-            <p:ph idx="1"/>
-          </p:nvPr>
-        </p:nvSpPr>
-        <p:spPr>
-          <a:xfrm>
-            <a:off x="448056" y="1735200"/>
-            <a:ext cx="11293200" cy="4636724"/>
-          </a:xfrm>
-        </p:spPr>
-        <p:txBody>
-          <a:bodyPr>
-            <a:normAutofit/>
-          </a:bodyPr>
-          <a:lstStyle/>
-          <a:p>
-            <a:r>
-              <a:rPr lang="en-US" dirty="0"/>
-              <a:t>Book moves language-specific content to the margins; course cannot</a:t>
-            </a:r>
-          </a:p>
-          <a:p>
-            <a:r>
-              <a:rPr lang="en-US" dirty="0"/>
-              <a:t>Choice informed by learning goals, stated student opinions, student background</a:t>
-            </a:r>
-          </a:p>
-          <a:p>
-            <a:r>
-              <a:rPr lang="en-US" b="1" dirty="0"/>
-              <a:t>Learning Goals:</a:t>
-            </a:r>
-            <a:r>
-              <a:rPr lang="en-US" dirty="0"/>
-              <a:t> Implement evaluator + type-checker by recursion over AST; </a:t>
-            </a:r>
-            <a:br>
-              <a:rPr lang="en-US" dirty="0"/>
-            </a:br>
-            <a:r>
-              <a:rPr lang="en-US" dirty="0"/>
-              <a:t>implement parser for toy language; assess benefits and barriers of static typing</a:t>
-            </a:r>
-            <a:br>
-              <a:rPr lang="en-US" dirty="0"/>
-            </a:br>
-            <a:r>
-              <a:rPr lang="en-US" b="1" dirty="0"/>
-              <a:t>Implied needs:</a:t>
-            </a:r>
-            <a:r>
-              <a:rPr lang="en-US" dirty="0"/>
-              <a:t> Static types, ADTs, recursion</a:t>
-            </a:r>
-          </a:p>
-          <a:p>
-            <a:r>
-              <a:rPr lang="en-US" b="1" dirty="0"/>
-              <a:t>Stated Student Opinions:</a:t>
-            </a:r>
-            <a:r>
-              <a:rPr lang="en-US" dirty="0"/>
-              <a:t> Career-oriented. </a:t>
-            </a:r>
-            <a:r>
-              <a:rPr lang="en-US" b="1" dirty="0"/>
-              <a:t>Needs industry growth (potential)</a:t>
-            </a:r>
-          </a:p>
-          <a:p>
-            <a:r>
-              <a:rPr lang="en-US" b="1" dirty="0"/>
-              <a:t>Student Background: </a:t>
-            </a:r>
-            <a:r>
-              <a:rPr lang="en-US" dirty="0"/>
-              <a:t>Exposure to systems and object-oriented programming. Limited exposure to functional programming or Hindley-Milner-style type systems</a:t>
-            </a:r>
-          </a:p>
-          <a:p>
-            <a:pPr marL="1944" indent="0">
-              <a:buNone/>
-            </a:pPr>
-            <a:r>
-              <a:rPr lang="en-US" sz="3200" dirty="0"/>
-              <a:t>Based this combination of needs, we chose </a:t>
-            </a:r>
-            <a:r>
-              <a:rPr lang="en-US" sz="3200" b="1" dirty="0"/>
-              <a:t>Rust</a:t>
-            </a:r>
-          </a:p>
-        </p:txBody>
-      </p:sp>
-    </p:spTree>
-    <p:extLst>
-      <p:ext uri="{BB962C8B-B14F-4D97-AF65-F5344CB8AC3E}">
-        <p14:creationId xmlns:p14="http://schemas.microsoft.com/office/powerpoint/2010/main" val="552499306"/>
-      </p:ext>
-    </p:extLst>
-  </p:cSld>
-  <p:clrMapOvr>
-    <a:masterClrMapping/>
-  </p:clrMapOvr>
-</p:sld>
-</file>
-
-<file path=ppt/slides/slide19.xml><?xml version="1.0" encoding="utf-8"?>
-<p:sld xmlns:a="http://schemas.openxmlformats.org/drawingml/2006/main" xmlns:r="http://schemas.openxmlformats.org/officeDocument/2006/relationships" xmlns:p="http://schemas.openxmlformats.org/presentationml/2006/main">
-  <p:cSld>
-    <p:spTree>
-      <p:nvGrpSpPr>
-        <p:cNvPr id="1" name=""/>
-        <p:cNvGrpSpPr/>
-        <p:nvPr/>
-      </p:nvGrpSpPr>
-      <p:grpSpPr>
-        <a:xfrm>
-          <a:off x="0" y="0"/>
-          <a:ext cx="0" cy="0"/>
-          <a:chOff x="0" y="0"/>
-          <a:chExt cx="0" cy="0"/>
-        </a:xfrm>
-      </p:grpSpPr>
-      <p:sp>
-        <p:nvSpPr>
-          <p:cNvPr id="2" name="Title 1">
-            <a:extLst>
-              <a:ext uri="{FF2B5EF4-FFF2-40B4-BE49-F238E27FC236}">
-                <a16:creationId xmlns:a16="http://schemas.microsoft.com/office/drawing/2014/main" id="{DBCB4E9E-F629-8F04-EFD8-64DC98E8E2E1}"/>
-              </a:ext>
-            </a:extLst>
-          </p:cNvPr>
-          <p:cNvSpPr>
-            <a:spLocks noGrp="1"/>
-          </p:cNvSpPr>
-          <p:nvPr>
-            <p:ph type="title"/>
-          </p:nvPr>
-        </p:nvSpPr>
-        <p:spPr/>
-        <p:txBody>
-          <a:bodyPr/>
-          <a:lstStyle/>
-          <a:p>
-            <a:r>
-              <a:rPr lang="en-US" dirty="0"/>
-              <a:t>Exercises</a:t>
-            </a:r>
-          </a:p>
-        </p:txBody>
-      </p:sp>
-      <p:sp>
-        <p:nvSpPr>
-          <p:cNvPr id="3" name="Content Placeholder 2">
-            <a:extLst>
-              <a:ext uri="{FF2B5EF4-FFF2-40B4-BE49-F238E27FC236}">
-                <a16:creationId xmlns:a16="http://schemas.microsoft.com/office/drawing/2014/main" id="{C3499925-59A6-FF25-346E-ECB93412FC5A}"/>
-              </a:ext>
-            </a:extLst>
-          </p:cNvPr>
-          <p:cNvSpPr>
-            <a:spLocks noGrp="1"/>
-          </p:cNvSpPr>
-          <p:nvPr>
-            <p:ph idx="1"/>
-          </p:nvPr>
-        </p:nvSpPr>
-        <p:spPr>
-          <a:xfrm>
-            <a:off x="448055" y="1309036"/>
-            <a:ext cx="11535397" cy="5091764"/>
-          </a:xfrm>
-        </p:spPr>
-        <p:txBody>
-          <a:bodyPr>
-            <a:normAutofit/>
-          </a:bodyPr>
-          <a:lstStyle/>
-          <a:p>
-            <a:r>
-              <a:rPr lang="en-US" dirty="0"/>
-              <a:t>Book contains exercises for </a:t>
-            </a:r>
-            <a:r>
-              <a:rPr lang="en-US" b="1" dirty="0"/>
-              <a:t>every archetype</a:t>
-            </a:r>
-            <a:endParaRPr lang="en-US" dirty="0"/>
-          </a:p>
-          <a:p>
-            <a:pPr lvl="1"/>
-            <a:r>
-              <a:rPr lang="en-US" b="1" dirty="0"/>
-              <a:t>Practitioner:</a:t>
-            </a:r>
-            <a:r>
-              <a:rPr lang="en-US" dirty="0"/>
-              <a:t> Implement function X in Rust; make a picture in Processing</a:t>
-            </a:r>
-          </a:p>
-          <a:p>
-            <a:pPr lvl="1"/>
-            <a:r>
-              <a:rPr lang="en-US" b="1" dirty="0"/>
-              <a:t>Implementer: </a:t>
-            </a:r>
-            <a:r>
-              <a:rPr lang="en-US" dirty="0"/>
-              <a:t>Implement type-checker in Rust</a:t>
-            </a:r>
-          </a:p>
-          <a:p>
-            <a:pPr lvl="1"/>
-            <a:r>
-              <a:rPr lang="en-US" b="1" dirty="0"/>
-              <a:t>Theorist: </a:t>
-            </a:r>
-            <a:r>
-              <a:rPr lang="en-US" dirty="0"/>
-              <a:t>Construct derivations for context-free grammars; language of a regex</a:t>
-            </a:r>
-          </a:p>
-          <a:p>
-            <a:pPr lvl="1"/>
-            <a:r>
-              <a:rPr lang="en-US" b="1" dirty="0"/>
-              <a:t>Social Scientist:</a:t>
-            </a:r>
-            <a:r>
-              <a:rPr lang="en-US" dirty="0"/>
-              <a:t> Qualitative corpus analysis; autoethnography for code</a:t>
-            </a:r>
-            <a:endParaRPr lang="en-US" b="1" dirty="0"/>
-          </a:p>
-          <a:p>
-            <a:pPr lvl="1"/>
-            <a:r>
-              <a:rPr lang="en-US" b="1" dirty="0"/>
-              <a:t>Humanist: </a:t>
-            </a:r>
-            <a:r>
-              <a:rPr lang="en-US" dirty="0"/>
-              <a:t>Critical essays in cultural, gender, and disability studies</a:t>
-            </a:r>
-          </a:p>
-          <a:p>
-            <a:r>
-              <a:rPr lang="en-US" dirty="0"/>
-              <a:t>And multiple complexity levels:</a:t>
-            </a:r>
-          </a:p>
-          <a:p>
-            <a:pPr lvl="1"/>
-            <a:r>
-              <a:rPr lang="en-US" b="1" dirty="0"/>
-              <a:t>Exam questions: </a:t>
-            </a:r>
-            <a:r>
-              <a:rPr lang="en-US" dirty="0"/>
-              <a:t>reason about examples of regex, CFG, semantics, types</a:t>
-            </a:r>
-          </a:p>
-          <a:p>
-            <a:pPr lvl="1"/>
-            <a:r>
-              <a:rPr lang="en-US" b="1" dirty="0"/>
-              <a:t>Homework + Projects: </a:t>
-            </a:r>
-            <a:r>
-              <a:rPr lang="en-US" dirty="0"/>
-              <a:t>Implement PL feature X. Design + run user study</a:t>
-            </a:r>
-            <a:endParaRPr lang="en-US" b="1" dirty="0"/>
-          </a:p>
-          <a:p>
-            <a:pPr lvl="1"/>
-            <a:r>
-              <a:rPr lang="en-US" b="1" dirty="0"/>
-              <a:t>Research-Level: </a:t>
-            </a:r>
-            <a:r>
-              <a:rPr lang="en-US" dirty="0"/>
-              <a:t>Design a type system that does X; do proofs, user studies, </a:t>
-            </a:r>
-            <a:r>
-              <a:rPr lang="en-US" dirty="0" err="1"/>
-              <a:t>etc</a:t>
-            </a:r>
-            <a:r>
-              <a:rPr lang="en-US" dirty="0"/>
-              <a:t>…</a:t>
-            </a:r>
-            <a:endParaRPr lang="en-US" b="1" dirty="0"/>
-          </a:p>
-          <a:p>
-            <a:pPr lvl="1"/>
-            <a:endParaRPr lang="en-US" b="1" dirty="0"/>
-          </a:p>
-          <a:p>
-            <a:pPr lvl="1"/>
-            <a:endParaRPr lang="en-US" b="1" dirty="0"/>
-          </a:p>
-        </p:txBody>
-      </p:sp>
-    </p:spTree>
-    <p:extLst>
-      <p:ext uri="{BB962C8B-B14F-4D97-AF65-F5344CB8AC3E}">
-        <p14:creationId xmlns:p14="http://schemas.microsoft.com/office/powerpoint/2010/main" val="3363802956"/>
-      </p:ext>
-    </p:extLst>
-  </p:cSld>
-  <p:clrMapOvr>
-    <a:masterClrMapping/>
-  </p:clrMapOvr>
-</p:sld>
-</file>
-
-<file path=ppt/slides/slide2.xml><?xml version="1.0" encoding="utf-8"?>
-<p:sld xmlns:a="http://schemas.openxmlformats.org/drawingml/2006/main" xmlns:r="http://schemas.openxmlformats.org/officeDocument/2006/relationships" xmlns:p="http://schemas.openxmlformats.org/presentationml/2006/main">
-  <p:cSld>
-    <p:spTree>
-      <p:nvGrpSpPr>
-        <p:cNvPr id="1" name=""/>
-        <p:cNvGrpSpPr/>
-        <p:nvPr/>
-      </p:nvGrpSpPr>
-      <p:grpSpPr>
-        <a:xfrm>
-          <a:off x="0" y="0"/>
-          <a:ext cx="0" cy="0"/>
-          <a:chOff x="0" y="0"/>
-          <a:chExt cx="0" cy="0"/>
-        </a:xfrm>
-      </p:grpSpPr>
-      <p:sp>
-        <p:nvSpPr>
-          <p:cNvPr id="2" name="Title 1">
-            <a:extLst>
-              <a:ext uri="{FF2B5EF4-FFF2-40B4-BE49-F238E27FC236}">
-                <a16:creationId xmlns:a16="http://schemas.microsoft.com/office/drawing/2014/main" id="{F72C359F-44C5-3D34-D9D8-6FA6C514B265}"/>
-              </a:ext>
-            </a:extLst>
-          </p:cNvPr>
-          <p:cNvSpPr>
-            <a:spLocks noGrp="1"/>
-          </p:cNvSpPr>
-          <p:nvPr>
-            <p:ph type="title"/>
-          </p:nvPr>
-        </p:nvSpPr>
-        <p:spPr/>
-        <p:txBody>
-          <a:bodyPr/>
-          <a:lstStyle/>
-          <a:p>
-            <a:r>
-              <a:rPr lang="en-US" dirty="0"/>
-              <a:t>Outline</a:t>
-            </a:r>
-          </a:p>
-        </p:txBody>
-      </p:sp>
-      <p:sp>
-        <p:nvSpPr>
-          <p:cNvPr id="3" name="Content Placeholder 2">
-            <a:extLst>
-              <a:ext uri="{FF2B5EF4-FFF2-40B4-BE49-F238E27FC236}">
-                <a16:creationId xmlns:a16="http://schemas.microsoft.com/office/drawing/2014/main" id="{92E6291A-445C-DE6F-379D-0393F7401C46}"/>
-              </a:ext>
-            </a:extLst>
-          </p:cNvPr>
-          <p:cNvSpPr>
-            <a:spLocks noGrp="1"/>
-          </p:cNvSpPr>
-          <p:nvPr>
-            <p:ph idx="1"/>
-          </p:nvPr>
-        </p:nvSpPr>
-        <p:spPr/>
-        <p:txBody>
-          <a:bodyPr/>
-          <a:lstStyle/>
-          <a:p>
-            <a:r>
-              <a:rPr lang="en-US" dirty="0"/>
-              <a:t>Introduction</a:t>
-            </a:r>
-          </a:p>
-          <a:p>
-            <a:r>
-              <a:rPr lang="en-US" dirty="0"/>
-              <a:t>The Book</a:t>
-            </a:r>
-          </a:p>
-          <a:p>
-            <a:r>
-              <a:rPr lang="en-US" dirty="0"/>
-              <a:t>Turning it Into a Course (Stories from the Classroom)</a:t>
-            </a:r>
-          </a:p>
-          <a:p>
-            <a:r>
-              <a:rPr lang="en-US" dirty="0"/>
-              <a:t>Data Analysis</a:t>
-            </a:r>
-          </a:p>
-          <a:p>
-            <a:r>
-              <a:rPr lang="en-US" dirty="0"/>
-              <a:t>Conclusion</a:t>
-            </a:r>
-          </a:p>
-          <a:p>
-            <a:endParaRPr lang="en-US" dirty="0"/>
-          </a:p>
-        </p:txBody>
-      </p:sp>
-    </p:spTree>
-    <p:extLst>
-      <p:ext uri="{BB962C8B-B14F-4D97-AF65-F5344CB8AC3E}">
-        <p14:creationId xmlns:p14="http://schemas.microsoft.com/office/powerpoint/2010/main" val="1266521625"/>
-      </p:ext>
-    </p:extLst>
-  </p:cSld>
-  <p:clrMapOvr>
-    <a:masterClrMapping/>
-  </p:clrMapOvr>
-</p:sld>
-</file>
-
-<file path=ppt/slides/slide20.xml><?xml version="1.0" encoding="utf-8"?>
-<p:sld xmlns:a="http://schemas.openxmlformats.org/drawingml/2006/main" xmlns:r="http://schemas.openxmlformats.org/officeDocument/2006/relationships" xmlns:p="http://schemas.openxmlformats.org/presentationml/2006/main">
-  <p:cSld>
-    <p:spTree>
-      <p:nvGrpSpPr>
-        <p:cNvPr id="1" name=""/>
-        <p:cNvGrpSpPr/>
-        <p:nvPr/>
-      </p:nvGrpSpPr>
-      <p:grpSpPr>
-        <a:xfrm>
-          <a:off x="0" y="0"/>
-          <a:ext cx="0" cy="0"/>
-          <a:chOff x="0" y="0"/>
-          <a:chExt cx="0" cy="0"/>
-        </a:xfrm>
-      </p:grpSpPr>
-      <p:sp>
-        <p:nvSpPr>
-          <p:cNvPr id="2" name="Title 1">
-            <a:extLst>
-              <a:ext uri="{FF2B5EF4-FFF2-40B4-BE49-F238E27FC236}">
-                <a16:creationId xmlns:a16="http://schemas.microsoft.com/office/drawing/2014/main" id="{73DEF183-FA04-D231-F4E4-358EDC6D690A}"/>
-              </a:ext>
-            </a:extLst>
-          </p:cNvPr>
-          <p:cNvSpPr>
-            <a:spLocks noGrp="1"/>
-          </p:cNvSpPr>
-          <p:nvPr>
-            <p:ph type="title"/>
-          </p:nvPr>
-        </p:nvSpPr>
-        <p:spPr/>
-        <p:txBody>
-          <a:bodyPr/>
-          <a:lstStyle/>
-          <a:p>
-            <a:r>
-              <a:rPr lang="en-US" dirty="0"/>
-              <a:t>Assignments</a:t>
-            </a:r>
-          </a:p>
-        </p:txBody>
-      </p:sp>
-      <p:sp>
-        <p:nvSpPr>
-          <p:cNvPr id="3" name="Content Placeholder 2">
-            <a:extLst>
-              <a:ext uri="{FF2B5EF4-FFF2-40B4-BE49-F238E27FC236}">
-                <a16:creationId xmlns:a16="http://schemas.microsoft.com/office/drawing/2014/main" id="{64015499-C3A5-01D4-6885-24B8663A2567}"/>
-              </a:ext>
-            </a:extLst>
-          </p:cNvPr>
-          <p:cNvSpPr>
-            <a:spLocks noGrp="1"/>
-          </p:cNvSpPr>
-          <p:nvPr>
-            <p:ph idx="1"/>
-          </p:nvPr>
-        </p:nvSpPr>
-        <p:spPr>
-          <a:xfrm>
-            <a:off x="448056" y="2184935"/>
-            <a:ext cx="4277948" cy="3333278"/>
-          </a:xfrm>
-        </p:spPr>
-        <p:txBody>
-          <a:bodyPr/>
-          <a:lstStyle/>
-          <a:p>
-            <a:pPr marL="1944" indent="0">
-              <a:buNone/>
-            </a:pPr>
-            <a:r>
-              <a:rPr lang="en-US" dirty="0"/>
-              <a:t>Coding Assignments</a:t>
+              <a:t>Auto-graded</a:t>
             </a:r>
           </a:p>
           <a:p>
@@ -6909,8 +4576,8 @@
         </p:nvSpPr>
         <p:spPr>
           <a:xfrm>
-            <a:off x="6096000" y="2184935"/>
-            <a:ext cx="4277948" cy="3333278"/>
+            <a:off x="6468177" y="2204185"/>
+            <a:ext cx="5390147" cy="3519637"/>
           </a:xfrm>
           <a:prstGeom prst="rect">
             <a:avLst/>
@@ -7093,6 +4760,13 @@
               <a:rPr lang="en-US" dirty="0"/>
               <a:t>Written Assignments</a:t>
             </a:r>
+            <a:br>
+              <a:rPr lang="en-US" dirty="0"/>
+            </a:br>
+            <a:r>
+              <a:rPr lang="en-US" dirty="0"/>
+              <a:t>Participation-graded + intrinsic motivation</a:t>
+            </a:r>
           </a:p>
           <a:p>
             <a:pPr marL="459144" indent="-457200">
@@ -7166,7 +4840,7 @@
         <p:spPr>
           <a:xfrm>
             <a:off x="441959" y="1134177"/>
-            <a:ext cx="11301984" cy="607995"/>
+            <a:ext cx="11301984" cy="1141200"/>
           </a:xfrm>
           <a:prstGeom prst="rect">
             <a:avLst/>
@@ -7345,9 +5019,10 @@
               <a:buNone/>
             </a:pPr>
             <a:r>
-              <a:rPr lang="en-US" dirty="0"/>
-              <a:t>Coursework has 2 core thrusts: “Implement core of a PL” + “Self-Directed User Study”</a:t>
-            </a:r>
+              <a:rPr lang="en-US" b="1" dirty="0"/>
+              <a:t>Core Assessment Strategy (for CS course): Two spokes</a:t>
+            </a:r>
+            <a:endParaRPr lang="en-US" dirty="0"/>
           </a:p>
         </p:txBody>
       </p:sp>
@@ -7364,7 +5039,7 @@
 </p:sld>
 </file>
 
-<file path=ppt/slides/slide21.xml><?xml version="1.0" encoding="utf-8"?>
+<file path=ppt/slides/slide12.xml><?xml version="1.0" encoding="utf-8"?>
 <p:sld xmlns:a="http://schemas.openxmlformats.org/drawingml/2006/main" xmlns:r="http://schemas.openxmlformats.org/officeDocument/2006/relationships" xmlns:p="http://schemas.openxmlformats.org/presentationml/2006/main">
   <p:cSld>
     <p:spTree>
@@ -7404,7 +5079,7 @@
           <a:p>
             <a:r>
               <a:rPr lang="en-US" dirty="0"/>
-              <a:t>Grading Approach</a:t>
+              <a:t>Assignments</a:t>
             </a:r>
           </a:p>
         </p:txBody>
@@ -7427,12 +5102,14 @@
         </p:nvSpPr>
         <p:spPr>
           <a:xfrm>
-            <a:off x="448056" y="2184935"/>
-            <a:ext cx="4277948" cy="3333278"/>
+            <a:off x="1044822" y="2204185"/>
+            <a:ext cx="4499329" cy="3609473"/>
           </a:xfrm>
         </p:spPr>
         <p:txBody>
-          <a:bodyPr/>
+          <a:bodyPr>
+            <a:normAutofit/>
+          </a:bodyPr>
           <a:lstStyle/>
           <a:p>
             <a:pPr marL="1944" indent="0">
@@ -7441,6 +5118,13 @@
             <a:r>
               <a:rPr lang="en-US" dirty="0"/>
               <a:t>Coding Assignments</a:t>
+            </a:r>
+            <a:br>
+              <a:rPr lang="en-US" dirty="0"/>
+            </a:br>
+            <a:r>
+              <a:rPr lang="en-US" dirty="0"/>
+              <a:t>Auto-graded</a:t>
             </a:r>
           </a:p>
           <a:p>
@@ -7514,8 +5198,8 @@
         </p:nvSpPr>
         <p:spPr>
           <a:xfrm>
-            <a:off x="6096000" y="2184935"/>
-            <a:ext cx="4277948" cy="3333278"/>
+            <a:off x="6468177" y="2204185"/>
+            <a:ext cx="5390147" cy="3519637"/>
           </a:xfrm>
           <a:prstGeom prst="rect">
             <a:avLst/>
@@ -7698,6 +5382,13 @@
               <a:rPr lang="en-US" dirty="0"/>
               <a:t>Written Assignments</a:t>
             </a:r>
+            <a:br>
+              <a:rPr lang="en-US" dirty="0"/>
+            </a:br>
+            <a:r>
+              <a:rPr lang="en-US" dirty="0"/>
+              <a:t>Participation-graded + intrinsic motivation</a:t>
+            </a:r>
           </a:p>
           <a:p>
             <a:pPr marL="459144" indent="-457200">
@@ -7770,1234 +5461,8 @@
         </p:nvSpPr>
         <p:spPr>
           <a:xfrm>
-            <a:off x="445008" y="922005"/>
-            <a:ext cx="11301984" cy="607995"/>
-          </a:xfrm>
-          <a:prstGeom prst="rect">
-            <a:avLst/>
-          </a:prstGeom>
-        </p:spPr>
-        <p:txBody>
-          <a:bodyPr vert="horz" wrap="square" lIns="0" tIns="0" rIns="91440" bIns="0" rtlCol="0">
-            <a:noAutofit/>
-          </a:bodyPr>
-          <a:lstStyle>
-            <a:lvl1pPr marL="450000" indent="-448056" algn="l" defTabSz="914400" rtl="0" eaLnBrk="1" latinLnBrk="0" hangingPunct="1">
-              <a:lnSpc>
-                <a:spcPct val="120000"/>
-              </a:lnSpc>
-              <a:spcBef>
-                <a:spcPts val="1000"/>
-              </a:spcBef>
-              <a:buFont typeface="Calibri Light" panose="020F0302020204030204" pitchFamily="34" charset="0"/>
-              <a:buChar char="→"/>
-              <a:defRPr sz="2200" kern="1200">
-                <a:solidFill>
-                  <a:srgbClr val="FFFFFF"/>
-                </a:solidFill>
-                <a:latin typeface="+mn-lt"/>
-                <a:ea typeface="+mn-ea"/>
-                <a:cs typeface="+mn-cs"/>
-              </a:defRPr>
-            </a:lvl1pPr>
-            <a:lvl2pPr marL="900000" indent="-448056" algn="l" defTabSz="914400" rtl="0" eaLnBrk="1" latinLnBrk="0" hangingPunct="1">
-              <a:lnSpc>
-                <a:spcPct val="120000"/>
-              </a:lnSpc>
-              <a:spcBef>
-                <a:spcPts val="500"/>
-              </a:spcBef>
-              <a:buFont typeface="Calibri Light" panose="020F0302020204030204" pitchFamily="34" charset="0"/>
-              <a:buChar char="→"/>
-              <a:defRPr sz="2200" kern="1200">
-                <a:solidFill>
-                  <a:srgbClr val="FFFFFF"/>
-                </a:solidFill>
-                <a:latin typeface="+mn-lt"/>
-                <a:ea typeface="+mn-ea"/>
-                <a:cs typeface="+mn-cs"/>
-              </a:defRPr>
-            </a:lvl2pPr>
-            <a:lvl3pPr marL="1350000" indent="-448056" algn="l" defTabSz="914400" rtl="0" eaLnBrk="1" latinLnBrk="0" hangingPunct="1">
-              <a:lnSpc>
-                <a:spcPct val="120000"/>
-              </a:lnSpc>
-              <a:spcBef>
-                <a:spcPts val="500"/>
-              </a:spcBef>
-              <a:buFont typeface="Calibri Light" panose="020F0302020204030204" pitchFamily="34" charset="0"/>
-              <a:buChar char="→"/>
-              <a:defRPr sz="2200" kern="1200">
-                <a:solidFill>
-                  <a:srgbClr val="FFFFFF"/>
-                </a:solidFill>
-                <a:latin typeface="+mn-lt"/>
-                <a:ea typeface="+mn-ea"/>
-                <a:cs typeface="+mn-cs"/>
-              </a:defRPr>
-            </a:lvl3pPr>
-            <a:lvl4pPr marL="1800000" indent="-448056" algn="l" defTabSz="914400" rtl="0" eaLnBrk="1" latinLnBrk="0" hangingPunct="1">
-              <a:lnSpc>
-                <a:spcPct val="120000"/>
-              </a:lnSpc>
-              <a:spcBef>
-                <a:spcPts val="500"/>
-              </a:spcBef>
-              <a:buFont typeface="Calibri Light" panose="020F0302020204030204" pitchFamily="34" charset="0"/>
-              <a:buChar char="→"/>
-              <a:defRPr sz="2200" kern="1200">
-                <a:solidFill>
-                  <a:srgbClr val="FFFFFF"/>
-                </a:solidFill>
-                <a:latin typeface="+mn-lt"/>
-                <a:ea typeface="+mn-ea"/>
-                <a:cs typeface="+mn-cs"/>
-              </a:defRPr>
-            </a:lvl4pPr>
-            <a:lvl5pPr marL="2250000" indent="-448056" algn="l" defTabSz="914400" rtl="0" eaLnBrk="1" latinLnBrk="0" hangingPunct="1">
-              <a:lnSpc>
-                <a:spcPct val="120000"/>
-              </a:lnSpc>
-              <a:spcBef>
-                <a:spcPts val="500"/>
-              </a:spcBef>
-              <a:buFont typeface="Calibri Light" panose="020F0302020204030204" pitchFamily="34" charset="0"/>
-              <a:buChar char="→"/>
-              <a:defRPr sz="2200" kern="1200">
-                <a:solidFill>
-                  <a:srgbClr val="FFFFFF"/>
-                </a:solidFill>
-                <a:latin typeface="+mn-lt"/>
-                <a:ea typeface="+mn-ea"/>
-                <a:cs typeface="+mn-cs"/>
-              </a:defRPr>
-            </a:lvl5pPr>
-            <a:lvl6pPr marL="2514600" indent="-228600" algn="l" defTabSz="914400" rtl="0" eaLnBrk="1" latinLnBrk="0" hangingPunct="1">
-              <a:lnSpc>
-                <a:spcPct val="90000"/>
-              </a:lnSpc>
-              <a:spcBef>
-                <a:spcPts val="500"/>
-              </a:spcBef>
-              <a:buFont typeface="Arial" panose="020B0604020202020204" pitchFamily="34" charset="0"/>
-              <a:buChar char="•"/>
-              <a:defRPr sz="1800" kern="1200">
-                <a:solidFill>
-                  <a:schemeClr val="tx1"/>
-                </a:solidFill>
-                <a:latin typeface="+mn-lt"/>
-                <a:ea typeface="+mn-ea"/>
-                <a:cs typeface="+mn-cs"/>
-              </a:defRPr>
-            </a:lvl6pPr>
-            <a:lvl7pPr marL="2971800" indent="-228600" algn="l" defTabSz="914400" rtl="0" eaLnBrk="1" latinLnBrk="0" hangingPunct="1">
-              <a:lnSpc>
-                <a:spcPct val="90000"/>
-              </a:lnSpc>
-              <a:spcBef>
-                <a:spcPts val="500"/>
-              </a:spcBef>
-              <a:buFont typeface="Arial" panose="020B0604020202020204" pitchFamily="34" charset="0"/>
-              <a:buChar char="•"/>
-              <a:defRPr sz="1800" kern="1200">
-                <a:solidFill>
-                  <a:schemeClr val="tx1"/>
-                </a:solidFill>
-                <a:latin typeface="+mn-lt"/>
-                <a:ea typeface="+mn-ea"/>
-                <a:cs typeface="+mn-cs"/>
-              </a:defRPr>
-            </a:lvl7pPr>
-            <a:lvl8pPr marL="3429000" indent="-228600" algn="l" defTabSz="914400" rtl="0" eaLnBrk="1" latinLnBrk="0" hangingPunct="1">
-              <a:lnSpc>
-                <a:spcPct val="90000"/>
-              </a:lnSpc>
-              <a:spcBef>
-                <a:spcPts val="500"/>
-              </a:spcBef>
-              <a:buFont typeface="Arial" panose="020B0604020202020204" pitchFamily="34" charset="0"/>
-              <a:buChar char="•"/>
-              <a:defRPr sz="1800" kern="1200">
-                <a:solidFill>
-                  <a:schemeClr val="tx1"/>
-                </a:solidFill>
-                <a:latin typeface="+mn-lt"/>
-                <a:ea typeface="+mn-ea"/>
-                <a:cs typeface="+mn-cs"/>
-              </a:defRPr>
-            </a:lvl8pPr>
-            <a:lvl9pPr marL="3886200" indent="-228600" algn="l" defTabSz="914400" rtl="0" eaLnBrk="1" latinLnBrk="0" hangingPunct="1">
-              <a:lnSpc>
-                <a:spcPct val="90000"/>
-              </a:lnSpc>
-              <a:spcBef>
-                <a:spcPts val="500"/>
-              </a:spcBef>
-              <a:buFont typeface="Arial" panose="020B0604020202020204" pitchFamily="34" charset="0"/>
-              <a:buChar char="•"/>
-              <a:defRPr sz="1800" kern="1200">
-                <a:solidFill>
-                  <a:schemeClr val="tx1"/>
-                </a:solidFill>
-                <a:latin typeface="+mn-lt"/>
-                <a:ea typeface="+mn-ea"/>
-                <a:cs typeface="+mn-cs"/>
-              </a:defRPr>
-            </a:lvl9pPr>
-          </a:lstStyle>
-          <a:p>
-            <a:pPr marL="1944" indent="0">
-              <a:buNone/>
-            </a:pPr>
-            <a:r>
-              <a:rPr lang="en-US" sz="2400" b="1" dirty="0"/>
-              <a:t>BUILT TO SCALE!</a:t>
-            </a:r>
-            <a:r>
-              <a:rPr lang="en-US" sz="2400" dirty="0"/>
-              <a:t> </a:t>
-            </a:r>
-            <a:r>
-              <a:rPr lang="en-US" sz="2400" b="1" dirty="0"/>
-              <a:t>e.g. 85 students, 2 sections, &lt;=1 TA</a:t>
-            </a:r>
-            <a:br>
-              <a:rPr lang="en-US" sz="2400" b="1" dirty="0"/>
-            </a:br>
-            <a:r>
-              <a:rPr lang="en-US" sz="2400" dirty="0"/>
-              <a:t>Philosophy: “</a:t>
-            </a:r>
-            <a:r>
-              <a:rPr lang="en-US" sz="2400" dirty="0" err="1"/>
-              <a:t>Ungrading</a:t>
-            </a:r>
-            <a:r>
-              <a:rPr lang="en-US" sz="2400" dirty="0"/>
-              <a:t>” philosophy, but not quite ungraded</a:t>
-            </a:r>
-            <a:br>
-              <a:rPr lang="en-US" sz="3200" b="1" dirty="0"/>
-            </a:br>
-            <a:endParaRPr lang="en-US" sz="3200" b="1" dirty="0"/>
-          </a:p>
-        </p:txBody>
-      </p:sp>
-      <p:sp>
-        <p:nvSpPr>
-          <p:cNvPr id="4" name="TextBox 3">
-            <a:extLst>
-              <a:ext uri="{FF2B5EF4-FFF2-40B4-BE49-F238E27FC236}">
-                <a16:creationId xmlns:a16="http://schemas.microsoft.com/office/drawing/2014/main" id="{343637CC-59AD-C656-B63B-974F90D78896}"/>
-              </a:ext>
-            </a:extLst>
-          </p:cNvPr>
-          <p:cNvSpPr txBox="1"/>
-          <p:nvPr/>
-        </p:nvSpPr>
-        <p:spPr>
-          <a:xfrm>
-            <a:off x="115502" y="5864724"/>
-            <a:ext cx="5263620" cy="523220"/>
-          </a:xfrm>
-          <a:prstGeom prst="rect">
-            <a:avLst/>
-          </a:prstGeom>
-          <a:noFill/>
-        </p:spPr>
-        <p:txBody>
-          <a:bodyPr wrap="none" rtlCol="0">
-            <a:spAutoFit/>
-          </a:bodyPr>
-          <a:lstStyle/>
-          <a:p>
-            <a:r>
-              <a:rPr lang="en-US" sz="2800" dirty="0" err="1"/>
-              <a:t>Autograding</a:t>
-            </a:r>
-            <a:r>
-              <a:rPr lang="en-US" sz="2800" dirty="0"/>
-              <a:t> with public test cases</a:t>
-            </a:r>
-          </a:p>
-        </p:txBody>
-      </p:sp>
-      <p:cxnSp>
-        <p:nvCxnSpPr>
-          <p:cNvPr id="8" name="Straight Connector 7">
-            <a:extLst>
-              <a:ext uri="{FF2B5EF4-FFF2-40B4-BE49-F238E27FC236}">
-                <a16:creationId xmlns:a16="http://schemas.microsoft.com/office/drawing/2014/main" id="{4645EE5F-C226-65CA-F897-97025372A8E1}"/>
-              </a:ext>
-            </a:extLst>
-          </p:cNvPr>
-          <p:cNvCxnSpPr/>
-          <p:nvPr/>
-        </p:nvCxnSpPr>
-        <p:spPr>
-          <a:xfrm flipV="1">
-            <a:off x="2512194" y="5419023"/>
-            <a:ext cx="0" cy="541953"/>
-          </a:xfrm>
-          <a:prstGeom prst="line">
-            <a:avLst/>
-          </a:prstGeom>
-          <a:ln w="38100">
-            <a:solidFill>
-              <a:schemeClr val="tx1"/>
-            </a:solidFill>
-          </a:ln>
-        </p:spPr>
-        <p:style>
-          <a:lnRef idx="1">
-            <a:schemeClr val="accent1"/>
-          </a:lnRef>
-          <a:fillRef idx="0">
-            <a:schemeClr val="accent1"/>
-          </a:fillRef>
-          <a:effectRef idx="0">
-            <a:schemeClr val="accent1"/>
-          </a:effectRef>
-          <a:fontRef idx="minor">
-            <a:schemeClr val="tx1"/>
-          </a:fontRef>
-        </p:style>
-      </p:cxnSp>
-      <p:sp>
-        <p:nvSpPr>
-          <p:cNvPr id="9" name="TextBox 8">
-            <a:extLst>
-              <a:ext uri="{FF2B5EF4-FFF2-40B4-BE49-F238E27FC236}">
-                <a16:creationId xmlns:a16="http://schemas.microsoft.com/office/drawing/2014/main" id="{9EEFC58F-7485-085F-F81E-EBFDD586264B}"/>
-              </a:ext>
-            </a:extLst>
-          </p:cNvPr>
-          <p:cNvSpPr txBox="1"/>
-          <p:nvPr/>
-        </p:nvSpPr>
-        <p:spPr>
-          <a:xfrm>
-            <a:off x="6274066" y="5864724"/>
-            <a:ext cx="5248424" cy="954107"/>
-          </a:xfrm>
-          <a:prstGeom prst="rect">
-            <a:avLst/>
-          </a:prstGeom>
-          <a:noFill/>
-        </p:spPr>
-        <p:txBody>
-          <a:bodyPr wrap="none" rtlCol="0">
-            <a:spAutoFit/>
-          </a:bodyPr>
-          <a:lstStyle/>
-          <a:p>
-            <a:r>
-              <a:rPr lang="en-US" sz="2800" dirty="0"/>
-              <a:t>“Make an attempt” -&gt; Full Points</a:t>
-            </a:r>
-            <a:br>
-              <a:rPr lang="en-US" sz="2800" dirty="0"/>
-            </a:br>
-            <a:r>
-              <a:rPr lang="en-US" sz="2800" dirty="0"/>
-              <a:t>Receive peer + instructor feedback</a:t>
-            </a:r>
-          </a:p>
-        </p:txBody>
-      </p:sp>
-      <p:cxnSp>
-        <p:nvCxnSpPr>
-          <p:cNvPr id="10" name="Straight Connector 9">
-            <a:extLst>
-              <a:ext uri="{FF2B5EF4-FFF2-40B4-BE49-F238E27FC236}">
-                <a16:creationId xmlns:a16="http://schemas.microsoft.com/office/drawing/2014/main" id="{27A513E7-9151-8CE9-3F9F-AB7E56437322}"/>
-              </a:ext>
-            </a:extLst>
-          </p:cNvPr>
-          <p:cNvCxnSpPr/>
-          <p:nvPr/>
-        </p:nvCxnSpPr>
-        <p:spPr>
-          <a:xfrm flipV="1">
-            <a:off x="8670758" y="5419023"/>
-            <a:ext cx="0" cy="541953"/>
-          </a:xfrm>
-          <a:prstGeom prst="line">
-            <a:avLst/>
-          </a:prstGeom>
-          <a:ln w="38100">
-            <a:solidFill>
-              <a:schemeClr val="tx1"/>
-            </a:solidFill>
-          </a:ln>
-        </p:spPr>
-        <p:style>
-          <a:lnRef idx="1">
-            <a:schemeClr val="accent1"/>
-          </a:lnRef>
-          <a:fillRef idx="0">
-            <a:schemeClr val="accent1"/>
-          </a:fillRef>
-          <a:effectRef idx="0">
-            <a:schemeClr val="accent1"/>
-          </a:effectRef>
-          <a:fontRef idx="minor">
-            <a:schemeClr val="tx1"/>
-          </a:fontRef>
-        </p:style>
-      </p:cxnSp>
-    </p:spTree>
-    <p:extLst>
-      <p:ext uri="{BB962C8B-B14F-4D97-AF65-F5344CB8AC3E}">
-        <p14:creationId xmlns:p14="http://schemas.microsoft.com/office/powerpoint/2010/main" val="1481375492"/>
-      </p:ext>
-    </p:extLst>
-  </p:cSld>
-  <p:clrMapOvr>
-    <a:masterClrMapping/>
-  </p:clrMapOvr>
-</p:sld>
-</file>
-
-<file path=ppt/slides/slide22.xml><?xml version="1.0" encoding="utf-8"?>
-<p:sld xmlns:a="http://schemas.openxmlformats.org/drawingml/2006/main" xmlns:r="http://schemas.openxmlformats.org/officeDocument/2006/relationships" xmlns:p="http://schemas.openxmlformats.org/presentationml/2006/main">
-  <p:cSld>
-    <p:spTree>
-      <p:nvGrpSpPr>
-        <p:cNvPr id="1" name=""/>
-        <p:cNvGrpSpPr/>
-        <p:nvPr/>
-      </p:nvGrpSpPr>
-      <p:grpSpPr>
-        <a:xfrm>
-          <a:off x="0" y="0"/>
-          <a:ext cx="0" cy="0"/>
-          <a:chOff x="0" y="0"/>
-          <a:chExt cx="0" cy="0"/>
-        </a:xfrm>
-      </p:grpSpPr>
-      <p:sp>
-        <p:nvSpPr>
-          <p:cNvPr id="2" name="Title 1">
-            <a:extLst>
-              <a:ext uri="{FF2B5EF4-FFF2-40B4-BE49-F238E27FC236}">
-                <a16:creationId xmlns:a16="http://schemas.microsoft.com/office/drawing/2014/main" id="{71CB8742-94CC-9317-3C5A-C26C9B3E703F}"/>
-              </a:ext>
-            </a:extLst>
-          </p:cNvPr>
-          <p:cNvSpPr>
-            <a:spLocks noGrp="1"/>
-          </p:cNvSpPr>
-          <p:nvPr>
-            <p:ph type="title"/>
-          </p:nvPr>
-        </p:nvSpPr>
-        <p:spPr/>
-        <p:txBody>
-          <a:bodyPr/>
-          <a:lstStyle/>
-          <a:p>
-            <a:r>
-              <a:rPr lang="en-US" dirty="0"/>
-              <a:t>Story 1: Student Letter</a:t>
-            </a:r>
-          </a:p>
-        </p:txBody>
-      </p:sp>
-      <p:sp>
-        <p:nvSpPr>
-          <p:cNvPr id="3" name="Content Placeholder 2">
-            <a:extLst>
-              <a:ext uri="{FF2B5EF4-FFF2-40B4-BE49-F238E27FC236}">
-                <a16:creationId xmlns:a16="http://schemas.microsoft.com/office/drawing/2014/main" id="{5640B863-7718-DC7E-019B-AFABC648AFB7}"/>
-              </a:ext>
-            </a:extLst>
-          </p:cNvPr>
-          <p:cNvSpPr>
-            <a:spLocks noGrp="1"/>
-          </p:cNvSpPr>
-          <p:nvPr>
-            <p:ph idx="1"/>
-          </p:nvPr>
-        </p:nvSpPr>
-        <p:spPr/>
-        <p:txBody>
-          <a:bodyPr/>
-          <a:lstStyle/>
-          <a:p>
-            <a:r>
-              <a:rPr lang="en-US" dirty="0"/>
-              <a:t>Let’s share stories from the classroom (with student permission). Thank-you letter from a Spring 2023 student in graduate course (then project-based):</a:t>
-            </a:r>
-          </a:p>
-          <a:p>
-            <a:r>
-              <a:rPr lang="en-US" dirty="0"/>
-              <a:t>“Coming into this class I didn’t have any prior interest or experience in theory behind languages but this definitely stoked my desire to work with it.”</a:t>
-            </a:r>
-          </a:p>
-          <a:p>
-            <a:r>
-              <a:rPr lang="en-US" dirty="0"/>
-              <a:t>“I really enjoyed the freedom to design whatever we wanted.  … it has been amazing overall and taught me so much, especially because it was a tough term personally. What a great experience that I wanted to spend all of my time on”</a:t>
-            </a:r>
-          </a:p>
-          <a:p>
-            <a:endParaRPr lang="en-US" dirty="0"/>
-          </a:p>
-          <a:p>
-            <a:endParaRPr lang="en-US" dirty="0"/>
-          </a:p>
-          <a:p>
-            <a:endParaRPr lang="en-US" dirty="0"/>
-          </a:p>
-        </p:txBody>
-      </p:sp>
-    </p:spTree>
-    <p:extLst>
-      <p:ext uri="{BB962C8B-B14F-4D97-AF65-F5344CB8AC3E}">
-        <p14:creationId xmlns:p14="http://schemas.microsoft.com/office/powerpoint/2010/main" val="1912420681"/>
-      </p:ext>
-    </p:extLst>
-  </p:cSld>
-  <p:clrMapOvr>
-    <a:masterClrMapping/>
-  </p:clrMapOvr>
-</p:sld>
-</file>
-
-<file path=ppt/slides/slide23.xml><?xml version="1.0" encoding="utf-8"?>
-<p:sld xmlns:a="http://schemas.openxmlformats.org/drawingml/2006/main" xmlns:r="http://schemas.openxmlformats.org/officeDocument/2006/relationships" xmlns:p="http://schemas.openxmlformats.org/presentationml/2006/main">
-  <p:cSld>
-    <p:spTree>
-      <p:nvGrpSpPr>
-        <p:cNvPr id="1" name=""/>
-        <p:cNvGrpSpPr/>
-        <p:nvPr/>
-      </p:nvGrpSpPr>
-      <p:grpSpPr>
-        <a:xfrm>
-          <a:off x="0" y="0"/>
-          <a:ext cx="0" cy="0"/>
-          <a:chOff x="0" y="0"/>
-          <a:chExt cx="0" cy="0"/>
-        </a:xfrm>
-      </p:grpSpPr>
-      <p:sp>
-        <p:nvSpPr>
-          <p:cNvPr id="2" name="Title 1">
-            <a:extLst>
-              <a:ext uri="{FF2B5EF4-FFF2-40B4-BE49-F238E27FC236}">
-                <a16:creationId xmlns:a16="http://schemas.microsoft.com/office/drawing/2014/main" id="{9C90FA70-96F7-F930-DB3B-A9B7690865A8}"/>
-              </a:ext>
-            </a:extLst>
-          </p:cNvPr>
-          <p:cNvSpPr>
-            <a:spLocks noGrp="1"/>
-          </p:cNvSpPr>
-          <p:nvPr>
-            <p:ph type="title"/>
-          </p:nvPr>
-        </p:nvSpPr>
-        <p:spPr/>
-        <p:txBody>
-          <a:bodyPr/>
-          <a:lstStyle/>
-          <a:p>
-            <a:r>
-              <a:rPr lang="en-US" dirty="0"/>
-              <a:t>Story 2: Twine + Rust</a:t>
-            </a:r>
-          </a:p>
-        </p:txBody>
-      </p:sp>
-      <p:sp>
-        <p:nvSpPr>
-          <p:cNvPr id="3" name="Content Placeholder 2">
-            <a:extLst>
-              <a:ext uri="{FF2B5EF4-FFF2-40B4-BE49-F238E27FC236}">
-                <a16:creationId xmlns:a16="http://schemas.microsoft.com/office/drawing/2014/main" id="{FBDC7C9B-3E52-C55B-8209-BCF1BDBD3335}"/>
-              </a:ext>
-            </a:extLst>
-          </p:cNvPr>
-          <p:cNvSpPr>
-            <a:spLocks noGrp="1"/>
-          </p:cNvSpPr>
-          <p:nvPr>
-            <p:ph idx="1"/>
-          </p:nvPr>
-        </p:nvSpPr>
-        <p:spPr/>
-        <p:txBody>
-          <a:bodyPr/>
-          <a:lstStyle/>
-          <a:p>
-            <a:r>
-              <a:rPr lang="en-US" dirty="0"/>
-              <a:t>In Fall A-Term 2023, the final homework includes an extra credit question: make an artwork in any media technology discussed in the book (Processing, Context Free Art, Twine).</a:t>
-            </a:r>
-          </a:p>
-          <a:p>
-            <a:r>
-              <a:rPr lang="en-US" dirty="0"/>
-              <a:t>19 students did this optional problem of 47 submissions</a:t>
-            </a:r>
-          </a:p>
-          <a:p>
-            <a:r>
-              <a:rPr lang="en-US" dirty="0"/>
-              <a:t>Student submissions included fractals, a cartoon guy, and text adventures, but one stands out:</a:t>
-            </a:r>
-          </a:p>
-          <a:p>
-            <a:r>
-              <a:rPr lang="en-US" dirty="0"/>
-              <a:t>Without prompting, one student wrote a Twine-style text adventure game entirely in Rust,</a:t>
-            </a:r>
-            <a:br>
-              <a:rPr lang="en-US" dirty="0"/>
-            </a:br>
-            <a:r>
-              <a:rPr lang="en-US" dirty="0"/>
-              <a:t>perfecting reinforcing the desired takeaway message:</a:t>
-            </a:r>
-            <a:br>
-              <a:rPr lang="en-US" dirty="0"/>
-            </a:br>
-            <a:endParaRPr lang="en-US" sz="4000" u="sng" dirty="0"/>
-          </a:p>
-        </p:txBody>
-      </p:sp>
-    </p:spTree>
-    <p:extLst>
-      <p:ext uri="{BB962C8B-B14F-4D97-AF65-F5344CB8AC3E}">
-        <p14:creationId xmlns:p14="http://schemas.microsoft.com/office/powerpoint/2010/main" val="1288694384"/>
-      </p:ext>
-    </p:extLst>
-  </p:cSld>
-  <p:clrMapOvr>
-    <a:masterClrMapping/>
-  </p:clrMapOvr>
-</p:sld>
-</file>
-
-<file path=ppt/slides/slide24.xml><?xml version="1.0" encoding="utf-8"?>
-<p:sld xmlns:a="http://schemas.openxmlformats.org/drawingml/2006/main" xmlns:r="http://schemas.openxmlformats.org/officeDocument/2006/relationships" xmlns:p="http://schemas.openxmlformats.org/presentationml/2006/main">
-  <p:cSld>
-    <p:spTree>
-      <p:nvGrpSpPr>
-        <p:cNvPr id="1" name=""/>
-        <p:cNvGrpSpPr/>
-        <p:nvPr/>
-      </p:nvGrpSpPr>
-      <p:grpSpPr>
-        <a:xfrm>
-          <a:off x="0" y="0"/>
-          <a:ext cx="0" cy="0"/>
-          <a:chOff x="0" y="0"/>
-          <a:chExt cx="0" cy="0"/>
-        </a:xfrm>
-      </p:grpSpPr>
-      <p:sp>
-        <p:nvSpPr>
-          <p:cNvPr id="2" name="Title 1">
-            <a:extLst>
-              <a:ext uri="{FF2B5EF4-FFF2-40B4-BE49-F238E27FC236}">
-                <a16:creationId xmlns:a16="http://schemas.microsoft.com/office/drawing/2014/main" id="{9C90FA70-96F7-F930-DB3B-A9B7690865A8}"/>
-              </a:ext>
-            </a:extLst>
-          </p:cNvPr>
-          <p:cNvSpPr>
-            <a:spLocks noGrp="1"/>
-          </p:cNvSpPr>
-          <p:nvPr>
-            <p:ph type="title"/>
-          </p:nvPr>
-        </p:nvSpPr>
-        <p:spPr/>
-        <p:txBody>
-          <a:bodyPr/>
-          <a:lstStyle/>
-          <a:p>
-            <a:r>
-              <a:rPr lang="en-US" dirty="0"/>
-              <a:t>Story 2: Twine + Rust</a:t>
-            </a:r>
-          </a:p>
-        </p:txBody>
-      </p:sp>
-      <p:sp>
-        <p:nvSpPr>
-          <p:cNvPr id="3" name="Content Placeholder 2">
-            <a:extLst>
-              <a:ext uri="{FF2B5EF4-FFF2-40B4-BE49-F238E27FC236}">
-                <a16:creationId xmlns:a16="http://schemas.microsoft.com/office/drawing/2014/main" id="{FBDC7C9B-3E52-C55B-8209-BCF1BDBD3335}"/>
-              </a:ext>
-            </a:extLst>
-          </p:cNvPr>
-          <p:cNvSpPr>
-            <a:spLocks noGrp="1"/>
-          </p:cNvSpPr>
-          <p:nvPr>
-            <p:ph idx="1"/>
-          </p:nvPr>
-        </p:nvSpPr>
-        <p:spPr/>
-        <p:txBody>
-          <a:bodyPr/>
-          <a:lstStyle/>
-          <a:p>
-            <a:r>
-              <a:rPr lang="en-US" dirty="0"/>
-              <a:t>In Fall A-Term 2023, the final homework includes an extra credit question: make an artwork in any media technology discussed in the book (Processing, Context Free Art, Twine).</a:t>
-            </a:r>
-          </a:p>
-          <a:p>
-            <a:r>
-              <a:rPr lang="en-US" dirty="0"/>
-              <a:t>19 students did this optional problem of 47 submissions</a:t>
-            </a:r>
-          </a:p>
-          <a:p>
-            <a:r>
-              <a:rPr lang="en-US" dirty="0"/>
-              <a:t>Student submissions included fractals, a cartoon guy, and text adventures, but one stands out:</a:t>
-            </a:r>
-          </a:p>
-          <a:p>
-            <a:r>
-              <a:rPr lang="en-US" dirty="0"/>
-              <a:t>Without prompting, one student wrote a Twine-style text adventure game entirely in Rust,</a:t>
-            </a:r>
-            <a:br>
-              <a:rPr lang="en-US" dirty="0"/>
-            </a:br>
-            <a:r>
-              <a:rPr lang="en-US" dirty="0"/>
-              <a:t>perfecting reinforcing the desired takeaway message:</a:t>
-            </a:r>
-            <a:br>
-              <a:rPr lang="en-US" dirty="0"/>
-            </a:br>
-            <a:r>
-              <a:rPr lang="en-US" sz="4000" u="sng" dirty="0"/>
-              <a:t>PL Nerds and Art Nerds Can Be Friends!! &lt;3</a:t>
-            </a:r>
-          </a:p>
-        </p:txBody>
-      </p:sp>
-    </p:spTree>
-    <p:extLst>
-      <p:ext uri="{BB962C8B-B14F-4D97-AF65-F5344CB8AC3E}">
-        <p14:creationId xmlns:p14="http://schemas.microsoft.com/office/powerpoint/2010/main" val="357670967"/>
-      </p:ext>
-    </p:extLst>
-  </p:cSld>
-  <p:clrMapOvr>
-    <a:masterClrMapping/>
-  </p:clrMapOvr>
-</p:sld>
-</file>
-
-<file path=ppt/slides/slide25.xml><?xml version="1.0" encoding="utf-8"?>
-<p:sld xmlns:a="http://schemas.openxmlformats.org/drawingml/2006/main" xmlns:r="http://schemas.openxmlformats.org/officeDocument/2006/relationships" xmlns:p="http://schemas.openxmlformats.org/presentationml/2006/main">
-  <p:cSld>
-    <p:spTree>
-      <p:nvGrpSpPr>
-        <p:cNvPr id="1" name=""/>
-        <p:cNvGrpSpPr/>
-        <p:nvPr/>
-      </p:nvGrpSpPr>
-      <p:grpSpPr>
-        <a:xfrm>
-          <a:off x="0" y="0"/>
-          <a:ext cx="0" cy="0"/>
-          <a:chOff x="0" y="0"/>
-          <a:chExt cx="0" cy="0"/>
-        </a:xfrm>
-      </p:grpSpPr>
-      <p:sp>
-        <p:nvSpPr>
-          <p:cNvPr id="2" name="Title 1">
-            <a:extLst>
-              <a:ext uri="{FF2B5EF4-FFF2-40B4-BE49-F238E27FC236}">
-                <a16:creationId xmlns:a16="http://schemas.microsoft.com/office/drawing/2014/main" id="{6A530867-3A2A-619B-991B-D3464B5D2A62}"/>
-              </a:ext>
-            </a:extLst>
-          </p:cNvPr>
-          <p:cNvSpPr>
-            <a:spLocks noGrp="1"/>
-          </p:cNvSpPr>
-          <p:nvPr>
-            <p:ph type="title"/>
-          </p:nvPr>
-        </p:nvSpPr>
-        <p:spPr/>
-        <p:txBody>
-          <a:bodyPr/>
-          <a:lstStyle/>
-          <a:p>
-            <a:r>
-              <a:rPr lang="en-US" dirty="0"/>
-              <a:t>Story 3: Posture Study</a:t>
-            </a:r>
-          </a:p>
-        </p:txBody>
-      </p:sp>
-      <p:sp>
-        <p:nvSpPr>
-          <p:cNvPr id="3" name="Content Placeholder 2">
-            <a:extLst>
-              <a:ext uri="{FF2B5EF4-FFF2-40B4-BE49-F238E27FC236}">
-                <a16:creationId xmlns:a16="http://schemas.microsoft.com/office/drawing/2014/main" id="{F426760A-F6A7-ADC3-0F34-902DCF406377}"/>
-              </a:ext>
-            </a:extLst>
-          </p:cNvPr>
-          <p:cNvSpPr>
-            <a:spLocks noGrp="1"/>
-          </p:cNvSpPr>
-          <p:nvPr>
-            <p:ph idx="1"/>
-          </p:nvPr>
-        </p:nvSpPr>
-        <p:spPr/>
-        <p:txBody>
-          <a:bodyPr/>
-          <a:lstStyle/>
-          <a:p>
-            <a:r>
-              <a:rPr lang="en-US" dirty="0"/>
-              <a:t>Every student poses a question about PL’s, designs and executes small user study in class</a:t>
-            </a:r>
-            <a:br>
-              <a:rPr lang="en-US" dirty="0"/>
-            </a:br>
-            <a:r>
-              <a:rPr lang="en-US" dirty="0"/>
-              <a:t>For most students, participation grade + peer expectations ensured genuine effort</a:t>
-            </a:r>
-          </a:p>
-          <a:p>
-            <a:r>
-              <a:rPr lang="en-US" dirty="0"/>
-              <a:t>For single-discipline majors, interdisciplinary work can serve as a creative, exploratory, space.</a:t>
-            </a:r>
-            <a:br>
-              <a:rPr lang="en-US" dirty="0"/>
-            </a:br>
-            <a:r>
-              <a:rPr lang="en-US" dirty="0"/>
-              <a:t>Still “real work,” but “fun work”. The following study stands out for creativity:</a:t>
-            </a:r>
-          </a:p>
-          <a:p>
-            <a:r>
-              <a:rPr lang="en-US" dirty="0"/>
-              <a:t>One student wanted to know whether posture affects programming productivity. </a:t>
-            </a:r>
-            <a:br>
-              <a:rPr lang="en-US" dirty="0"/>
-            </a:br>
-            <a:r>
-              <a:rPr lang="en-US" dirty="0"/>
-              <a:t>To test this, they had half their classmates code sitting on the floor, half slouched at a table.</a:t>
-            </a:r>
-            <a:br>
-              <a:rPr lang="en-US" dirty="0"/>
-            </a:br>
-            <a:r>
-              <a:rPr lang="en-US" dirty="0"/>
-              <a:t>It was hard to avoid laughter or curious table neighbors, but this was </a:t>
-            </a:r>
-            <a:r>
-              <a:rPr lang="en-US" u="sng" dirty="0"/>
-              <a:t>good for the class</a:t>
-            </a:r>
-            <a:r>
-              <a:rPr lang="en-US" dirty="0"/>
-              <a:t>. This day was a much-needed opportunity to see each other’s interests and laugh together.</a:t>
-            </a:r>
-          </a:p>
-          <a:p>
-            <a:endParaRPr lang="en-US" dirty="0"/>
-          </a:p>
-        </p:txBody>
-      </p:sp>
-    </p:spTree>
-    <p:extLst>
-      <p:ext uri="{BB962C8B-B14F-4D97-AF65-F5344CB8AC3E}">
-        <p14:creationId xmlns:p14="http://schemas.microsoft.com/office/powerpoint/2010/main" val="3234789534"/>
-      </p:ext>
-    </p:extLst>
-  </p:cSld>
-  <p:clrMapOvr>
-    <a:masterClrMapping/>
-  </p:clrMapOvr>
-</p:sld>
-</file>
-
-<file path=ppt/slides/slide26.xml><?xml version="1.0" encoding="utf-8"?>
-<p:sld xmlns:a="http://schemas.openxmlformats.org/drawingml/2006/main" xmlns:r="http://schemas.openxmlformats.org/officeDocument/2006/relationships" xmlns:p="http://schemas.openxmlformats.org/presentationml/2006/main">
-  <p:cSld>
-    <p:spTree>
-      <p:nvGrpSpPr>
-        <p:cNvPr id="1" name=""/>
-        <p:cNvGrpSpPr/>
-        <p:nvPr/>
-      </p:nvGrpSpPr>
-      <p:grpSpPr>
-        <a:xfrm>
-          <a:off x="0" y="0"/>
-          <a:ext cx="0" cy="0"/>
-          <a:chOff x="0" y="0"/>
-          <a:chExt cx="0" cy="0"/>
-        </a:xfrm>
-      </p:grpSpPr>
-      <p:sp>
-        <p:nvSpPr>
-          <p:cNvPr id="2" name="Title 1">
-            <a:extLst>
-              <a:ext uri="{FF2B5EF4-FFF2-40B4-BE49-F238E27FC236}">
-                <a16:creationId xmlns:a16="http://schemas.microsoft.com/office/drawing/2014/main" id="{20D5AAD0-DD35-E577-1BD2-9EC04F50EC80}"/>
-              </a:ext>
-            </a:extLst>
-          </p:cNvPr>
-          <p:cNvSpPr>
-            <a:spLocks noGrp="1"/>
-          </p:cNvSpPr>
-          <p:nvPr>
-            <p:ph type="title"/>
-          </p:nvPr>
-        </p:nvSpPr>
-        <p:spPr/>
-        <p:txBody>
-          <a:bodyPr/>
-          <a:lstStyle/>
-          <a:p>
-            <a:r>
-              <a:rPr lang="en-US" dirty="0"/>
-              <a:t>Section: Data Analysis</a:t>
-            </a:r>
-          </a:p>
-        </p:txBody>
-      </p:sp>
-      <p:sp>
-        <p:nvSpPr>
-          <p:cNvPr id="3" name="Content Placeholder 2">
-            <a:extLst>
-              <a:ext uri="{FF2B5EF4-FFF2-40B4-BE49-F238E27FC236}">
-                <a16:creationId xmlns:a16="http://schemas.microsoft.com/office/drawing/2014/main" id="{2B27F6F7-9084-BDD8-1AB5-6646160DA4DF}"/>
-              </a:ext>
-            </a:extLst>
-          </p:cNvPr>
-          <p:cNvSpPr>
-            <a:spLocks noGrp="1"/>
-          </p:cNvSpPr>
-          <p:nvPr>
-            <p:ph idx="1"/>
-          </p:nvPr>
-        </p:nvSpPr>
-        <p:spPr/>
-        <p:txBody>
-          <a:bodyPr/>
-          <a:lstStyle/>
-          <a:p>
-            <a:pPr marL="1944" indent="0">
-              <a:buNone/>
-            </a:pPr>
-            <a:r>
-              <a:rPr lang="en-US" b="1" dirty="0"/>
-              <a:t>How did my prior teaching experience inform book design?</a:t>
-            </a:r>
-          </a:p>
-        </p:txBody>
-      </p:sp>
-    </p:spTree>
-    <p:extLst>
-      <p:ext uri="{BB962C8B-B14F-4D97-AF65-F5344CB8AC3E}">
-        <p14:creationId xmlns:p14="http://schemas.microsoft.com/office/powerpoint/2010/main" val="2445232522"/>
-      </p:ext>
-    </p:extLst>
-  </p:cSld>
-  <p:clrMapOvr>
-    <a:masterClrMapping/>
-  </p:clrMapOvr>
-</p:sld>
-</file>
-
-<file path=ppt/slides/slide27.xml><?xml version="1.0" encoding="utf-8"?>
-<p:sld xmlns:a="http://schemas.openxmlformats.org/drawingml/2006/main" xmlns:r="http://schemas.openxmlformats.org/officeDocument/2006/relationships" xmlns:p="http://schemas.openxmlformats.org/presentationml/2006/main">
-  <p:cSld>
-    <p:spTree>
-      <p:nvGrpSpPr>
-        <p:cNvPr id="1" name=""/>
-        <p:cNvGrpSpPr/>
-        <p:nvPr/>
-      </p:nvGrpSpPr>
-      <p:grpSpPr>
-        <a:xfrm>
-          <a:off x="0" y="0"/>
-          <a:ext cx="0" cy="0"/>
-          <a:chOff x="0" y="0"/>
-          <a:chExt cx="0" cy="0"/>
-        </a:xfrm>
-      </p:grpSpPr>
-      <p:sp>
-        <p:nvSpPr>
-          <p:cNvPr id="2" name="Title 1">
-            <a:extLst>
-              <a:ext uri="{FF2B5EF4-FFF2-40B4-BE49-F238E27FC236}">
-                <a16:creationId xmlns:a16="http://schemas.microsoft.com/office/drawing/2014/main" id="{713864F7-3532-B716-EB75-229360C1506B}"/>
-              </a:ext>
-            </a:extLst>
-          </p:cNvPr>
-          <p:cNvSpPr>
-            <a:spLocks noGrp="1"/>
-          </p:cNvSpPr>
-          <p:nvPr>
-            <p:ph type="title"/>
-          </p:nvPr>
-        </p:nvSpPr>
-        <p:spPr/>
-        <p:txBody>
-          <a:bodyPr/>
-          <a:lstStyle/>
-          <a:p>
-            <a:r>
-              <a:rPr lang="en-US" dirty="0"/>
-              <a:t>Corpus</a:t>
-            </a:r>
-          </a:p>
-        </p:txBody>
-      </p:sp>
-      <p:sp>
-        <p:nvSpPr>
-          <p:cNvPr id="3" name="Content Placeholder 2">
-            <a:extLst>
-              <a:ext uri="{FF2B5EF4-FFF2-40B4-BE49-F238E27FC236}">
-                <a16:creationId xmlns:a16="http://schemas.microsoft.com/office/drawing/2014/main" id="{4BC10FE7-CFC8-C31E-6FDC-03B181C6BA4A}"/>
-              </a:ext>
-            </a:extLst>
-          </p:cNvPr>
-          <p:cNvSpPr>
-            <a:spLocks noGrp="1"/>
-          </p:cNvSpPr>
-          <p:nvPr>
-            <p:ph idx="1"/>
-          </p:nvPr>
-        </p:nvSpPr>
-        <p:spPr/>
-        <p:txBody>
-          <a:bodyPr/>
-          <a:lstStyle/>
-          <a:p>
-            <a:pPr marL="1944" indent="0">
-              <a:buNone/>
-            </a:pPr>
-            <a:r>
-              <a:rPr lang="en-US" dirty="0"/>
-              <a:t> Course A: Programming Language Design (CS 4536), A-term 2021: </a:t>
-            </a:r>
-            <a:br>
-              <a:rPr lang="en-US" dirty="0"/>
-            </a:br>
-            <a:r>
-              <a:rPr lang="en-US" dirty="0"/>
-              <a:t>14 respondents of 31 students (45%). </a:t>
-            </a:r>
-          </a:p>
-          <a:p>
-            <a:pPr marL="1944" indent="0">
-              <a:buNone/>
-            </a:pPr>
-            <a:r>
-              <a:rPr lang="en-US" dirty="0"/>
-              <a:t>Course B: Introduction to Program Design (CS 1101), A-term 2022: </a:t>
-            </a:r>
-            <a:br>
-              <a:rPr lang="en-US" dirty="0"/>
-            </a:br>
-            <a:r>
-              <a:rPr lang="en-US" dirty="0"/>
-              <a:t>46 respondents of 70 students (66%) </a:t>
-            </a:r>
-            <a:r>
-              <a:rPr lang="en-US" b="1" dirty="0"/>
-              <a:t>(Intro programming, not PL elective)</a:t>
-            </a:r>
-            <a:endParaRPr lang="en-US" dirty="0"/>
-          </a:p>
-          <a:p>
-            <a:pPr marL="1944" indent="0">
-              <a:buNone/>
-            </a:pPr>
-            <a:r>
-              <a:rPr lang="en-US" dirty="0"/>
-              <a:t> Course C: Programming Language Design (CS 536), Spring semester 2023: </a:t>
-            </a:r>
-            <a:br>
-              <a:rPr lang="en-US" dirty="0"/>
-            </a:br>
-            <a:r>
-              <a:rPr lang="en-US" dirty="0"/>
-              <a:t>14 respondents of 16 students (88%). (</a:t>
-            </a:r>
-            <a:r>
-              <a:rPr lang="en-US" b="1" dirty="0"/>
-              <a:t>Uses notes that informed the book)</a:t>
-            </a:r>
-          </a:p>
-          <a:p>
-            <a:pPr marL="1944" indent="0">
-              <a:buNone/>
-            </a:pPr>
-            <a:r>
-              <a:rPr lang="en-US" b="1" dirty="0"/>
-              <a:t>Not analyzed: </a:t>
-            </a:r>
-            <a:r>
-              <a:rPr lang="en-US" dirty="0"/>
-              <a:t>CS 4536 and CS 536 from this semester (</a:t>
-            </a:r>
-            <a:r>
-              <a:rPr lang="en-US" b="1" dirty="0"/>
-              <a:t>uses the full book</a:t>
-            </a:r>
-            <a:r>
-              <a:rPr lang="en-US" dirty="0"/>
-              <a:t>)</a:t>
-            </a:r>
-          </a:p>
-        </p:txBody>
-      </p:sp>
-    </p:spTree>
-    <p:extLst>
-      <p:ext uri="{BB962C8B-B14F-4D97-AF65-F5344CB8AC3E}">
-        <p14:creationId xmlns:p14="http://schemas.microsoft.com/office/powerpoint/2010/main" val="2561559079"/>
-      </p:ext>
-    </p:extLst>
-  </p:cSld>
-  <p:clrMapOvr>
-    <a:masterClrMapping/>
-  </p:clrMapOvr>
-</p:sld>
-</file>
-
-<file path=ppt/slides/slide28.xml><?xml version="1.0" encoding="utf-8"?>
-<p:sld xmlns:a="http://schemas.openxmlformats.org/drawingml/2006/main" xmlns:r="http://schemas.openxmlformats.org/officeDocument/2006/relationships" xmlns:p="http://schemas.openxmlformats.org/presentationml/2006/main">
-  <p:cSld>
-    <p:spTree>
-      <p:nvGrpSpPr>
-        <p:cNvPr id="1" name=""/>
-        <p:cNvGrpSpPr/>
-        <p:nvPr/>
-      </p:nvGrpSpPr>
-      <p:grpSpPr>
-        <a:xfrm>
-          <a:off x="0" y="0"/>
-          <a:ext cx="0" cy="0"/>
-          <a:chOff x="0" y="0"/>
-          <a:chExt cx="0" cy="0"/>
-        </a:xfrm>
-      </p:grpSpPr>
-      <p:sp>
-        <p:nvSpPr>
-          <p:cNvPr id="2" name="Title 1">
-            <a:extLst>
-              <a:ext uri="{FF2B5EF4-FFF2-40B4-BE49-F238E27FC236}">
-                <a16:creationId xmlns:a16="http://schemas.microsoft.com/office/drawing/2014/main" id="{54F1CE25-896D-5655-1646-1CAB313B9314}"/>
-              </a:ext>
-            </a:extLst>
-          </p:cNvPr>
-          <p:cNvSpPr>
-            <a:spLocks noGrp="1"/>
-          </p:cNvSpPr>
-          <p:nvPr>
-            <p:ph type="title"/>
-          </p:nvPr>
-        </p:nvSpPr>
-        <p:spPr/>
-        <p:txBody>
-          <a:bodyPr/>
-          <a:lstStyle/>
-          <a:p>
-            <a:r>
-              <a:rPr lang="en-US" dirty="0"/>
-              <a:t>Methodology</a:t>
-            </a:r>
-          </a:p>
-        </p:txBody>
-      </p:sp>
-      <p:sp>
-        <p:nvSpPr>
-          <p:cNvPr id="3" name="Content Placeholder 2">
-            <a:extLst>
-              <a:ext uri="{FF2B5EF4-FFF2-40B4-BE49-F238E27FC236}">
-                <a16:creationId xmlns:a16="http://schemas.microsoft.com/office/drawing/2014/main" id="{6E264B8B-C8BE-F74F-BDD8-83F4381FEE01}"/>
-              </a:ext>
-            </a:extLst>
-          </p:cNvPr>
-          <p:cNvSpPr>
-            <a:spLocks noGrp="1"/>
-          </p:cNvSpPr>
-          <p:nvPr>
-            <p:ph idx="1"/>
-          </p:nvPr>
-        </p:nvSpPr>
-        <p:spPr>
-          <a:xfrm>
-            <a:off x="448056" y="1735200"/>
-            <a:ext cx="11293200" cy="1489263"/>
-          </a:xfrm>
-        </p:spPr>
-        <p:txBody>
-          <a:bodyPr/>
-          <a:lstStyle/>
-          <a:p>
-            <a:r>
-              <a:rPr lang="en-US" dirty="0"/>
-              <a:t>Thematic analysis of course evaluations for Course A and Course C </a:t>
-            </a:r>
-            <a:br>
-              <a:rPr lang="en-US" dirty="0"/>
-            </a:br>
-            <a:r>
-              <a:rPr lang="en-US" dirty="0"/>
-              <a:t>(i.e., qualitative coding of written responses; identify themes among codes)</a:t>
-            </a:r>
-          </a:p>
-          <a:p>
-            <a:r>
-              <a:rPr lang="en-US" dirty="0"/>
-              <a:t>Limited qualitative coding for Course B</a:t>
-            </a:r>
-          </a:p>
-          <a:p>
-            <a:pPr marL="1944" indent="0">
-              <a:buNone/>
-            </a:pPr>
-            <a:endParaRPr lang="en-US" dirty="0"/>
-          </a:p>
-        </p:txBody>
-      </p:sp>
-      <p:sp>
-        <p:nvSpPr>
-          <p:cNvPr id="4" name="Content Placeholder 2">
-            <a:extLst>
-              <a:ext uri="{FF2B5EF4-FFF2-40B4-BE49-F238E27FC236}">
-                <a16:creationId xmlns:a16="http://schemas.microsoft.com/office/drawing/2014/main" id="{62ED0320-AF6E-F572-180F-3B58C17653CA}"/>
-              </a:ext>
-            </a:extLst>
-          </p:cNvPr>
-          <p:cNvSpPr txBox="1">
-            <a:spLocks/>
-          </p:cNvSpPr>
-          <p:nvPr/>
-        </p:nvSpPr>
-        <p:spPr>
-          <a:xfrm>
-            <a:off x="163629" y="3224464"/>
-            <a:ext cx="11752447" cy="3137836"/>
+            <a:off x="441959" y="1134177"/>
+            <a:ext cx="11301984" cy="1141200"/>
           </a:xfrm>
           <a:prstGeom prst="rect">
             <a:avLst/>
@@ -9173,6 +5638,2677 @@
           </a:lstStyle>
           <a:p>
             <a:pPr marL="1944" indent="0">
+              <a:buNone/>
+            </a:pPr>
+            <a:r>
+              <a:rPr lang="en-US" b="1" dirty="0"/>
+              <a:t>Core Assessment Strategy (for CS course): Two spokes</a:t>
+            </a:r>
+            <a:endParaRPr lang="en-US" dirty="0"/>
+          </a:p>
+        </p:txBody>
+      </p:sp>
+      <p:sp>
+        <p:nvSpPr>
+          <p:cNvPr id="4" name="TextBox 3">
+            <a:extLst>
+              <a:ext uri="{FF2B5EF4-FFF2-40B4-BE49-F238E27FC236}">
+                <a16:creationId xmlns:a16="http://schemas.microsoft.com/office/drawing/2014/main" id="{9380D474-440A-DEF1-34A3-83BBF9D38DE0}"/>
+              </a:ext>
+            </a:extLst>
+          </p:cNvPr>
+          <p:cNvSpPr txBox="1"/>
+          <p:nvPr/>
+        </p:nvSpPr>
+        <p:spPr>
+          <a:xfrm>
+            <a:off x="202130" y="5806448"/>
+            <a:ext cx="11733195" cy="1077218"/>
+          </a:xfrm>
+          <a:prstGeom prst="rect">
+            <a:avLst/>
+          </a:prstGeom>
+          <a:noFill/>
+        </p:spPr>
+        <p:txBody>
+          <a:bodyPr wrap="square" rtlCol="0">
+            <a:spAutoFit/>
+          </a:bodyPr>
+          <a:lstStyle/>
+          <a:p>
+            <a:r>
+              <a:rPr lang="en-US" sz="3200" dirty="0"/>
+              <a:t>BUILT TO SCALE! Automatic except instructor feedback</a:t>
+            </a:r>
+            <a:br>
+              <a:rPr lang="en-US" sz="3200" dirty="0"/>
+            </a:br>
+            <a:r>
+              <a:rPr lang="en-US" sz="3200" dirty="0"/>
+              <a:t>(peer feedback helps with scale)</a:t>
+            </a:r>
+          </a:p>
+        </p:txBody>
+      </p:sp>
+    </p:spTree>
+    <p:extLst>
+      <p:ext uri="{BB962C8B-B14F-4D97-AF65-F5344CB8AC3E}">
+        <p14:creationId xmlns:p14="http://schemas.microsoft.com/office/powerpoint/2010/main" val="2748406560"/>
+      </p:ext>
+    </p:extLst>
+  </p:cSld>
+  <p:clrMapOvr>
+    <a:masterClrMapping/>
+  </p:clrMapOvr>
+</p:sld>
+</file>
+
+<file path=ppt/slides/slide13.xml><?xml version="1.0" encoding="utf-8"?>
+<p:sld xmlns:a="http://schemas.openxmlformats.org/drawingml/2006/main" xmlns:r="http://schemas.openxmlformats.org/officeDocument/2006/relationships" xmlns:p="http://schemas.openxmlformats.org/presentationml/2006/main">
+  <p:cSld>
+    <p:spTree>
+      <p:nvGrpSpPr>
+        <p:cNvPr id="1" name=""/>
+        <p:cNvGrpSpPr/>
+        <p:nvPr/>
+      </p:nvGrpSpPr>
+      <p:grpSpPr>
+        <a:xfrm>
+          <a:off x="0" y="0"/>
+          <a:ext cx="0" cy="0"/>
+          <a:chOff x="0" y="0"/>
+          <a:chExt cx="0" cy="0"/>
+        </a:xfrm>
+      </p:grpSpPr>
+      <p:sp>
+        <p:nvSpPr>
+          <p:cNvPr id="2" name="Title 1">
+            <a:extLst>
+              <a:ext uri="{FF2B5EF4-FFF2-40B4-BE49-F238E27FC236}">
+                <a16:creationId xmlns:a16="http://schemas.microsoft.com/office/drawing/2014/main" id="{A255666C-EB9D-3933-7FBC-D005B4D6E384}"/>
+              </a:ext>
+            </a:extLst>
+          </p:cNvPr>
+          <p:cNvSpPr>
+            <a:spLocks noGrp="1"/>
+          </p:cNvSpPr>
+          <p:nvPr>
+            <p:ph type="title"/>
+          </p:nvPr>
+        </p:nvSpPr>
+        <p:spPr/>
+        <p:txBody>
+          <a:bodyPr/>
+          <a:lstStyle/>
+          <a:p>
+            <a:r>
+              <a:rPr lang="en-US" dirty="0"/>
+              <a:t>Language Choice</a:t>
+            </a:r>
+          </a:p>
+        </p:txBody>
+      </p:sp>
+      <p:sp>
+        <p:nvSpPr>
+          <p:cNvPr id="3" name="Content Placeholder 2">
+            <a:extLst>
+              <a:ext uri="{FF2B5EF4-FFF2-40B4-BE49-F238E27FC236}">
+                <a16:creationId xmlns:a16="http://schemas.microsoft.com/office/drawing/2014/main" id="{5E3AFFAB-FB94-A71A-2D7B-BCA0BB52C3ED}"/>
+              </a:ext>
+            </a:extLst>
+          </p:cNvPr>
+          <p:cNvSpPr>
+            <a:spLocks noGrp="1"/>
+          </p:cNvSpPr>
+          <p:nvPr>
+            <p:ph idx="1"/>
+          </p:nvPr>
+        </p:nvSpPr>
+        <p:spPr>
+          <a:xfrm>
+            <a:off x="448056" y="1735200"/>
+            <a:ext cx="11293200" cy="4636724"/>
+          </a:xfrm>
+        </p:spPr>
+        <p:txBody>
+          <a:bodyPr>
+            <a:normAutofit/>
+          </a:bodyPr>
+          <a:lstStyle/>
+          <a:p>
+            <a:r>
+              <a:rPr lang="en-US" dirty="0"/>
+              <a:t>Book moves language-specific content to the margins; course cannot</a:t>
+            </a:r>
+          </a:p>
+          <a:p>
+            <a:r>
+              <a:rPr lang="en-US" dirty="0"/>
+              <a:t>Choice informed by learning goals, stated student opinions, student background</a:t>
+            </a:r>
+          </a:p>
+          <a:p>
+            <a:r>
+              <a:rPr lang="en-US" b="1" dirty="0"/>
+              <a:t>Learning Goals:</a:t>
+            </a:r>
+            <a:r>
+              <a:rPr lang="en-US" dirty="0"/>
+              <a:t> Implement evaluator + type-checker by recursion over AST; </a:t>
+            </a:r>
+            <a:br>
+              <a:rPr lang="en-US" dirty="0"/>
+            </a:br>
+            <a:r>
+              <a:rPr lang="en-US" dirty="0"/>
+              <a:t>implement parser for toy language; assess benefits and barriers of static typing</a:t>
+            </a:r>
+            <a:br>
+              <a:rPr lang="en-US" dirty="0"/>
+            </a:br>
+            <a:r>
+              <a:rPr lang="en-US" b="1" dirty="0"/>
+              <a:t>Implied needs:</a:t>
+            </a:r>
+            <a:r>
+              <a:rPr lang="en-US" dirty="0"/>
+              <a:t> Static types, ADTs, recursion</a:t>
+            </a:r>
+          </a:p>
+          <a:p>
+            <a:r>
+              <a:rPr lang="en-US" b="1" dirty="0"/>
+              <a:t>Stated Student Opinions:</a:t>
+            </a:r>
+            <a:r>
+              <a:rPr lang="en-US" dirty="0"/>
+              <a:t> Career-oriented. </a:t>
+            </a:r>
+            <a:r>
+              <a:rPr lang="en-US" b="1" dirty="0"/>
+              <a:t>Needs industry growth (potential)</a:t>
+            </a:r>
+          </a:p>
+          <a:p>
+            <a:r>
+              <a:rPr lang="en-US" b="1" dirty="0"/>
+              <a:t>Student Background: </a:t>
+            </a:r>
+            <a:r>
+              <a:rPr lang="en-US" dirty="0"/>
+              <a:t>Exposure to systems and object-oriented programming. Limited exposure to functional programming or Hindley-Milner-style type systems</a:t>
+            </a:r>
+          </a:p>
+        </p:txBody>
+      </p:sp>
+    </p:spTree>
+    <p:extLst>
+      <p:ext uri="{BB962C8B-B14F-4D97-AF65-F5344CB8AC3E}">
+        <p14:creationId xmlns:p14="http://schemas.microsoft.com/office/powerpoint/2010/main" val="4210129056"/>
+      </p:ext>
+    </p:extLst>
+  </p:cSld>
+  <p:clrMapOvr>
+    <a:masterClrMapping/>
+  </p:clrMapOvr>
+</p:sld>
+</file>
+
+<file path=ppt/slides/slide14.xml><?xml version="1.0" encoding="utf-8"?>
+<p:sld xmlns:a="http://schemas.openxmlformats.org/drawingml/2006/main" xmlns:r="http://schemas.openxmlformats.org/officeDocument/2006/relationships" xmlns:p="http://schemas.openxmlformats.org/presentationml/2006/main">
+  <p:cSld>
+    <p:spTree>
+      <p:nvGrpSpPr>
+        <p:cNvPr id="1" name=""/>
+        <p:cNvGrpSpPr/>
+        <p:nvPr/>
+      </p:nvGrpSpPr>
+      <p:grpSpPr>
+        <a:xfrm>
+          <a:off x="0" y="0"/>
+          <a:ext cx="0" cy="0"/>
+          <a:chOff x="0" y="0"/>
+          <a:chExt cx="0" cy="0"/>
+        </a:xfrm>
+      </p:grpSpPr>
+      <p:sp>
+        <p:nvSpPr>
+          <p:cNvPr id="2" name="Title 1">
+            <a:extLst>
+              <a:ext uri="{FF2B5EF4-FFF2-40B4-BE49-F238E27FC236}">
+                <a16:creationId xmlns:a16="http://schemas.microsoft.com/office/drawing/2014/main" id="{A255666C-EB9D-3933-7FBC-D005B4D6E384}"/>
+              </a:ext>
+            </a:extLst>
+          </p:cNvPr>
+          <p:cNvSpPr>
+            <a:spLocks noGrp="1"/>
+          </p:cNvSpPr>
+          <p:nvPr>
+            <p:ph type="title"/>
+          </p:nvPr>
+        </p:nvSpPr>
+        <p:spPr/>
+        <p:txBody>
+          <a:bodyPr/>
+          <a:lstStyle/>
+          <a:p>
+            <a:r>
+              <a:rPr lang="en-US" dirty="0"/>
+              <a:t>Language Choice</a:t>
+            </a:r>
+          </a:p>
+        </p:txBody>
+      </p:sp>
+      <p:sp>
+        <p:nvSpPr>
+          <p:cNvPr id="3" name="Content Placeholder 2">
+            <a:extLst>
+              <a:ext uri="{FF2B5EF4-FFF2-40B4-BE49-F238E27FC236}">
+                <a16:creationId xmlns:a16="http://schemas.microsoft.com/office/drawing/2014/main" id="{5E3AFFAB-FB94-A71A-2D7B-BCA0BB52C3ED}"/>
+              </a:ext>
+            </a:extLst>
+          </p:cNvPr>
+          <p:cNvSpPr>
+            <a:spLocks noGrp="1"/>
+          </p:cNvSpPr>
+          <p:nvPr>
+            <p:ph idx="1"/>
+          </p:nvPr>
+        </p:nvSpPr>
+        <p:spPr>
+          <a:xfrm>
+            <a:off x="448056" y="1735200"/>
+            <a:ext cx="11293200" cy="4636724"/>
+          </a:xfrm>
+        </p:spPr>
+        <p:txBody>
+          <a:bodyPr>
+            <a:normAutofit/>
+          </a:bodyPr>
+          <a:lstStyle/>
+          <a:p>
+            <a:r>
+              <a:rPr lang="en-US" dirty="0"/>
+              <a:t>Book moves language-specific content to the margins; course cannot</a:t>
+            </a:r>
+          </a:p>
+          <a:p>
+            <a:r>
+              <a:rPr lang="en-US" dirty="0"/>
+              <a:t>Choice informed by learning goals, stated student opinions, student background</a:t>
+            </a:r>
+          </a:p>
+          <a:p>
+            <a:r>
+              <a:rPr lang="en-US" b="1" dirty="0"/>
+              <a:t>Learning Goals:</a:t>
+            </a:r>
+            <a:r>
+              <a:rPr lang="en-US" dirty="0"/>
+              <a:t> Implement evaluator + type-checker by recursion over AST; </a:t>
+            </a:r>
+            <a:br>
+              <a:rPr lang="en-US" dirty="0"/>
+            </a:br>
+            <a:r>
+              <a:rPr lang="en-US" dirty="0"/>
+              <a:t>implement parser for toy language; assess benefits and barriers of static typing</a:t>
+            </a:r>
+            <a:br>
+              <a:rPr lang="en-US" dirty="0"/>
+            </a:br>
+            <a:r>
+              <a:rPr lang="en-US" b="1" dirty="0"/>
+              <a:t>Implied needs:</a:t>
+            </a:r>
+            <a:r>
+              <a:rPr lang="en-US" dirty="0"/>
+              <a:t> Static types, ADTs, recursion</a:t>
+            </a:r>
+          </a:p>
+          <a:p>
+            <a:r>
+              <a:rPr lang="en-US" b="1" dirty="0"/>
+              <a:t>Stated Student Opinions:</a:t>
+            </a:r>
+            <a:r>
+              <a:rPr lang="en-US" dirty="0"/>
+              <a:t> Career-oriented. </a:t>
+            </a:r>
+            <a:r>
+              <a:rPr lang="en-US" b="1" dirty="0"/>
+              <a:t>Needs industry growth (potential)</a:t>
+            </a:r>
+          </a:p>
+          <a:p>
+            <a:r>
+              <a:rPr lang="en-US" b="1" dirty="0"/>
+              <a:t>Student Background: </a:t>
+            </a:r>
+            <a:r>
+              <a:rPr lang="en-US" dirty="0"/>
+              <a:t>Exposure to systems and object-oriented programming. Limited exposure to functional programming or Hindley-Milner-style type systems</a:t>
+            </a:r>
+          </a:p>
+          <a:p>
+            <a:pPr marL="1944" indent="0">
+              <a:buNone/>
+            </a:pPr>
+            <a:r>
+              <a:rPr lang="en-US" sz="3200" dirty="0"/>
+              <a:t>Based this combination of needs, we chose </a:t>
+            </a:r>
+            <a:r>
+              <a:rPr lang="en-US" sz="3200" b="1" dirty="0"/>
+              <a:t>Rust</a:t>
+            </a:r>
+          </a:p>
+        </p:txBody>
+      </p:sp>
+    </p:spTree>
+    <p:extLst>
+      <p:ext uri="{BB962C8B-B14F-4D97-AF65-F5344CB8AC3E}">
+        <p14:creationId xmlns:p14="http://schemas.microsoft.com/office/powerpoint/2010/main" val="552499306"/>
+      </p:ext>
+    </p:extLst>
+  </p:cSld>
+  <p:clrMapOvr>
+    <a:masterClrMapping/>
+  </p:clrMapOvr>
+</p:sld>
+</file>
+
+<file path=ppt/slides/slide15.xml><?xml version="1.0" encoding="utf-8"?>
+<p:sld xmlns:a="http://schemas.openxmlformats.org/drawingml/2006/main" xmlns:r="http://schemas.openxmlformats.org/officeDocument/2006/relationships" xmlns:p="http://schemas.openxmlformats.org/presentationml/2006/main">
+  <p:cSld>
+    <p:spTree>
+      <p:nvGrpSpPr>
+        <p:cNvPr id="1" name=""/>
+        <p:cNvGrpSpPr/>
+        <p:nvPr/>
+      </p:nvGrpSpPr>
+      <p:grpSpPr>
+        <a:xfrm>
+          <a:off x="0" y="0"/>
+          <a:ext cx="0" cy="0"/>
+          <a:chOff x="0" y="0"/>
+          <a:chExt cx="0" cy="0"/>
+        </a:xfrm>
+      </p:grpSpPr>
+      <p:sp>
+        <p:nvSpPr>
+          <p:cNvPr id="2" name="Title 1">
+            <a:extLst>
+              <a:ext uri="{FF2B5EF4-FFF2-40B4-BE49-F238E27FC236}">
+                <a16:creationId xmlns:a16="http://schemas.microsoft.com/office/drawing/2014/main" id="{71CB8742-94CC-9317-3C5A-C26C9B3E703F}"/>
+              </a:ext>
+            </a:extLst>
+          </p:cNvPr>
+          <p:cNvSpPr>
+            <a:spLocks noGrp="1"/>
+          </p:cNvSpPr>
+          <p:nvPr>
+            <p:ph type="title"/>
+          </p:nvPr>
+        </p:nvSpPr>
+        <p:spPr/>
+        <p:txBody>
+          <a:bodyPr/>
+          <a:lstStyle/>
+          <a:p>
+            <a:r>
+              <a:rPr lang="en-US" dirty="0"/>
+              <a:t>Story 1: Student Letter</a:t>
+            </a:r>
+          </a:p>
+        </p:txBody>
+      </p:sp>
+      <p:sp>
+        <p:nvSpPr>
+          <p:cNvPr id="3" name="Content Placeholder 2">
+            <a:extLst>
+              <a:ext uri="{FF2B5EF4-FFF2-40B4-BE49-F238E27FC236}">
+                <a16:creationId xmlns:a16="http://schemas.microsoft.com/office/drawing/2014/main" id="{5640B863-7718-DC7E-019B-AFABC648AFB7}"/>
+              </a:ext>
+            </a:extLst>
+          </p:cNvPr>
+          <p:cNvSpPr>
+            <a:spLocks noGrp="1"/>
+          </p:cNvSpPr>
+          <p:nvPr>
+            <p:ph idx="1"/>
+          </p:nvPr>
+        </p:nvSpPr>
+        <p:spPr/>
+        <p:txBody>
+          <a:bodyPr/>
+          <a:lstStyle/>
+          <a:p>
+            <a:r>
+              <a:rPr lang="en-US" dirty="0"/>
+              <a:t>Let’s share stories from the classroom (with student permission). Thank-you letter from a Spring 2023 student in graduate course (then project-based):</a:t>
+            </a:r>
+          </a:p>
+          <a:p>
+            <a:r>
+              <a:rPr lang="en-US" dirty="0"/>
+              <a:t>“Coming into this class I didn’t have any prior interest or experience in theory behind languages but this definitely stoked my desire to work with it.”</a:t>
+            </a:r>
+          </a:p>
+          <a:p>
+            <a:r>
+              <a:rPr lang="en-US" dirty="0"/>
+              <a:t>“I really enjoyed the freedom to design whatever we wanted.  … it has been amazing overall and taught me so much, especially because it was a tough term personally. What a great experience that I wanted to spend all of my time on”</a:t>
+            </a:r>
+          </a:p>
+          <a:p>
+            <a:endParaRPr lang="en-US" dirty="0"/>
+          </a:p>
+          <a:p>
+            <a:endParaRPr lang="en-US" dirty="0"/>
+          </a:p>
+          <a:p>
+            <a:endParaRPr lang="en-US" dirty="0"/>
+          </a:p>
+        </p:txBody>
+      </p:sp>
+    </p:spTree>
+    <p:extLst>
+      <p:ext uri="{BB962C8B-B14F-4D97-AF65-F5344CB8AC3E}">
+        <p14:creationId xmlns:p14="http://schemas.microsoft.com/office/powerpoint/2010/main" val="1912420681"/>
+      </p:ext>
+    </p:extLst>
+  </p:cSld>
+  <p:clrMapOvr>
+    <a:masterClrMapping/>
+  </p:clrMapOvr>
+</p:sld>
+</file>
+
+<file path=ppt/slides/slide16.xml><?xml version="1.0" encoding="utf-8"?>
+<p:sld xmlns:a="http://schemas.openxmlformats.org/drawingml/2006/main" xmlns:r="http://schemas.openxmlformats.org/officeDocument/2006/relationships" xmlns:p="http://schemas.openxmlformats.org/presentationml/2006/main">
+  <p:cSld>
+    <p:spTree>
+      <p:nvGrpSpPr>
+        <p:cNvPr id="1" name=""/>
+        <p:cNvGrpSpPr/>
+        <p:nvPr/>
+      </p:nvGrpSpPr>
+      <p:grpSpPr>
+        <a:xfrm>
+          <a:off x="0" y="0"/>
+          <a:ext cx="0" cy="0"/>
+          <a:chOff x="0" y="0"/>
+          <a:chExt cx="0" cy="0"/>
+        </a:xfrm>
+      </p:grpSpPr>
+      <p:sp>
+        <p:nvSpPr>
+          <p:cNvPr id="2" name="Title 1">
+            <a:extLst>
+              <a:ext uri="{FF2B5EF4-FFF2-40B4-BE49-F238E27FC236}">
+                <a16:creationId xmlns:a16="http://schemas.microsoft.com/office/drawing/2014/main" id="{6A530867-3A2A-619B-991B-D3464B5D2A62}"/>
+              </a:ext>
+            </a:extLst>
+          </p:cNvPr>
+          <p:cNvSpPr>
+            <a:spLocks noGrp="1"/>
+          </p:cNvSpPr>
+          <p:nvPr>
+            <p:ph type="title"/>
+          </p:nvPr>
+        </p:nvSpPr>
+        <p:spPr/>
+        <p:txBody>
+          <a:bodyPr/>
+          <a:lstStyle/>
+          <a:p>
+            <a:r>
+              <a:rPr lang="en-US" dirty="0"/>
+              <a:t>Story 2: Posture Study</a:t>
+            </a:r>
+          </a:p>
+        </p:txBody>
+      </p:sp>
+      <p:sp>
+        <p:nvSpPr>
+          <p:cNvPr id="3" name="Content Placeholder 2">
+            <a:extLst>
+              <a:ext uri="{FF2B5EF4-FFF2-40B4-BE49-F238E27FC236}">
+                <a16:creationId xmlns:a16="http://schemas.microsoft.com/office/drawing/2014/main" id="{F426760A-F6A7-ADC3-0F34-902DCF406377}"/>
+              </a:ext>
+            </a:extLst>
+          </p:cNvPr>
+          <p:cNvSpPr>
+            <a:spLocks noGrp="1"/>
+          </p:cNvSpPr>
+          <p:nvPr>
+            <p:ph idx="1"/>
+          </p:nvPr>
+        </p:nvSpPr>
+        <p:spPr/>
+        <p:txBody>
+          <a:bodyPr/>
+          <a:lstStyle/>
+          <a:p>
+            <a:r>
+              <a:rPr lang="en-US" dirty="0"/>
+              <a:t>This story shows user study assignment served as a creative, exploratory opportunity while still supporting key learning objectives</a:t>
+            </a:r>
+          </a:p>
+          <a:p>
+            <a:r>
+              <a:rPr lang="en-US" dirty="0"/>
+              <a:t>One student wanted to know whether posture affects programming productivity. </a:t>
+            </a:r>
+            <a:br>
+              <a:rPr lang="en-US" dirty="0"/>
+            </a:br>
+            <a:r>
+              <a:rPr lang="en-US" dirty="0"/>
+              <a:t>To test this, they had half their classmates code sitting on the floor, half slouched at a table.</a:t>
+            </a:r>
+            <a:br>
+              <a:rPr lang="en-US" dirty="0"/>
+            </a:br>
+            <a:r>
+              <a:rPr lang="en-US" dirty="0"/>
+              <a:t>It was hard to avoid laughter or curious table neighbors, but this was </a:t>
+            </a:r>
+            <a:r>
+              <a:rPr lang="en-US" u="sng" dirty="0"/>
+              <a:t>good for the class</a:t>
+            </a:r>
+            <a:r>
+              <a:rPr lang="en-US" dirty="0"/>
+              <a:t>. This day was a much-needed opportunity to see each other’s interests and laugh together.</a:t>
+            </a:r>
+          </a:p>
+          <a:p>
+            <a:endParaRPr lang="en-US" dirty="0"/>
+          </a:p>
+        </p:txBody>
+      </p:sp>
+    </p:spTree>
+    <p:extLst>
+      <p:ext uri="{BB962C8B-B14F-4D97-AF65-F5344CB8AC3E}">
+        <p14:creationId xmlns:p14="http://schemas.microsoft.com/office/powerpoint/2010/main" val="3234789534"/>
+      </p:ext>
+    </p:extLst>
+  </p:cSld>
+  <p:clrMapOvr>
+    <a:masterClrMapping/>
+  </p:clrMapOvr>
+</p:sld>
+</file>
+
+<file path=ppt/slides/slide17.xml><?xml version="1.0" encoding="utf-8"?>
+<p:sld xmlns:a="http://schemas.openxmlformats.org/drawingml/2006/main" xmlns:r="http://schemas.openxmlformats.org/officeDocument/2006/relationships" xmlns:p="http://schemas.openxmlformats.org/presentationml/2006/main">
+  <p:cSld>
+    <p:spTree>
+      <p:nvGrpSpPr>
+        <p:cNvPr id="1" name=""/>
+        <p:cNvGrpSpPr/>
+        <p:nvPr/>
+      </p:nvGrpSpPr>
+      <p:grpSpPr>
+        <a:xfrm>
+          <a:off x="0" y="0"/>
+          <a:ext cx="0" cy="0"/>
+          <a:chOff x="0" y="0"/>
+          <a:chExt cx="0" cy="0"/>
+        </a:xfrm>
+      </p:grpSpPr>
+      <p:sp>
+        <p:nvSpPr>
+          <p:cNvPr id="2" name="Title 1">
+            <a:extLst>
+              <a:ext uri="{FF2B5EF4-FFF2-40B4-BE49-F238E27FC236}">
+                <a16:creationId xmlns:a16="http://schemas.microsoft.com/office/drawing/2014/main" id="{9C90FA70-96F7-F930-DB3B-A9B7690865A8}"/>
+              </a:ext>
+            </a:extLst>
+          </p:cNvPr>
+          <p:cNvSpPr>
+            <a:spLocks noGrp="1"/>
+          </p:cNvSpPr>
+          <p:nvPr>
+            <p:ph type="title"/>
+          </p:nvPr>
+        </p:nvSpPr>
+        <p:spPr/>
+        <p:txBody>
+          <a:bodyPr/>
+          <a:lstStyle/>
+          <a:p>
+            <a:r>
+              <a:rPr lang="en-US" dirty="0"/>
+              <a:t>Story 3: Twine + Rust</a:t>
+            </a:r>
+          </a:p>
+        </p:txBody>
+      </p:sp>
+      <p:sp>
+        <p:nvSpPr>
+          <p:cNvPr id="3" name="Content Placeholder 2">
+            <a:extLst>
+              <a:ext uri="{FF2B5EF4-FFF2-40B4-BE49-F238E27FC236}">
+                <a16:creationId xmlns:a16="http://schemas.microsoft.com/office/drawing/2014/main" id="{FBDC7C9B-3E52-C55B-8209-BCF1BDBD3335}"/>
+              </a:ext>
+            </a:extLst>
+          </p:cNvPr>
+          <p:cNvSpPr>
+            <a:spLocks noGrp="1"/>
+          </p:cNvSpPr>
+          <p:nvPr>
+            <p:ph idx="1"/>
+          </p:nvPr>
+        </p:nvSpPr>
+        <p:spPr/>
+        <p:txBody>
+          <a:bodyPr/>
+          <a:lstStyle/>
+          <a:p>
+            <a:r>
+              <a:rPr lang="en-US" dirty="0"/>
+              <a:t>In Fall A-Term 2023, the final homework includes an extra credit question: make an artwork in any media technology discussed in the book (Processing, Context Free Art, Twine).</a:t>
+            </a:r>
+          </a:p>
+          <a:p>
+            <a:r>
+              <a:rPr lang="en-US" dirty="0"/>
+              <a:t>19 students did this optional problem of 47 submissions</a:t>
+            </a:r>
+          </a:p>
+          <a:p>
+            <a:r>
+              <a:rPr lang="en-US" dirty="0"/>
+              <a:t>Student submissions included fractals, a cartoon guy, and text adventures, but one stands out:</a:t>
+            </a:r>
+          </a:p>
+          <a:p>
+            <a:r>
+              <a:rPr lang="en-US" dirty="0"/>
+              <a:t>Without prompting, one student wrote a Twine-style text adventure game entirely in Rust,</a:t>
+            </a:r>
+            <a:br>
+              <a:rPr lang="en-US" dirty="0"/>
+            </a:br>
+            <a:r>
+              <a:rPr lang="en-US" dirty="0"/>
+              <a:t>perfecting reinforcing the desired takeaway message:</a:t>
+            </a:r>
+            <a:br>
+              <a:rPr lang="en-US" dirty="0"/>
+            </a:br>
+            <a:endParaRPr lang="en-US" sz="4000" u="sng" dirty="0"/>
+          </a:p>
+        </p:txBody>
+      </p:sp>
+    </p:spTree>
+    <p:extLst>
+      <p:ext uri="{BB962C8B-B14F-4D97-AF65-F5344CB8AC3E}">
+        <p14:creationId xmlns:p14="http://schemas.microsoft.com/office/powerpoint/2010/main" val="1288694384"/>
+      </p:ext>
+    </p:extLst>
+  </p:cSld>
+  <p:clrMapOvr>
+    <a:masterClrMapping/>
+  </p:clrMapOvr>
+</p:sld>
+</file>
+
+<file path=ppt/slides/slide18.xml><?xml version="1.0" encoding="utf-8"?>
+<p:sld xmlns:a="http://schemas.openxmlformats.org/drawingml/2006/main" xmlns:r="http://schemas.openxmlformats.org/officeDocument/2006/relationships" xmlns:p="http://schemas.openxmlformats.org/presentationml/2006/main">
+  <p:cSld>
+    <p:spTree>
+      <p:nvGrpSpPr>
+        <p:cNvPr id="1" name=""/>
+        <p:cNvGrpSpPr/>
+        <p:nvPr/>
+      </p:nvGrpSpPr>
+      <p:grpSpPr>
+        <a:xfrm>
+          <a:off x="0" y="0"/>
+          <a:ext cx="0" cy="0"/>
+          <a:chOff x="0" y="0"/>
+          <a:chExt cx="0" cy="0"/>
+        </a:xfrm>
+      </p:grpSpPr>
+      <p:sp>
+        <p:nvSpPr>
+          <p:cNvPr id="2" name="Title 1">
+            <a:extLst>
+              <a:ext uri="{FF2B5EF4-FFF2-40B4-BE49-F238E27FC236}">
+                <a16:creationId xmlns:a16="http://schemas.microsoft.com/office/drawing/2014/main" id="{9C90FA70-96F7-F930-DB3B-A9B7690865A8}"/>
+              </a:ext>
+            </a:extLst>
+          </p:cNvPr>
+          <p:cNvSpPr>
+            <a:spLocks noGrp="1"/>
+          </p:cNvSpPr>
+          <p:nvPr>
+            <p:ph type="title"/>
+          </p:nvPr>
+        </p:nvSpPr>
+        <p:spPr/>
+        <p:txBody>
+          <a:bodyPr/>
+          <a:lstStyle/>
+          <a:p>
+            <a:r>
+              <a:rPr lang="en-US" dirty="0"/>
+              <a:t>Story 3: Twine + Rust</a:t>
+            </a:r>
+          </a:p>
+        </p:txBody>
+      </p:sp>
+      <p:sp>
+        <p:nvSpPr>
+          <p:cNvPr id="3" name="Content Placeholder 2">
+            <a:extLst>
+              <a:ext uri="{FF2B5EF4-FFF2-40B4-BE49-F238E27FC236}">
+                <a16:creationId xmlns:a16="http://schemas.microsoft.com/office/drawing/2014/main" id="{FBDC7C9B-3E52-C55B-8209-BCF1BDBD3335}"/>
+              </a:ext>
+            </a:extLst>
+          </p:cNvPr>
+          <p:cNvSpPr>
+            <a:spLocks noGrp="1"/>
+          </p:cNvSpPr>
+          <p:nvPr>
+            <p:ph idx="1"/>
+          </p:nvPr>
+        </p:nvSpPr>
+        <p:spPr/>
+        <p:txBody>
+          <a:bodyPr/>
+          <a:lstStyle/>
+          <a:p>
+            <a:r>
+              <a:rPr lang="en-US" dirty="0"/>
+              <a:t>In Fall A-Term 2023, the final homework includes an extra credit question: make an artwork in any media technology discussed in the book (Processing, Context Free Art, Twine).</a:t>
+            </a:r>
+          </a:p>
+          <a:p>
+            <a:r>
+              <a:rPr lang="en-US" dirty="0"/>
+              <a:t>19 students did this optional problem of 47 submissions</a:t>
+            </a:r>
+          </a:p>
+          <a:p>
+            <a:r>
+              <a:rPr lang="en-US" dirty="0"/>
+              <a:t>Student submissions included fractals, a cartoon guy, and text adventures, but one stands out:</a:t>
+            </a:r>
+          </a:p>
+          <a:p>
+            <a:r>
+              <a:rPr lang="en-US" dirty="0"/>
+              <a:t>Without prompting, one student wrote a Twine-style text adventure game entirely in Rust,</a:t>
+            </a:r>
+            <a:br>
+              <a:rPr lang="en-US" dirty="0"/>
+            </a:br>
+            <a:r>
+              <a:rPr lang="en-US" dirty="0"/>
+              <a:t>perfecting reinforcing the desired takeaway message:</a:t>
+            </a:r>
+            <a:br>
+              <a:rPr lang="en-US" dirty="0"/>
+            </a:br>
+            <a:r>
+              <a:rPr lang="en-US" sz="4000" u="sng" dirty="0"/>
+              <a:t>PL Nerds and Art Nerds Can Be Friends!! &lt;3</a:t>
+            </a:r>
+          </a:p>
+        </p:txBody>
+      </p:sp>
+    </p:spTree>
+    <p:extLst>
+      <p:ext uri="{BB962C8B-B14F-4D97-AF65-F5344CB8AC3E}">
+        <p14:creationId xmlns:p14="http://schemas.microsoft.com/office/powerpoint/2010/main" val="357670967"/>
+      </p:ext>
+    </p:extLst>
+  </p:cSld>
+  <p:clrMapOvr>
+    <a:masterClrMapping/>
+  </p:clrMapOvr>
+</p:sld>
+</file>
+
+<file path=ppt/slides/slide19.xml><?xml version="1.0" encoding="utf-8"?>
+<p:sld xmlns:a="http://schemas.openxmlformats.org/drawingml/2006/main" xmlns:r="http://schemas.openxmlformats.org/officeDocument/2006/relationships" xmlns:p="http://schemas.openxmlformats.org/presentationml/2006/main">
+  <p:cSld>
+    <p:spTree>
+      <p:nvGrpSpPr>
+        <p:cNvPr id="1" name=""/>
+        <p:cNvGrpSpPr/>
+        <p:nvPr/>
+      </p:nvGrpSpPr>
+      <p:grpSpPr>
+        <a:xfrm>
+          <a:off x="0" y="0"/>
+          <a:ext cx="0" cy="0"/>
+          <a:chOff x="0" y="0"/>
+          <a:chExt cx="0" cy="0"/>
+        </a:xfrm>
+      </p:grpSpPr>
+      <p:sp>
+        <p:nvSpPr>
+          <p:cNvPr id="2" name="Title 1">
+            <a:extLst>
+              <a:ext uri="{FF2B5EF4-FFF2-40B4-BE49-F238E27FC236}">
+                <a16:creationId xmlns:a16="http://schemas.microsoft.com/office/drawing/2014/main" id="{20D5AAD0-DD35-E577-1BD2-9EC04F50EC80}"/>
+              </a:ext>
+            </a:extLst>
+          </p:cNvPr>
+          <p:cNvSpPr>
+            <a:spLocks noGrp="1"/>
+          </p:cNvSpPr>
+          <p:nvPr>
+            <p:ph type="title"/>
+          </p:nvPr>
+        </p:nvSpPr>
+        <p:spPr/>
+        <p:txBody>
+          <a:bodyPr/>
+          <a:lstStyle/>
+          <a:p>
+            <a:r>
+              <a:rPr lang="en-US" dirty="0"/>
+              <a:t>Data Analysis</a:t>
+            </a:r>
+          </a:p>
+        </p:txBody>
+      </p:sp>
+      <p:sp>
+        <p:nvSpPr>
+          <p:cNvPr id="3" name="Content Placeholder 2">
+            <a:extLst>
+              <a:ext uri="{FF2B5EF4-FFF2-40B4-BE49-F238E27FC236}">
+                <a16:creationId xmlns:a16="http://schemas.microsoft.com/office/drawing/2014/main" id="{2B27F6F7-9084-BDD8-1AB5-6646160DA4DF}"/>
+              </a:ext>
+            </a:extLst>
+          </p:cNvPr>
+          <p:cNvSpPr>
+            <a:spLocks noGrp="1"/>
+          </p:cNvSpPr>
+          <p:nvPr>
+            <p:ph idx="1"/>
+          </p:nvPr>
+        </p:nvSpPr>
+        <p:spPr/>
+        <p:txBody>
+          <a:bodyPr/>
+          <a:lstStyle/>
+          <a:p>
+            <a:pPr marL="1944" indent="0">
+              <a:buNone/>
+            </a:pPr>
+            <a:r>
+              <a:rPr lang="en-US" b="1" dirty="0"/>
+              <a:t>Paper includes thematic analysis of course evaluations to inform course design. Summary:</a:t>
+            </a:r>
+          </a:p>
+          <a:p>
+            <a:r>
+              <a:rPr lang="en-US" b="1" dirty="0"/>
+              <a:t>3 courses: old PL, beta test of new PL, intro FP</a:t>
+            </a:r>
+          </a:p>
+          <a:p>
+            <a:r>
+              <a:rPr lang="en-US" b="1" dirty="0" err="1"/>
+              <a:t>Ungrading</a:t>
+            </a:r>
+            <a:r>
+              <a:rPr lang="en-US" b="1" dirty="0"/>
+              <a:t> </a:t>
+            </a:r>
+            <a:r>
+              <a:rPr lang="en-US" dirty="0"/>
+              <a:t>sentiment: liked intrinsic motivation, stress reduction. Some rigor concerns</a:t>
+            </a:r>
+          </a:p>
+          <a:p>
+            <a:r>
+              <a:rPr lang="en-US" b="1" dirty="0"/>
+              <a:t>Language </a:t>
+            </a:r>
+            <a:r>
+              <a:rPr lang="en-US" dirty="0"/>
+              <a:t>choice: Racket was unpopular in intro course. Motivated PL choice exploration</a:t>
+            </a:r>
+          </a:p>
+          <a:p>
+            <a:r>
+              <a:rPr lang="en-US" b="1" dirty="0"/>
+              <a:t>Social issue </a:t>
+            </a:r>
+            <a:r>
+              <a:rPr lang="en-US" dirty="0"/>
+              <a:t>integration: remains controversial in some CS classrooms, esp. for women profs.</a:t>
+            </a:r>
+          </a:p>
+        </p:txBody>
+      </p:sp>
+    </p:spTree>
+    <p:extLst>
+      <p:ext uri="{BB962C8B-B14F-4D97-AF65-F5344CB8AC3E}">
+        <p14:creationId xmlns:p14="http://schemas.microsoft.com/office/powerpoint/2010/main" val="2445232522"/>
+      </p:ext>
+    </p:extLst>
+  </p:cSld>
+  <p:clrMapOvr>
+    <a:masterClrMapping/>
+  </p:clrMapOvr>
+</p:sld>
+</file>
+
+<file path=ppt/slides/slide2.xml><?xml version="1.0" encoding="utf-8"?>
+<p:sld xmlns:a="http://schemas.openxmlformats.org/drawingml/2006/main" xmlns:r="http://schemas.openxmlformats.org/officeDocument/2006/relationships" xmlns:p="http://schemas.openxmlformats.org/presentationml/2006/main">
+  <p:cSld>
+    <p:spTree>
+      <p:nvGrpSpPr>
+        <p:cNvPr id="1" name=""/>
+        <p:cNvGrpSpPr/>
+        <p:nvPr/>
+      </p:nvGrpSpPr>
+      <p:grpSpPr>
+        <a:xfrm>
+          <a:off x="0" y="0"/>
+          <a:ext cx="0" cy="0"/>
+          <a:chOff x="0" y="0"/>
+          <a:chExt cx="0" cy="0"/>
+        </a:xfrm>
+      </p:grpSpPr>
+      <p:sp>
+        <p:nvSpPr>
+          <p:cNvPr id="2" name="Title 1">
+            <a:extLst>
+              <a:ext uri="{FF2B5EF4-FFF2-40B4-BE49-F238E27FC236}">
+                <a16:creationId xmlns:a16="http://schemas.microsoft.com/office/drawing/2014/main" id="{F72C359F-44C5-3D34-D9D8-6FA6C514B265}"/>
+              </a:ext>
+            </a:extLst>
+          </p:cNvPr>
+          <p:cNvSpPr>
+            <a:spLocks noGrp="1"/>
+          </p:cNvSpPr>
+          <p:nvPr>
+            <p:ph type="title"/>
+          </p:nvPr>
+        </p:nvSpPr>
+        <p:spPr/>
+        <p:txBody>
+          <a:bodyPr/>
+          <a:lstStyle/>
+          <a:p>
+            <a:r>
+              <a:rPr lang="en-US" dirty="0"/>
+              <a:t>Outline</a:t>
+            </a:r>
+          </a:p>
+        </p:txBody>
+      </p:sp>
+      <p:sp>
+        <p:nvSpPr>
+          <p:cNvPr id="3" name="Content Placeholder 2">
+            <a:extLst>
+              <a:ext uri="{FF2B5EF4-FFF2-40B4-BE49-F238E27FC236}">
+                <a16:creationId xmlns:a16="http://schemas.microsoft.com/office/drawing/2014/main" id="{92E6291A-445C-DE6F-379D-0393F7401C46}"/>
+              </a:ext>
+            </a:extLst>
+          </p:cNvPr>
+          <p:cNvSpPr>
+            <a:spLocks noGrp="1"/>
+          </p:cNvSpPr>
+          <p:nvPr>
+            <p:ph idx="1"/>
+          </p:nvPr>
+        </p:nvSpPr>
+        <p:spPr/>
+        <p:txBody>
+          <a:bodyPr/>
+          <a:lstStyle/>
+          <a:p>
+            <a:r>
+              <a:rPr lang="en-US" dirty="0"/>
+              <a:t>Introduction</a:t>
+            </a:r>
+          </a:p>
+          <a:p>
+            <a:r>
+              <a:rPr lang="en-US" dirty="0"/>
+              <a:t>The Book</a:t>
+            </a:r>
+          </a:p>
+          <a:p>
+            <a:r>
+              <a:rPr lang="en-US" dirty="0"/>
+              <a:t>Turning it Into a Course (Stories from the Classroom)</a:t>
+            </a:r>
+          </a:p>
+          <a:p>
+            <a:r>
+              <a:rPr lang="en-US" dirty="0"/>
+              <a:t>Data Analysis</a:t>
+            </a:r>
+          </a:p>
+          <a:p>
+            <a:r>
+              <a:rPr lang="en-US" dirty="0"/>
+              <a:t>Conclusion</a:t>
+            </a:r>
+          </a:p>
+          <a:p>
+            <a:endParaRPr lang="en-US" dirty="0"/>
+          </a:p>
+        </p:txBody>
+      </p:sp>
+    </p:spTree>
+    <p:extLst>
+      <p:ext uri="{BB962C8B-B14F-4D97-AF65-F5344CB8AC3E}">
+        <p14:creationId xmlns:p14="http://schemas.microsoft.com/office/powerpoint/2010/main" val="1266521625"/>
+      </p:ext>
+    </p:extLst>
+  </p:cSld>
+  <p:clrMapOvr>
+    <a:masterClrMapping/>
+  </p:clrMapOvr>
+</p:sld>
+</file>
+
+<file path=ppt/slides/slide20.xml><?xml version="1.0" encoding="utf-8"?>
+<p:sld xmlns:a="http://schemas.openxmlformats.org/drawingml/2006/main" xmlns:r="http://schemas.openxmlformats.org/officeDocument/2006/relationships" xmlns:p="http://schemas.openxmlformats.org/presentationml/2006/main">
+  <p:cSld>
+    <p:spTree>
+      <p:nvGrpSpPr>
+        <p:cNvPr id="1" name=""/>
+        <p:cNvGrpSpPr/>
+        <p:nvPr/>
+      </p:nvGrpSpPr>
+      <p:grpSpPr>
+        <a:xfrm>
+          <a:off x="0" y="0"/>
+          <a:ext cx="0" cy="0"/>
+          <a:chOff x="0" y="0"/>
+          <a:chExt cx="0" cy="0"/>
+        </a:xfrm>
+      </p:grpSpPr>
+      <p:sp>
+        <p:nvSpPr>
+          <p:cNvPr id="2" name="Title 1">
+            <a:extLst>
+              <a:ext uri="{FF2B5EF4-FFF2-40B4-BE49-F238E27FC236}">
+                <a16:creationId xmlns:a16="http://schemas.microsoft.com/office/drawing/2014/main" id="{476D2B61-1E0B-6B55-A5D6-FA610B98C6B9}"/>
+              </a:ext>
+            </a:extLst>
+          </p:cNvPr>
+          <p:cNvSpPr>
+            <a:spLocks noGrp="1"/>
+          </p:cNvSpPr>
+          <p:nvPr>
+            <p:ph type="title"/>
+          </p:nvPr>
+        </p:nvSpPr>
+        <p:spPr/>
+        <p:txBody>
+          <a:bodyPr/>
+          <a:lstStyle/>
+          <a:p>
+            <a:r>
+              <a:rPr lang="en-US" dirty="0"/>
+              <a:t>Future Plans</a:t>
+            </a:r>
+          </a:p>
+        </p:txBody>
+      </p:sp>
+      <p:sp>
+        <p:nvSpPr>
+          <p:cNvPr id="3" name="Content Placeholder 2">
+            <a:extLst>
+              <a:ext uri="{FF2B5EF4-FFF2-40B4-BE49-F238E27FC236}">
+                <a16:creationId xmlns:a16="http://schemas.microsoft.com/office/drawing/2014/main" id="{DC5C5EAC-FADB-90BF-D0AE-205E4E2B18ED}"/>
+              </a:ext>
+            </a:extLst>
+          </p:cNvPr>
+          <p:cNvSpPr>
+            <a:spLocks noGrp="1"/>
+          </p:cNvSpPr>
+          <p:nvPr>
+            <p:ph idx="1"/>
+          </p:nvPr>
+        </p:nvSpPr>
+        <p:spPr>
+          <a:xfrm>
+            <a:off x="211757" y="1735200"/>
+            <a:ext cx="11608066" cy="3783013"/>
+          </a:xfrm>
+        </p:spPr>
+        <p:txBody>
+          <a:bodyPr/>
+          <a:lstStyle/>
+          <a:p>
+            <a:r>
+              <a:rPr lang="en-US" dirty="0"/>
+              <a:t>The book is now “released.” But I will now look for an open-access academic publisher</a:t>
+            </a:r>
+          </a:p>
+          <a:p>
+            <a:r>
+              <a:rPr lang="en-US" dirty="0"/>
+              <a:t>Collaboration opportunities:</a:t>
+            </a:r>
+          </a:p>
+          <a:p>
+            <a:pPr lvl="1"/>
+            <a:r>
+              <a:rPr lang="en-US" dirty="0"/>
+              <a:t>Let me support you in using the book in your classroom!</a:t>
+            </a:r>
+          </a:p>
+          <a:p>
+            <a:pPr lvl="1"/>
+            <a:r>
+              <a:rPr lang="en-US" dirty="0"/>
+              <a:t>For future editions, I wish to include interviews with interesting researchers</a:t>
+            </a:r>
+          </a:p>
+          <a:p>
+            <a:pPr lvl="1"/>
+            <a:r>
+              <a:rPr lang="en-US" dirty="0"/>
+              <a:t>For future editions, I wish to include comics as a stretch goal</a:t>
+            </a:r>
+          </a:p>
+          <a:p>
+            <a:pPr lvl="1"/>
+            <a:r>
+              <a:rPr lang="en-US" dirty="0"/>
+              <a:t>If you are proficient in Classical Chinese (</a:t>
+            </a:r>
+            <a:r>
+              <a:rPr lang="zh-CN" altLang="en-US" dirty="0"/>
+              <a:t>古文</a:t>
+            </a:r>
+            <a:r>
+              <a:rPr lang="en-US" altLang="zh-CN" dirty="0"/>
+              <a:t>/</a:t>
+            </a:r>
+            <a:r>
+              <a:rPr lang="zh-CN" altLang="en-US" dirty="0"/>
+              <a:t>文言文</a:t>
+            </a:r>
+            <a:r>
+              <a:rPr lang="en-US" altLang="zh-CN" dirty="0"/>
+              <a:t>), you help would be invaluable in writing about multi-cultural language design</a:t>
+            </a:r>
+            <a:endParaRPr lang="en-US" dirty="0"/>
+          </a:p>
+          <a:p>
+            <a:pPr lvl="1"/>
+            <a:endParaRPr lang="en-US" dirty="0"/>
+          </a:p>
+          <a:p>
+            <a:pPr lvl="1"/>
+            <a:endParaRPr lang="en-US" dirty="0"/>
+          </a:p>
+        </p:txBody>
+      </p:sp>
+    </p:spTree>
+    <p:extLst>
+      <p:ext uri="{BB962C8B-B14F-4D97-AF65-F5344CB8AC3E}">
+        <p14:creationId xmlns:p14="http://schemas.microsoft.com/office/powerpoint/2010/main" val="2162198908"/>
+      </p:ext>
+    </p:extLst>
+  </p:cSld>
+  <p:clrMapOvr>
+    <a:masterClrMapping/>
+  </p:clrMapOvr>
+</p:sld>
+</file>
+
+<file path=ppt/slides/slide21.xml><?xml version="1.0" encoding="utf-8"?>
+<p:sld xmlns:a="http://schemas.openxmlformats.org/drawingml/2006/main" xmlns:r="http://schemas.openxmlformats.org/officeDocument/2006/relationships" xmlns:p="http://schemas.openxmlformats.org/presentationml/2006/main">
+  <p:cSld>
+    <p:spTree>
+      <p:nvGrpSpPr>
+        <p:cNvPr id="1" name=""/>
+        <p:cNvGrpSpPr/>
+        <p:nvPr/>
+      </p:nvGrpSpPr>
+      <p:grpSpPr>
+        <a:xfrm>
+          <a:off x="0" y="0"/>
+          <a:ext cx="0" cy="0"/>
+          <a:chOff x="0" y="0"/>
+          <a:chExt cx="0" cy="0"/>
+        </a:xfrm>
+      </p:grpSpPr>
+      <p:sp>
+        <p:nvSpPr>
+          <p:cNvPr id="2" name="Title 1">
+            <a:extLst>
+              <a:ext uri="{FF2B5EF4-FFF2-40B4-BE49-F238E27FC236}">
+                <a16:creationId xmlns:a16="http://schemas.microsoft.com/office/drawing/2014/main" id="{F995E521-4686-319B-7490-30379BD66C71}"/>
+              </a:ext>
+            </a:extLst>
+          </p:cNvPr>
+          <p:cNvSpPr>
+            <a:spLocks noGrp="1"/>
+          </p:cNvSpPr>
+          <p:nvPr>
+            <p:ph type="title"/>
+          </p:nvPr>
+        </p:nvSpPr>
+        <p:spPr/>
+        <p:txBody>
+          <a:bodyPr/>
+          <a:lstStyle/>
+          <a:p>
+            <a:r>
+              <a:rPr lang="en-US" dirty="0"/>
+              <a:t>Thank You to Many People!</a:t>
+            </a:r>
+          </a:p>
+        </p:txBody>
+      </p:sp>
+      <p:sp>
+        <p:nvSpPr>
+          <p:cNvPr id="3" name="Content Placeholder 2">
+            <a:extLst>
+              <a:ext uri="{FF2B5EF4-FFF2-40B4-BE49-F238E27FC236}">
+                <a16:creationId xmlns:a16="http://schemas.microsoft.com/office/drawing/2014/main" id="{6E1F46F4-ADB2-D383-89FC-05535F8147EA}"/>
+              </a:ext>
+            </a:extLst>
+          </p:cNvPr>
+          <p:cNvSpPr>
+            <a:spLocks noGrp="1"/>
+          </p:cNvSpPr>
+          <p:nvPr>
+            <p:ph idx="1"/>
+          </p:nvPr>
+        </p:nvSpPr>
+        <p:spPr/>
+        <p:txBody>
+          <a:bodyPr>
+            <a:normAutofit fontScale="92500" lnSpcReduction="20000"/>
+          </a:bodyPr>
+          <a:lstStyle/>
+          <a:p>
+            <a:pPr marL="1944" indent="0">
+              <a:buNone/>
+            </a:pPr>
+            <a:r>
+              <a:rPr lang="en-US" dirty="0"/>
+              <a:t>Writing a book is a significant time and emotional investment. I’m deeply grateful to the </a:t>
+            </a:r>
+            <a:r>
+              <a:rPr lang="en-US" b="1" dirty="0"/>
+              <a:t>many </a:t>
+            </a:r>
+            <a:r>
+              <a:rPr lang="en-US" dirty="0"/>
+              <a:t>people who kept me motivated and supported throughout the writing process</a:t>
+            </a:r>
+          </a:p>
+          <a:p>
+            <a:r>
+              <a:rPr lang="en-US" dirty="0"/>
+              <a:t>Gillian Smith and Chris Martens for reminding me this book needs to exist</a:t>
+            </a:r>
+          </a:p>
+          <a:p>
+            <a:r>
+              <a:rPr lang="en-US" dirty="0"/>
+              <a:t>Matthew Ahrens for feedback on paper draft</a:t>
+            </a:r>
+          </a:p>
+          <a:p>
+            <a:r>
+              <a:rPr lang="en-US" dirty="0"/>
+              <a:t>Molly Feldman for encouraging this paper submission</a:t>
+            </a:r>
+          </a:p>
+          <a:p>
+            <a:r>
+              <a:rPr lang="en-US" dirty="0"/>
+              <a:t>Leif Andersen for lived experience on PL research and disability</a:t>
+            </a:r>
+          </a:p>
+          <a:p>
+            <a:r>
+              <a:rPr lang="en-US" dirty="0"/>
+              <a:t>F.J.J Hermans for encouragement, feedback, and cross-cultural PL expertise</a:t>
+            </a:r>
+          </a:p>
+          <a:p>
+            <a:r>
+              <a:rPr lang="en-US" dirty="0"/>
+              <a:t>Ichiro </a:t>
+            </a:r>
+            <a:r>
+              <a:rPr lang="en-US" dirty="0" err="1"/>
+              <a:t>Hasuo</a:t>
+            </a:r>
+            <a:r>
+              <a:rPr lang="en-US" dirty="0"/>
+              <a:t> for encouraging me to keep my PL brain and human-centered brain on at the same time</a:t>
+            </a:r>
+          </a:p>
+          <a:p>
+            <a:r>
+              <a:rPr lang="en-US" dirty="0"/>
+              <a:t>And many students, friends, and colleagues who told me something in the work resonated with them</a:t>
+            </a:r>
+          </a:p>
+        </p:txBody>
+      </p:sp>
+    </p:spTree>
+    <p:extLst>
+      <p:ext uri="{BB962C8B-B14F-4D97-AF65-F5344CB8AC3E}">
+        <p14:creationId xmlns:p14="http://schemas.microsoft.com/office/powerpoint/2010/main" val="1847003846"/>
+      </p:ext>
+    </p:extLst>
+  </p:cSld>
+  <p:clrMapOvr>
+    <a:masterClrMapping/>
+  </p:clrMapOvr>
+</p:sld>
+</file>
+
+<file path=ppt/slides/slide22.xml><?xml version="1.0" encoding="utf-8"?>
+<p:sld xmlns:a="http://schemas.openxmlformats.org/drawingml/2006/main" xmlns:r="http://schemas.openxmlformats.org/officeDocument/2006/relationships" xmlns:p="http://schemas.openxmlformats.org/presentationml/2006/main">
+  <p:cSld>
+    <p:spTree>
+      <p:nvGrpSpPr>
+        <p:cNvPr id="1" name=""/>
+        <p:cNvGrpSpPr/>
+        <p:nvPr/>
+      </p:nvGrpSpPr>
+      <p:grpSpPr>
+        <a:xfrm>
+          <a:off x="0" y="0"/>
+          <a:ext cx="0" cy="0"/>
+          <a:chOff x="0" y="0"/>
+          <a:chExt cx="0" cy="0"/>
+        </a:xfrm>
+      </p:grpSpPr>
+      <p:sp>
+        <p:nvSpPr>
+          <p:cNvPr id="2" name="Title 1">
+            <a:extLst>
+              <a:ext uri="{FF2B5EF4-FFF2-40B4-BE49-F238E27FC236}">
+                <a16:creationId xmlns:a16="http://schemas.microsoft.com/office/drawing/2014/main" id="{298F50A8-F913-A0D7-D792-43B33CED37D3}"/>
+              </a:ext>
+            </a:extLst>
+          </p:cNvPr>
+          <p:cNvSpPr>
+            <a:spLocks noGrp="1"/>
+          </p:cNvSpPr>
+          <p:nvPr>
+            <p:ph type="title"/>
+          </p:nvPr>
+        </p:nvSpPr>
+        <p:spPr/>
+        <p:txBody>
+          <a:bodyPr/>
+          <a:lstStyle/>
+          <a:p>
+            <a:r>
+              <a:rPr lang="en-US" dirty="0"/>
+              <a:t>BONUS SLIDES</a:t>
+            </a:r>
+          </a:p>
+        </p:txBody>
+      </p:sp>
+      <p:sp>
+        <p:nvSpPr>
+          <p:cNvPr id="3" name="Content Placeholder 2">
+            <a:extLst>
+              <a:ext uri="{FF2B5EF4-FFF2-40B4-BE49-F238E27FC236}">
+                <a16:creationId xmlns:a16="http://schemas.microsoft.com/office/drawing/2014/main" id="{150B67F9-6904-B7A4-A9E6-60E3D92CF1E2}"/>
+              </a:ext>
+            </a:extLst>
+          </p:cNvPr>
+          <p:cNvSpPr>
+            <a:spLocks noGrp="1"/>
+          </p:cNvSpPr>
+          <p:nvPr>
+            <p:ph idx="1"/>
+          </p:nvPr>
+        </p:nvSpPr>
+        <p:spPr/>
+        <p:txBody>
+          <a:bodyPr/>
+          <a:lstStyle/>
+          <a:p>
+            <a:endParaRPr lang="en-US"/>
+          </a:p>
+        </p:txBody>
+      </p:sp>
+    </p:spTree>
+    <p:extLst>
+      <p:ext uri="{BB962C8B-B14F-4D97-AF65-F5344CB8AC3E}">
+        <p14:creationId xmlns:p14="http://schemas.microsoft.com/office/powerpoint/2010/main" val="4204599933"/>
+      </p:ext>
+    </p:extLst>
+  </p:cSld>
+  <p:clrMapOvr>
+    <a:masterClrMapping/>
+  </p:clrMapOvr>
+</p:sld>
+</file>
+
+<file path=ppt/slides/slide23.xml><?xml version="1.0" encoding="utf-8"?>
+<p:sld xmlns:a="http://schemas.openxmlformats.org/drawingml/2006/main" xmlns:r="http://schemas.openxmlformats.org/officeDocument/2006/relationships" xmlns:p="http://schemas.openxmlformats.org/presentationml/2006/main">
+  <p:cSld>
+    <p:spTree>
+      <p:nvGrpSpPr>
+        <p:cNvPr id="1" name=""/>
+        <p:cNvGrpSpPr/>
+        <p:nvPr/>
+      </p:nvGrpSpPr>
+      <p:grpSpPr>
+        <a:xfrm>
+          <a:off x="0" y="0"/>
+          <a:ext cx="0" cy="0"/>
+          <a:chOff x="0" y="0"/>
+          <a:chExt cx="0" cy="0"/>
+        </a:xfrm>
+      </p:grpSpPr>
+      <p:sp>
+        <p:nvSpPr>
+          <p:cNvPr id="2" name="Title 1">
+            <a:extLst>
+              <a:ext uri="{FF2B5EF4-FFF2-40B4-BE49-F238E27FC236}">
+                <a16:creationId xmlns:a16="http://schemas.microsoft.com/office/drawing/2014/main" id="{7DEEC327-4024-FC52-97C2-709E49DB2CB8}"/>
+              </a:ext>
+            </a:extLst>
+          </p:cNvPr>
+          <p:cNvSpPr>
+            <a:spLocks noGrp="1"/>
+          </p:cNvSpPr>
+          <p:nvPr>
+            <p:ph type="title"/>
+          </p:nvPr>
+        </p:nvSpPr>
+        <p:spPr/>
+        <p:txBody>
+          <a:bodyPr/>
+          <a:lstStyle/>
+          <a:p>
+            <a:r>
+              <a:rPr lang="en-US" dirty="0"/>
+              <a:t>Collaboration Opportunities</a:t>
+            </a:r>
+          </a:p>
+        </p:txBody>
+      </p:sp>
+      <p:sp>
+        <p:nvSpPr>
+          <p:cNvPr id="3" name="Content Placeholder 2">
+            <a:extLst>
+              <a:ext uri="{FF2B5EF4-FFF2-40B4-BE49-F238E27FC236}">
+                <a16:creationId xmlns:a16="http://schemas.microsoft.com/office/drawing/2014/main" id="{CC30BF0A-BC92-85BF-905A-34913C1AF88E}"/>
+              </a:ext>
+            </a:extLst>
+          </p:cNvPr>
+          <p:cNvSpPr>
+            <a:spLocks noGrp="1"/>
+          </p:cNvSpPr>
+          <p:nvPr>
+            <p:ph idx="1"/>
+          </p:nvPr>
+        </p:nvSpPr>
+        <p:spPr/>
+        <p:txBody>
+          <a:bodyPr>
+            <a:normAutofit fontScale="92500"/>
+          </a:bodyPr>
+          <a:lstStyle/>
+          <a:p>
+            <a:pPr marL="1944" indent="0">
+              <a:buNone/>
+            </a:pPr>
+            <a:r>
+              <a:rPr lang="en-US" dirty="0"/>
+              <a:t>Though this work is sole-authored, it is rooted in community, and I am excited to look for collaboration opportunities going forward</a:t>
+            </a:r>
+          </a:p>
+          <a:p>
+            <a:r>
+              <a:rPr lang="en-US" dirty="0"/>
+              <a:t>Certain additions are likely to need collaborators, e.g., PLs for </a:t>
+            </a:r>
+            <a:r>
+              <a:rPr lang="en-US" b="1" dirty="0"/>
+              <a:t>different native/natural languages</a:t>
+            </a:r>
+            <a:endParaRPr lang="en-US" dirty="0"/>
+          </a:p>
+          <a:p>
+            <a:pPr lvl="1"/>
+            <a:r>
+              <a:rPr lang="en-US" dirty="0"/>
+              <a:t>If you are proficient in Classical Chinese (</a:t>
+            </a:r>
+            <a:r>
+              <a:rPr lang="zh-CN" altLang="en-US" dirty="0"/>
+              <a:t>古文</a:t>
+            </a:r>
+            <a:r>
+              <a:rPr lang="en-US" altLang="zh-CN" dirty="0"/>
+              <a:t>/</a:t>
+            </a:r>
+            <a:r>
+              <a:rPr lang="zh-CN" altLang="en-US" dirty="0"/>
+              <a:t>文言文）</a:t>
+            </a:r>
+            <a:r>
+              <a:rPr lang="en-US" altLang="zh-CN" dirty="0"/>
+              <a:t>I will be your friend</a:t>
+            </a:r>
+            <a:endParaRPr lang="en-US" dirty="0"/>
+          </a:p>
+          <a:p>
+            <a:r>
+              <a:rPr lang="en-US" dirty="0"/>
+              <a:t>I’m looking to interview PL researchers with human-centered interests, for “published” ed.</a:t>
+            </a:r>
+          </a:p>
+          <a:p>
+            <a:r>
+              <a:rPr lang="en-US" dirty="0"/>
+              <a:t>My stretch goal is to include comics about the archetypes as well. I will not say no to interested artists, including enthusiasts</a:t>
+            </a:r>
+          </a:p>
+          <a:p>
+            <a:r>
+              <a:rPr lang="en-US" dirty="0"/>
+              <a:t>Open to other ideas!</a:t>
+            </a:r>
+          </a:p>
+        </p:txBody>
+      </p:sp>
+    </p:spTree>
+    <p:extLst>
+      <p:ext uri="{BB962C8B-B14F-4D97-AF65-F5344CB8AC3E}">
+        <p14:creationId xmlns:p14="http://schemas.microsoft.com/office/powerpoint/2010/main" val="2455651094"/>
+      </p:ext>
+    </p:extLst>
+  </p:cSld>
+  <p:clrMapOvr>
+    <a:masterClrMapping/>
+  </p:clrMapOvr>
+</p:sld>
+</file>
+
+<file path=ppt/slides/slide24.xml><?xml version="1.0" encoding="utf-8"?>
+<p:sld xmlns:a="http://schemas.openxmlformats.org/drawingml/2006/main" xmlns:r="http://schemas.openxmlformats.org/officeDocument/2006/relationships" xmlns:p="http://schemas.openxmlformats.org/presentationml/2006/main">
+  <p:cSld>
+    <p:spTree>
+      <p:nvGrpSpPr>
+        <p:cNvPr id="1" name=""/>
+        <p:cNvGrpSpPr/>
+        <p:nvPr/>
+      </p:nvGrpSpPr>
+      <p:grpSpPr>
+        <a:xfrm>
+          <a:off x="0" y="0"/>
+          <a:ext cx="0" cy="0"/>
+          <a:chOff x="0" y="0"/>
+          <a:chExt cx="0" cy="0"/>
+        </a:xfrm>
+      </p:grpSpPr>
+      <p:sp>
+        <p:nvSpPr>
+          <p:cNvPr id="2" name="Title 1">
+            <a:extLst>
+              <a:ext uri="{FF2B5EF4-FFF2-40B4-BE49-F238E27FC236}">
+                <a16:creationId xmlns:a16="http://schemas.microsoft.com/office/drawing/2014/main" id="{983D6BA5-AC6E-48DD-9446-6203CA62C5A5}"/>
+              </a:ext>
+            </a:extLst>
+          </p:cNvPr>
+          <p:cNvSpPr>
+            <a:spLocks noGrp="1"/>
+          </p:cNvSpPr>
+          <p:nvPr>
+            <p:ph type="title"/>
+          </p:nvPr>
+        </p:nvSpPr>
+        <p:spPr/>
+        <p:txBody>
+          <a:bodyPr/>
+          <a:lstStyle/>
+          <a:p>
+            <a:r>
+              <a:rPr lang="en-US" dirty="0"/>
+              <a:t>Platform + Format</a:t>
+            </a:r>
+          </a:p>
+        </p:txBody>
+      </p:sp>
+      <p:sp>
+        <p:nvSpPr>
+          <p:cNvPr id="3" name="Content Placeholder 2">
+            <a:extLst>
+              <a:ext uri="{FF2B5EF4-FFF2-40B4-BE49-F238E27FC236}">
+                <a16:creationId xmlns:a16="http://schemas.microsoft.com/office/drawing/2014/main" id="{604A8032-4026-45CD-53F1-38DBF416460D}"/>
+              </a:ext>
+            </a:extLst>
+          </p:cNvPr>
+          <p:cNvSpPr>
+            <a:spLocks noGrp="1"/>
+          </p:cNvSpPr>
+          <p:nvPr>
+            <p:ph idx="1"/>
+          </p:nvPr>
+        </p:nvSpPr>
+        <p:spPr>
+          <a:xfrm>
+            <a:off x="363628" y="1193334"/>
+            <a:ext cx="11293200" cy="3783013"/>
+          </a:xfrm>
+        </p:spPr>
+        <p:txBody>
+          <a:bodyPr/>
+          <a:lstStyle/>
+          <a:p>
+            <a:r>
+              <a:rPr lang="en-US" dirty="0"/>
+              <a:t>Prepared using </a:t>
+            </a:r>
+            <a:r>
+              <a:rPr lang="en-US" dirty="0">
+                <a:hlinkClick r:id="rId2"/>
+              </a:rPr>
+              <a:t>Bookish</a:t>
+            </a:r>
+            <a:r>
+              <a:rPr lang="en-US" dirty="0"/>
+              <a:t>, </a:t>
+            </a:r>
+            <a:r>
+              <a:rPr lang="en-US" dirty="0" err="1"/>
+              <a:t>ebook</a:t>
+            </a:r>
+            <a:r>
+              <a:rPr lang="en-US" dirty="0"/>
+              <a:t> platform by </a:t>
+            </a:r>
+            <a:r>
+              <a:rPr lang="en-US" dirty="0">
+                <a:hlinkClick r:id="rId3"/>
+              </a:rPr>
+              <a:t>Amy J. Ko</a:t>
+            </a:r>
+            <a:endParaRPr lang="en-US" dirty="0"/>
+          </a:p>
+          <a:p>
+            <a:r>
+              <a:rPr lang="en-US" dirty="0"/>
+              <a:t>Typical chapter structure: Introduction </a:t>
+            </a:r>
+          </a:p>
+        </p:txBody>
+      </p:sp>
+      <p:pic>
+        <p:nvPicPr>
+          <p:cNvPr id="9" name="Picture 8">
+            <a:extLst>
+              <a:ext uri="{FF2B5EF4-FFF2-40B4-BE49-F238E27FC236}">
+                <a16:creationId xmlns:a16="http://schemas.microsoft.com/office/drawing/2014/main" id="{1E68F5FA-6CE8-2E8E-9DE3-0787201EF974}"/>
+              </a:ext>
+            </a:extLst>
+          </p:cNvPr>
+          <p:cNvPicPr>
+            <a:picLocks noChangeAspect="1"/>
+          </p:cNvPicPr>
+          <p:nvPr/>
+        </p:nvPicPr>
+        <p:blipFill>
+          <a:blip r:embed="rId4"/>
+          <a:stretch>
+            <a:fillRect/>
+          </a:stretch>
+        </p:blipFill>
+        <p:spPr>
+          <a:xfrm>
+            <a:off x="200525" y="3084840"/>
+            <a:ext cx="6620768" cy="2351881"/>
+          </a:xfrm>
+          <a:prstGeom prst="rect">
+            <a:avLst/>
+          </a:prstGeom>
+        </p:spPr>
+      </p:pic>
+      <p:sp>
+        <p:nvSpPr>
+          <p:cNvPr id="10" name="TextBox 9">
+            <a:extLst>
+              <a:ext uri="{FF2B5EF4-FFF2-40B4-BE49-F238E27FC236}">
+                <a16:creationId xmlns:a16="http://schemas.microsoft.com/office/drawing/2014/main" id="{7B15B3D4-E174-2FBB-ABBF-2F0FCF3D32C9}"/>
+              </a:ext>
+            </a:extLst>
+          </p:cNvPr>
+          <p:cNvSpPr txBox="1"/>
+          <p:nvPr/>
+        </p:nvSpPr>
+        <p:spPr>
+          <a:xfrm>
+            <a:off x="0" y="2629584"/>
+            <a:ext cx="6610752" cy="400110"/>
+          </a:xfrm>
+          <a:prstGeom prst="rect">
+            <a:avLst/>
+          </a:prstGeom>
+          <a:noFill/>
+        </p:spPr>
+        <p:txBody>
+          <a:bodyPr wrap="square" rtlCol="0">
+            <a:spAutoFit/>
+          </a:bodyPr>
+          <a:lstStyle/>
+          <a:p>
+            <a:r>
+              <a:rPr lang="en-US" sz="2000" b="1" dirty="0"/>
+              <a:t>Introduction contextualizes content for each archetype</a:t>
+            </a:r>
+          </a:p>
+        </p:txBody>
+      </p:sp>
+    </p:spTree>
+    <p:extLst>
+      <p:ext uri="{BB962C8B-B14F-4D97-AF65-F5344CB8AC3E}">
+        <p14:creationId xmlns:p14="http://schemas.microsoft.com/office/powerpoint/2010/main" val="2801843948"/>
+      </p:ext>
+    </p:extLst>
+  </p:cSld>
+  <p:clrMapOvr>
+    <a:masterClrMapping/>
+  </p:clrMapOvr>
+</p:sld>
+</file>
+
+<file path=ppt/slides/slide25.xml><?xml version="1.0" encoding="utf-8"?>
+<p:sld xmlns:a="http://schemas.openxmlformats.org/drawingml/2006/main" xmlns:r="http://schemas.openxmlformats.org/officeDocument/2006/relationships" xmlns:p="http://schemas.openxmlformats.org/presentationml/2006/main">
+  <p:cSld>
+    <p:spTree>
+      <p:nvGrpSpPr>
+        <p:cNvPr id="1" name=""/>
+        <p:cNvGrpSpPr/>
+        <p:nvPr/>
+      </p:nvGrpSpPr>
+      <p:grpSpPr>
+        <a:xfrm>
+          <a:off x="0" y="0"/>
+          <a:ext cx="0" cy="0"/>
+          <a:chOff x="0" y="0"/>
+          <a:chExt cx="0" cy="0"/>
+        </a:xfrm>
+      </p:grpSpPr>
+      <p:sp>
+        <p:nvSpPr>
+          <p:cNvPr id="2" name="Title 1">
+            <a:extLst>
+              <a:ext uri="{FF2B5EF4-FFF2-40B4-BE49-F238E27FC236}">
+                <a16:creationId xmlns:a16="http://schemas.microsoft.com/office/drawing/2014/main" id="{983D6BA5-AC6E-48DD-9446-6203CA62C5A5}"/>
+              </a:ext>
+            </a:extLst>
+          </p:cNvPr>
+          <p:cNvSpPr>
+            <a:spLocks noGrp="1"/>
+          </p:cNvSpPr>
+          <p:nvPr>
+            <p:ph type="title"/>
+          </p:nvPr>
+        </p:nvSpPr>
+        <p:spPr/>
+        <p:txBody>
+          <a:bodyPr/>
+          <a:lstStyle/>
+          <a:p>
+            <a:r>
+              <a:rPr lang="en-US" dirty="0"/>
+              <a:t>Platform + Format</a:t>
+            </a:r>
+          </a:p>
+        </p:txBody>
+      </p:sp>
+      <p:sp>
+        <p:nvSpPr>
+          <p:cNvPr id="3" name="Content Placeholder 2">
+            <a:extLst>
+              <a:ext uri="{FF2B5EF4-FFF2-40B4-BE49-F238E27FC236}">
+                <a16:creationId xmlns:a16="http://schemas.microsoft.com/office/drawing/2014/main" id="{604A8032-4026-45CD-53F1-38DBF416460D}"/>
+              </a:ext>
+            </a:extLst>
+          </p:cNvPr>
+          <p:cNvSpPr>
+            <a:spLocks noGrp="1"/>
+          </p:cNvSpPr>
+          <p:nvPr>
+            <p:ph idx="1"/>
+          </p:nvPr>
+        </p:nvSpPr>
+        <p:spPr>
+          <a:xfrm>
+            <a:off x="363628" y="1193334"/>
+            <a:ext cx="11293200" cy="3783013"/>
+          </a:xfrm>
+        </p:spPr>
+        <p:txBody>
+          <a:bodyPr/>
+          <a:lstStyle/>
+          <a:p>
+            <a:r>
+              <a:rPr lang="en-US" dirty="0"/>
+              <a:t>Prepared using </a:t>
+            </a:r>
+            <a:r>
+              <a:rPr lang="en-US" dirty="0">
+                <a:hlinkClick r:id="rId2"/>
+              </a:rPr>
+              <a:t>Bookish</a:t>
+            </a:r>
+            <a:r>
+              <a:rPr lang="en-US" dirty="0"/>
+              <a:t>, </a:t>
+            </a:r>
+            <a:r>
+              <a:rPr lang="en-US" dirty="0" err="1"/>
+              <a:t>ebook</a:t>
+            </a:r>
+            <a:r>
+              <a:rPr lang="en-US" dirty="0"/>
+              <a:t> platform by </a:t>
+            </a:r>
+            <a:r>
+              <a:rPr lang="en-US" dirty="0">
+                <a:hlinkClick r:id="rId3"/>
+              </a:rPr>
+              <a:t>Amy J. Ko</a:t>
+            </a:r>
+            <a:endParaRPr lang="en-US" dirty="0"/>
+          </a:p>
+          <a:p>
+            <a:r>
+              <a:rPr lang="en-US" dirty="0"/>
+              <a:t>Typical chapter structure: Introduction </a:t>
+            </a:r>
+          </a:p>
+        </p:txBody>
+      </p:sp>
+      <p:pic>
+        <p:nvPicPr>
+          <p:cNvPr id="5" name="Picture 4">
+            <a:extLst>
+              <a:ext uri="{FF2B5EF4-FFF2-40B4-BE49-F238E27FC236}">
+                <a16:creationId xmlns:a16="http://schemas.microsoft.com/office/drawing/2014/main" id="{CF518033-FF56-A542-05BE-282398B20AB6}"/>
+              </a:ext>
+            </a:extLst>
+          </p:cNvPr>
+          <p:cNvPicPr>
+            <a:picLocks noChangeAspect="1"/>
+          </p:cNvPicPr>
+          <p:nvPr/>
+        </p:nvPicPr>
+        <p:blipFill>
+          <a:blip r:embed="rId4"/>
+          <a:stretch>
+            <a:fillRect/>
+          </a:stretch>
+        </p:blipFill>
+        <p:spPr>
+          <a:xfrm>
+            <a:off x="9268178" y="2424574"/>
+            <a:ext cx="2757164" cy="4216839"/>
+          </a:xfrm>
+          <a:prstGeom prst="rect">
+            <a:avLst/>
+          </a:prstGeom>
+        </p:spPr>
+      </p:pic>
+      <p:pic>
+        <p:nvPicPr>
+          <p:cNvPr id="9" name="Picture 8">
+            <a:extLst>
+              <a:ext uri="{FF2B5EF4-FFF2-40B4-BE49-F238E27FC236}">
+                <a16:creationId xmlns:a16="http://schemas.microsoft.com/office/drawing/2014/main" id="{1E68F5FA-6CE8-2E8E-9DE3-0787201EF974}"/>
+              </a:ext>
+            </a:extLst>
+          </p:cNvPr>
+          <p:cNvPicPr>
+            <a:picLocks noChangeAspect="1"/>
+          </p:cNvPicPr>
+          <p:nvPr/>
+        </p:nvPicPr>
+        <p:blipFill>
+          <a:blip r:embed="rId5"/>
+          <a:stretch>
+            <a:fillRect/>
+          </a:stretch>
+        </p:blipFill>
+        <p:spPr>
+          <a:xfrm>
+            <a:off x="200525" y="3084840"/>
+            <a:ext cx="6620768" cy="2351881"/>
+          </a:xfrm>
+          <a:prstGeom prst="rect">
+            <a:avLst/>
+          </a:prstGeom>
+        </p:spPr>
+      </p:pic>
+      <p:sp>
+        <p:nvSpPr>
+          <p:cNvPr id="10" name="TextBox 9">
+            <a:extLst>
+              <a:ext uri="{FF2B5EF4-FFF2-40B4-BE49-F238E27FC236}">
+                <a16:creationId xmlns:a16="http://schemas.microsoft.com/office/drawing/2014/main" id="{7B15B3D4-E174-2FBB-ABBF-2F0FCF3D32C9}"/>
+              </a:ext>
+            </a:extLst>
+          </p:cNvPr>
+          <p:cNvSpPr txBox="1"/>
+          <p:nvPr/>
+        </p:nvSpPr>
+        <p:spPr>
+          <a:xfrm>
+            <a:off x="0" y="2629584"/>
+            <a:ext cx="6610752" cy="400110"/>
+          </a:xfrm>
+          <a:prstGeom prst="rect">
+            <a:avLst/>
+          </a:prstGeom>
+          <a:noFill/>
+        </p:spPr>
+        <p:txBody>
+          <a:bodyPr wrap="square" rtlCol="0">
+            <a:spAutoFit/>
+          </a:bodyPr>
+          <a:lstStyle/>
+          <a:p>
+            <a:r>
+              <a:rPr lang="en-US" sz="2000" b="1" dirty="0"/>
+              <a:t>Introduction contextualizes content for each archetype</a:t>
+            </a:r>
+          </a:p>
+        </p:txBody>
+      </p:sp>
+      <p:sp>
+        <p:nvSpPr>
+          <p:cNvPr id="11" name="TextBox 10">
+            <a:extLst>
+              <a:ext uri="{FF2B5EF4-FFF2-40B4-BE49-F238E27FC236}">
+                <a16:creationId xmlns:a16="http://schemas.microsoft.com/office/drawing/2014/main" id="{780B1283-F79A-0EAF-639D-A47CF11F2FF5}"/>
+              </a:ext>
+            </a:extLst>
+          </p:cNvPr>
+          <p:cNvSpPr txBox="1"/>
+          <p:nvPr/>
+        </p:nvSpPr>
+        <p:spPr>
+          <a:xfrm>
+            <a:off x="7384329" y="3025314"/>
+            <a:ext cx="1883849" cy="461665"/>
+          </a:xfrm>
+          <a:prstGeom prst="rect">
+            <a:avLst/>
+          </a:prstGeom>
+          <a:noFill/>
+        </p:spPr>
+        <p:txBody>
+          <a:bodyPr wrap="none" rtlCol="0">
+            <a:spAutoFit/>
+          </a:bodyPr>
+          <a:lstStyle/>
+          <a:p>
+            <a:r>
+              <a:rPr lang="en-US" sz="2400" dirty="0"/>
+              <a:t>Core Content</a:t>
+            </a:r>
+          </a:p>
+        </p:txBody>
+      </p:sp>
+      <p:sp>
+        <p:nvSpPr>
+          <p:cNvPr id="12" name="TextBox 11">
+            <a:extLst>
+              <a:ext uri="{FF2B5EF4-FFF2-40B4-BE49-F238E27FC236}">
+                <a16:creationId xmlns:a16="http://schemas.microsoft.com/office/drawing/2014/main" id="{005F7024-4739-8D5C-9E86-B306157F4D60}"/>
+              </a:ext>
+            </a:extLst>
+          </p:cNvPr>
+          <p:cNvSpPr txBox="1"/>
+          <p:nvPr/>
+        </p:nvSpPr>
+        <p:spPr>
+          <a:xfrm>
+            <a:off x="7087453" y="4260780"/>
+            <a:ext cx="2180725" cy="461665"/>
+          </a:xfrm>
+          <a:prstGeom prst="rect">
+            <a:avLst/>
+          </a:prstGeom>
+          <a:noFill/>
+        </p:spPr>
+        <p:txBody>
+          <a:bodyPr wrap="none" rtlCol="0">
+            <a:spAutoFit/>
+          </a:bodyPr>
+          <a:lstStyle/>
+          <a:p>
+            <a:r>
+              <a:rPr lang="en-US" sz="2400" dirty="0"/>
+              <a:t>Implementation</a:t>
+            </a:r>
+          </a:p>
+        </p:txBody>
+      </p:sp>
+      <p:sp>
+        <p:nvSpPr>
+          <p:cNvPr id="13" name="TextBox 12">
+            <a:extLst>
+              <a:ext uri="{FF2B5EF4-FFF2-40B4-BE49-F238E27FC236}">
+                <a16:creationId xmlns:a16="http://schemas.microsoft.com/office/drawing/2014/main" id="{F5B3552D-D314-086E-9643-FD017B66A114}"/>
+              </a:ext>
+            </a:extLst>
+          </p:cNvPr>
+          <p:cNvSpPr txBox="1"/>
+          <p:nvPr/>
+        </p:nvSpPr>
+        <p:spPr>
+          <a:xfrm>
+            <a:off x="7949868" y="4904121"/>
+            <a:ext cx="1318310" cy="461665"/>
+          </a:xfrm>
+          <a:prstGeom prst="rect">
+            <a:avLst/>
+          </a:prstGeom>
+          <a:noFill/>
+        </p:spPr>
+        <p:txBody>
+          <a:bodyPr wrap="none" rtlCol="0">
+            <a:spAutoFit/>
+          </a:bodyPr>
+          <a:lstStyle/>
+          <a:p>
+            <a:r>
+              <a:rPr lang="en-US" sz="2400" dirty="0"/>
+              <a:t>Citations</a:t>
+            </a:r>
+          </a:p>
+        </p:txBody>
+      </p:sp>
+      <p:sp>
+        <p:nvSpPr>
+          <p:cNvPr id="14" name="TextBox 13">
+            <a:extLst>
+              <a:ext uri="{FF2B5EF4-FFF2-40B4-BE49-F238E27FC236}">
+                <a16:creationId xmlns:a16="http://schemas.microsoft.com/office/drawing/2014/main" id="{35E63DBD-7F3C-F92B-CA7C-71850FEA988B}"/>
+              </a:ext>
+            </a:extLst>
+          </p:cNvPr>
+          <p:cNvSpPr txBox="1"/>
+          <p:nvPr/>
+        </p:nvSpPr>
+        <p:spPr>
+          <a:xfrm>
+            <a:off x="7824385" y="5319216"/>
+            <a:ext cx="1443793" cy="461665"/>
+          </a:xfrm>
+          <a:prstGeom prst="rect">
+            <a:avLst/>
+          </a:prstGeom>
+          <a:noFill/>
+        </p:spPr>
+        <p:txBody>
+          <a:bodyPr wrap="none" rtlCol="0">
+            <a:spAutoFit/>
+          </a:bodyPr>
+          <a:lstStyle/>
+          <a:p>
+            <a:r>
+              <a:rPr lang="en-US" sz="2400" dirty="0"/>
+              <a:t>Dialogues</a:t>
+            </a:r>
+          </a:p>
+        </p:txBody>
+      </p:sp>
+      <p:sp>
+        <p:nvSpPr>
+          <p:cNvPr id="15" name="TextBox 14">
+            <a:extLst>
+              <a:ext uri="{FF2B5EF4-FFF2-40B4-BE49-F238E27FC236}">
+                <a16:creationId xmlns:a16="http://schemas.microsoft.com/office/drawing/2014/main" id="{ECCC09D6-B76A-A36A-0BFE-1061A04F65D1}"/>
+              </a:ext>
+            </a:extLst>
+          </p:cNvPr>
+          <p:cNvSpPr txBox="1"/>
+          <p:nvPr/>
+        </p:nvSpPr>
+        <p:spPr>
+          <a:xfrm>
+            <a:off x="7068731" y="5713624"/>
+            <a:ext cx="2515043" cy="830997"/>
+          </a:xfrm>
+          <a:prstGeom prst="rect">
+            <a:avLst/>
+          </a:prstGeom>
+          <a:noFill/>
+        </p:spPr>
+        <p:txBody>
+          <a:bodyPr wrap="square" rtlCol="0">
+            <a:spAutoFit/>
+          </a:bodyPr>
+          <a:lstStyle/>
+          <a:p>
+            <a:r>
+              <a:rPr lang="en-US" sz="2400" dirty="0"/>
+              <a:t>Classroom Ideas</a:t>
+            </a:r>
+            <a:br>
+              <a:rPr lang="en-US" sz="2400" dirty="0"/>
+            </a:br>
+            <a:endParaRPr lang="en-US" sz="2400" dirty="0"/>
+          </a:p>
+        </p:txBody>
+      </p:sp>
+      <p:sp>
+        <p:nvSpPr>
+          <p:cNvPr id="16" name="TextBox 15">
+            <a:extLst>
+              <a:ext uri="{FF2B5EF4-FFF2-40B4-BE49-F238E27FC236}">
+                <a16:creationId xmlns:a16="http://schemas.microsoft.com/office/drawing/2014/main" id="{3F23D7D3-152A-92EC-F9C6-7173115130AF}"/>
+              </a:ext>
+            </a:extLst>
+          </p:cNvPr>
+          <p:cNvSpPr txBox="1"/>
+          <p:nvPr/>
+        </p:nvSpPr>
+        <p:spPr>
+          <a:xfrm>
+            <a:off x="7824385" y="6082956"/>
+            <a:ext cx="1598932" cy="461665"/>
+          </a:xfrm>
+          <a:prstGeom prst="rect">
+            <a:avLst/>
+          </a:prstGeom>
+          <a:noFill/>
+        </p:spPr>
+        <p:txBody>
+          <a:bodyPr wrap="square" rtlCol="0">
+            <a:spAutoFit/>
+          </a:bodyPr>
+          <a:lstStyle/>
+          <a:p>
+            <a:r>
+              <a:rPr lang="en-US" sz="2400" dirty="0"/>
+              <a:t>Exercises</a:t>
+            </a:r>
+          </a:p>
+        </p:txBody>
+      </p:sp>
+    </p:spTree>
+    <p:extLst>
+      <p:ext uri="{BB962C8B-B14F-4D97-AF65-F5344CB8AC3E}">
+        <p14:creationId xmlns:p14="http://schemas.microsoft.com/office/powerpoint/2010/main" val="1324957898"/>
+      </p:ext>
+    </p:extLst>
+  </p:cSld>
+  <p:clrMapOvr>
+    <a:masterClrMapping/>
+  </p:clrMapOvr>
+</p:sld>
+</file>
+
+<file path=ppt/slides/slide26.xml><?xml version="1.0" encoding="utf-8"?>
+<p:sld xmlns:a="http://schemas.openxmlformats.org/drawingml/2006/main" xmlns:r="http://schemas.openxmlformats.org/officeDocument/2006/relationships" xmlns:p="http://schemas.openxmlformats.org/presentationml/2006/main">
+  <p:cSld>
+    <p:spTree>
+      <p:nvGrpSpPr>
+        <p:cNvPr id="1" name=""/>
+        <p:cNvGrpSpPr/>
+        <p:nvPr/>
+      </p:nvGrpSpPr>
+      <p:grpSpPr>
+        <a:xfrm>
+          <a:off x="0" y="0"/>
+          <a:ext cx="0" cy="0"/>
+          <a:chOff x="0" y="0"/>
+          <a:chExt cx="0" cy="0"/>
+        </a:xfrm>
+      </p:grpSpPr>
+      <p:sp>
+        <p:nvSpPr>
+          <p:cNvPr id="2" name="Title 1">
+            <a:extLst>
+              <a:ext uri="{FF2B5EF4-FFF2-40B4-BE49-F238E27FC236}">
+                <a16:creationId xmlns:a16="http://schemas.microsoft.com/office/drawing/2014/main" id="{713864F7-3532-B716-EB75-229360C1506B}"/>
+              </a:ext>
+            </a:extLst>
+          </p:cNvPr>
+          <p:cNvSpPr>
+            <a:spLocks noGrp="1"/>
+          </p:cNvSpPr>
+          <p:nvPr>
+            <p:ph type="title"/>
+          </p:nvPr>
+        </p:nvSpPr>
+        <p:spPr/>
+        <p:txBody>
+          <a:bodyPr/>
+          <a:lstStyle/>
+          <a:p>
+            <a:r>
+              <a:rPr lang="en-US" dirty="0"/>
+              <a:t>Corpus</a:t>
+            </a:r>
+          </a:p>
+        </p:txBody>
+      </p:sp>
+      <p:sp>
+        <p:nvSpPr>
+          <p:cNvPr id="3" name="Content Placeholder 2">
+            <a:extLst>
+              <a:ext uri="{FF2B5EF4-FFF2-40B4-BE49-F238E27FC236}">
+                <a16:creationId xmlns:a16="http://schemas.microsoft.com/office/drawing/2014/main" id="{4BC10FE7-CFC8-C31E-6FDC-03B181C6BA4A}"/>
+              </a:ext>
+            </a:extLst>
+          </p:cNvPr>
+          <p:cNvSpPr>
+            <a:spLocks noGrp="1"/>
+          </p:cNvSpPr>
+          <p:nvPr>
+            <p:ph idx="1"/>
+          </p:nvPr>
+        </p:nvSpPr>
+        <p:spPr/>
+        <p:txBody>
+          <a:bodyPr/>
+          <a:lstStyle/>
+          <a:p>
+            <a:pPr marL="1944" indent="0">
+              <a:buNone/>
+            </a:pPr>
+            <a:r>
+              <a:rPr lang="en-US" dirty="0"/>
+              <a:t> Course A: Programming Language Design (CS 4536), A-term 2021: </a:t>
+            </a:r>
+            <a:br>
+              <a:rPr lang="en-US" dirty="0"/>
+            </a:br>
+            <a:r>
+              <a:rPr lang="en-US" dirty="0"/>
+              <a:t>14 respondents of 31 students (45%). </a:t>
+            </a:r>
+          </a:p>
+          <a:p>
+            <a:pPr marL="1944" indent="0">
+              <a:buNone/>
+            </a:pPr>
+            <a:r>
+              <a:rPr lang="en-US" dirty="0"/>
+              <a:t>Course B: Introduction to Program Design (CS 1101), A-term 2022: </a:t>
+            </a:r>
+            <a:br>
+              <a:rPr lang="en-US" dirty="0"/>
+            </a:br>
+            <a:r>
+              <a:rPr lang="en-US" dirty="0"/>
+              <a:t>46 respondents of 70 students (66%) </a:t>
+            </a:r>
+            <a:r>
+              <a:rPr lang="en-US" b="1" dirty="0"/>
+              <a:t>(Intro programming, not PL elective)</a:t>
+            </a:r>
+            <a:endParaRPr lang="en-US" dirty="0"/>
+          </a:p>
+          <a:p>
+            <a:pPr marL="1944" indent="0">
+              <a:buNone/>
+            </a:pPr>
+            <a:r>
+              <a:rPr lang="en-US" dirty="0"/>
+              <a:t> Course C: Programming Language Design (CS 536), Spring semester 2023: </a:t>
+            </a:r>
+            <a:br>
+              <a:rPr lang="en-US" dirty="0"/>
+            </a:br>
+            <a:r>
+              <a:rPr lang="en-US" dirty="0"/>
+              <a:t>14 respondents of 16 students (88%). (</a:t>
+            </a:r>
+            <a:r>
+              <a:rPr lang="en-US" b="1" dirty="0"/>
+              <a:t>Uses notes that informed the book)</a:t>
+            </a:r>
+          </a:p>
+          <a:p>
+            <a:pPr marL="1944" indent="0">
+              <a:buNone/>
+            </a:pPr>
+            <a:r>
+              <a:rPr lang="en-US" b="1" dirty="0"/>
+              <a:t>Not analyzed: </a:t>
+            </a:r>
+            <a:r>
+              <a:rPr lang="en-US" dirty="0"/>
+              <a:t>CS 4536 and CS 536 from this semester (</a:t>
+            </a:r>
+            <a:r>
+              <a:rPr lang="en-US" b="1" dirty="0"/>
+              <a:t>uses the full book</a:t>
+            </a:r>
+            <a:r>
+              <a:rPr lang="en-US" dirty="0"/>
+              <a:t>)</a:t>
+            </a:r>
+          </a:p>
+        </p:txBody>
+      </p:sp>
+    </p:spTree>
+    <p:extLst>
+      <p:ext uri="{BB962C8B-B14F-4D97-AF65-F5344CB8AC3E}">
+        <p14:creationId xmlns:p14="http://schemas.microsoft.com/office/powerpoint/2010/main" val="2561559079"/>
+      </p:ext>
+    </p:extLst>
+  </p:cSld>
+  <p:clrMapOvr>
+    <a:masterClrMapping/>
+  </p:clrMapOvr>
+</p:sld>
+</file>
+
+<file path=ppt/slides/slide27.xml><?xml version="1.0" encoding="utf-8"?>
+<p:sld xmlns:a="http://schemas.openxmlformats.org/drawingml/2006/main" xmlns:r="http://schemas.openxmlformats.org/officeDocument/2006/relationships" xmlns:p="http://schemas.openxmlformats.org/presentationml/2006/main">
+  <p:cSld>
+    <p:spTree>
+      <p:nvGrpSpPr>
+        <p:cNvPr id="1" name=""/>
+        <p:cNvGrpSpPr/>
+        <p:nvPr/>
+      </p:nvGrpSpPr>
+      <p:grpSpPr>
+        <a:xfrm>
+          <a:off x="0" y="0"/>
+          <a:ext cx="0" cy="0"/>
+          <a:chOff x="0" y="0"/>
+          <a:chExt cx="0" cy="0"/>
+        </a:xfrm>
+      </p:grpSpPr>
+      <p:sp>
+        <p:nvSpPr>
+          <p:cNvPr id="2" name="Title 1">
+            <a:extLst>
+              <a:ext uri="{FF2B5EF4-FFF2-40B4-BE49-F238E27FC236}">
+                <a16:creationId xmlns:a16="http://schemas.microsoft.com/office/drawing/2014/main" id="{54F1CE25-896D-5655-1646-1CAB313B9314}"/>
+              </a:ext>
+            </a:extLst>
+          </p:cNvPr>
+          <p:cNvSpPr>
+            <a:spLocks noGrp="1"/>
+          </p:cNvSpPr>
+          <p:nvPr>
+            <p:ph type="title"/>
+          </p:nvPr>
+        </p:nvSpPr>
+        <p:spPr/>
+        <p:txBody>
+          <a:bodyPr/>
+          <a:lstStyle/>
+          <a:p>
+            <a:r>
+              <a:rPr lang="en-US" dirty="0"/>
+              <a:t>Methodology</a:t>
+            </a:r>
+          </a:p>
+        </p:txBody>
+      </p:sp>
+      <p:sp>
+        <p:nvSpPr>
+          <p:cNvPr id="3" name="Content Placeholder 2">
+            <a:extLst>
+              <a:ext uri="{FF2B5EF4-FFF2-40B4-BE49-F238E27FC236}">
+                <a16:creationId xmlns:a16="http://schemas.microsoft.com/office/drawing/2014/main" id="{6E264B8B-C8BE-F74F-BDD8-83F4381FEE01}"/>
+              </a:ext>
+            </a:extLst>
+          </p:cNvPr>
+          <p:cNvSpPr>
+            <a:spLocks noGrp="1"/>
+          </p:cNvSpPr>
+          <p:nvPr>
+            <p:ph idx="1"/>
+          </p:nvPr>
+        </p:nvSpPr>
+        <p:spPr>
+          <a:xfrm>
+            <a:off x="448056" y="1735200"/>
+            <a:ext cx="11293200" cy="1489263"/>
+          </a:xfrm>
+        </p:spPr>
+        <p:txBody>
+          <a:bodyPr/>
+          <a:lstStyle/>
+          <a:p>
+            <a:r>
+              <a:rPr lang="en-US" dirty="0"/>
+              <a:t>Thematic analysis of course evaluations for Course A and Course C </a:t>
+            </a:r>
+            <a:br>
+              <a:rPr lang="en-US" dirty="0"/>
+            </a:br>
+            <a:r>
+              <a:rPr lang="en-US" dirty="0"/>
+              <a:t>(i.e., qualitative coding of written responses; identify themes among codes)</a:t>
+            </a:r>
+          </a:p>
+          <a:p>
+            <a:r>
+              <a:rPr lang="en-US" dirty="0"/>
+              <a:t>Limited qualitative coding for Course B</a:t>
+            </a:r>
+          </a:p>
+          <a:p>
+            <a:pPr marL="1944" indent="0">
+              <a:buNone/>
+            </a:pPr>
+            <a:endParaRPr lang="en-US" dirty="0"/>
+          </a:p>
+        </p:txBody>
+      </p:sp>
+      <p:sp>
+        <p:nvSpPr>
+          <p:cNvPr id="4" name="Content Placeholder 2">
+            <a:extLst>
+              <a:ext uri="{FF2B5EF4-FFF2-40B4-BE49-F238E27FC236}">
+                <a16:creationId xmlns:a16="http://schemas.microsoft.com/office/drawing/2014/main" id="{62ED0320-AF6E-F572-180F-3B58C17653CA}"/>
+              </a:ext>
+            </a:extLst>
+          </p:cNvPr>
+          <p:cNvSpPr txBox="1">
+            <a:spLocks/>
+          </p:cNvSpPr>
+          <p:nvPr/>
+        </p:nvSpPr>
+        <p:spPr>
+          <a:xfrm>
+            <a:off x="163629" y="3224464"/>
+            <a:ext cx="11752447" cy="3137836"/>
+          </a:xfrm>
+          <a:prstGeom prst="rect">
+            <a:avLst/>
+          </a:prstGeom>
+        </p:spPr>
+        <p:txBody>
+          <a:bodyPr vert="horz" wrap="square" lIns="0" tIns="0" rIns="91440" bIns="0" rtlCol="0">
+            <a:normAutofit/>
+          </a:bodyPr>
+          <a:lstStyle>
+            <a:lvl1pPr marL="450000" indent="-448056" algn="l" defTabSz="914400" rtl="0" eaLnBrk="1" latinLnBrk="0" hangingPunct="1">
+              <a:lnSpc>
+                <a:spcPct val="120000"/>
+              </a:lnSpc>
+              <a:spcBef>
+                <a:spcPts val="1000"/>
+              </a:spcBef>
+              <a:buFont typeface="Calibri Light" panose="020F0302020204030204" pitchFamily="34" charset="0"/>
+              <a:buChar char="→"/>
+              <a:defRPr sz="2200" kern="1200">
+                <a:solidFill>
+                  <a:srgbClr val="FFFFFF"/>
+                </a:solidFill>
+                <a:latin typeface="+mn-lt"/>
+                <a:ea typeface="+mn-ea"/>
+                <a:cs typeface="+mn-cs"/>
+              </a:defRPr>
+            </a:lvl1pPr>
+            <a:lvl2pPr marL="900000" indent="-448056" algn="l" defTabSz="914400" rtl="0" eaLnBrk="1" latinLnBrk="0" hangingPunct="1">
+              <a:lnSpc>
+                <a:spcPct val="120000"/>
+              </a:lnSpc>
+              <a:spcBef>
+                <a:spcPts val="500"/>
+              </a:spcBef>
+              <a:buFont typeface="Calibri Light" panose="020F0302020204030204" pitchFamily="34" charset="0"/>
+              <a:buChar char="→"/>
+              <a:defRPr sz="2200" kern="1200">
+                <a:solidFill>
+                  <a:srgbClr val="FFFFFF"/>
+                </a:solidFill>
+                <a:latin typeface="+mn-lt"/>
+                <a:ea typeface="+mn-ea"/>
+                <a:cs typeface="+mn-cs"/>
+              </a:defRPr>
+            </a:lvl2pPr>
+            <a:lvl3pPr marL="1350000" indent="-448056" algn="l" defTabSz="914400" rtl="0" eaLnBrk="1" latinLnBrk="0" hangingPunct="1">
+              <a:lnSpc>
+                <a:spcPct val="120000"/>
+              </a:lnSpc>
+              <a:spcBef>
+                <a:spcPts val="500"/>
+              </a:spcBef>
+              <a:buFont typeface="Calibri Light" panose="020F0302020204030204" pitchFamily="34" charset="0"/>
+              <a:buChar char="→"/>
+              <a:defRPr sz="2200" kern="1200">
+                <a:solidFill>
+                  <a:srgbClr val="FFFFFF"/>
+                </a:solidFill>
+                <a:latin typeface="+mn-lt"/>
+                <a:ea typeface="+mn-ea"/>
+                <a:cs typeface="+mn-cs"/>
+              </a:defRPr>
+            </a:lvl3pPr>
+            <a:lvl4pPr marL="1800000" indent="-448056" algn="l" defTabSz="914400" rtl="0" eaLnBrk="1" latinLnBrk="0" hangingPunct="1">
+              <a:lnSpc>
+                <a:spcPct val="120000"/>
+              </a:lnSpc>
+              <a:spcBef>
+                <a:spcPts val="500"/>
+              </a:spcBef>
+              <a:buFont typeface="Calibri Light" panose="020F0302020204030204" pitchFamily="34" charset="0"/>
+              <a:buChar char="→"/>
+              <a:defRPr sz="2200" kern="1200">
+                <a:solidFill>
+                  <a:srgbClr val="FFFFFF"/>
+                </a:solidFill>
+                <a:latin typeface="+mn-lt"/>
+                <a:ea typeface="+mn-ea"/>
+                <a:cs typeface="+mn-cs"/>
+              </a:defRPr>
+            </a:lvl4pPr>
+            <a:lvl5pPr marL="2250000" indent="-448056" algn="l" defTabSz="914400" rtl="0" eaLnBrk="1" latinLnBrk="0" hangingPunct="1">
+              <a:lnSpc>
+                <a:spcPct val="120000"/>
+              </a:lnSpc>
+              <a:spcBef>
+                <a:spcPts val="500"/>
+              </a:spcBef>
+              <a:buFont typeface="Calibri Light" panose="020F0302020204030204" pitchFamily="34" charset="0"/>
+              <a:buChar char="→"/>
+              <a:defRPr sz="2200" kern="1200">
+                <a:solidFill>
+                  <a:srgbClr val="FFFFFF"/>
+                </a:solidFill>
+                <a:latin typeface="+mn-lt"/>
+                <a:ea typeface="+mn-ea"/>
+                <a:cs typeface="+mn-cs"/>
+              </a:defRPr>
+            </a:lvl5pPr>
+            <a:lvl6pPr marL="2514600" indent="-228600" algn="l" defTabSz="914400" rtl="0" eaLnBrk="1" latinLnBrk="0" hangingPunct="1">
+              <a:lnSpc>
+                <a:spcPct val="90000"/>
+              </a:lnSpc>
+              <a:spcBef>
+                <a:spcPts val="500"/>
+              </a:spcBef>
+              <a:buFont typeface="Arial" panose="020B0604020202020204" pitchFamily="34" charset="0"/>
+              <a:buChar char="•"/>
+              <a:defRPr sz="1800" kern="1200">
+                <a:solidFill>
+                  <a:schemeClr val="tx1"/>
+                </a:solidFill>
+                <a:latin typeface="+mn-lt"/>
+                <a:ea typeface="+mn-ea"/>
+                <a:cs typeface="+mn-cs"/>
+              </a:defRPr>
+            </a:lvl6pPr>
+            <a:lvl7pPr marL="2971800" indent="-228600" algn="l" defTabSz="914400" rtl="0" eaLnBrk="1" latinLnBrk="0" hangingPunct="1">
+              <a:lnSpc>
+                <a:spcPct val="90000"/>
+              </a:lnSpc>
+              <a:spcBef>
+                <a:spcPts val="500"/>
+              </a:spcBef>
+              <a:buFont typeface="Arial" panose="020B0604020202020204" pitchFamily="34" charset="0"/>
+              <a:buChar char="•"/>
+              <a:defRPr sz="1800" kern="1200">
+                <a:solidFill>
+                  <a:schemeClr val="tx1"/>
+                </a:solidFill>
+                <a:latin typeface="+mn-lt"/>
+                <a:ea typeface="+mn-ea"/>
+                <a:cs typeface="+mn-cs"/>
+              </a:defRPr>
+            </a:lvl7pPr>
+            <a:lvl8pPr marL="3429000" indent="-228600" algn="l" defTabSz="914400" rtl="0" eaLnBrk="1" latinLnBrk="0" hangingPunct="1">
+              <a:lnSpc>
+                <a:spcPct val="90000"/>
+              </a:lnSpc>
+              <a:spcBef>
+                <a:spcPts val="500"/>
+              </a:spcBef>
+              <a:buFont typeface="Arial" panose="020B0604020202020204" pitchFamily="34" charset="0"/>
+              <a:buChar char="•"/>
+              <a:defRPr sz="1800" kern="1200">
+                <a:solidFill>
+                  <a:schemeClr val="tx1"/>
+                </a:solidFill>
+                <a:latin typeface="+mn-lt"/>
+                <a:ea typeface="+mn-ea"/>
+                <a:cs typeface="+mn-cs"/>
+              </a:defRPr>
+            </a:lvl8pPr>
+            <a:lvl9pPr marL="3886200" indent="-228600" algn="l" defTabSz="914400" rtl="0" eaLnBrk="1" latinLnBrk="0" hangingPunct="1">
+              <a:lnSpc>
+                <a:spcPct val="90000"/>
+              </a:lnSpc>
+              <a:spcBef>
+                <a:spcPts val="500"/>
+              </a:spcBef>
+              <a:buFont typeface="Arial" panose="020B0604020202020204" pitchFamily="34" charset="0"/>
+              <a:buChar char="•"/>
+              <a:defRPr sz="1800" kern="1200">
+                <a:solidFill>
+                  <a:schemeClr val="tx1"/>
+                </a:solidFill>
+                <a:latin typeface="+mn-lt"/>
+                <a:ea typeface="+mn-ea"/>
+                <a:cs typeface="+mn-cs"/>
+              </a:defRPr>
+            </a:lvl9pPr>
+          </a:lstStyle>
+          <a:p>
+            <a:pPr marL="1944" indent="0">
               <a:buFont typeface="Calibri Light" panose="020F0302020204030204" pitchFamily="34" charset="0"/>
               <a:buNone/>
             </a:pPr>
@@ -9235,6 +8371,185 @@
     <p:extLst>
       <p:ext uri="{BB962C8B-B14F-4D97-AF65-F5344CB8AC3E}">
         <p14:creationId xmlns:p14="http://schemas.microsoft.com/office/powerpoint/2010/main" val="2939165166"/>
+      </p:ext>
+    </p:extLst>
+  </p:cSld>
+  <p:clrMapOvr>
+    <a:masterClrMapping/>
+  </p:clrMapOvr>
+</p:sld>
+</file>
+
+<file path=ppt/slides/slide28.xml><?xml version="1.0" encoding="utf-8"?>
+<p:sld xmlns:a="http://schemas.openxmlformats.org/drawingml/2006/main" xmlns:r="http://schemas.openxmlformats.org/officeDocument/2006/relationships" xmlns:p="http://schemas.openxmlformats.org/presentationml/2006/main">
+  <p:cSld>
+    <p:spTree>
+      <p:nvGrpSpPr>
+        <p:cNvPr id="1" name=""/>
+        <p:cNvGrpSpPr/>
+        <p:nvPr/>
+      </p:nvGrpSpPr>
+      <p:grpSpPr>
+        <a:xfrm>
+          <a:off x="0" y="0"/>
+          <a:ext cx="0" cy="0"/>
+          <a:chOff x="0" y="0"/>
+          <a:chExt cx="0" cy="0"/>
+        </a:xfrm>
+      </p:grpSpPr>
+      <p:sp>
+        <p:nvSpPr>
+          <p:cNvPr id="2" name="Title 1">
+            <a:extLst>
+              <a:ext uri="{FF2B5EF4-FFF2-40B4-BE49-F238E27FC236}">
+                <a16:creationId xmlns:a16="http://schemas.microsoft.com/office/drawing/2014/main" id="{1F13D881-B68E-A8CA-25B1-CA5444FD8CCA}"/>
+              </a:ext>
+            </a:extLst>
+          </p:cNvPr>
+          <p:cNvSpPr>
+            <a:spLocks noGrp="1"/>
+          </p:cNvSpPr>
+          <p:nvPr>
+            <p:ph type="title"/>
+          </p:nvPr>
+        </p:nvSpPr>
+        <p:spPr/>
+        <p:txBody>
+          <a:bodyPr/>
+          <a:lstStyle/>
+          <a:p>
+            <a:r>
+              <a:rPr lang="en-US" dirty="0"/>
+              <a:t>Results</a:t>
+            </a:r>
+          </a:p>
+        </p:txBody>
+      </p:sp>
+      <p:sp>
+        <p:nvSpPr>
+          <p:cNvPr id="3" name="Content Placeholder 2">
+            <a:extLst>
+              <a:ext uri="{FF2B5EF4-FFF2-40B4-BE49-F238E27FC236}">
+                <a16:creationId xmlns:a16="http://schemas.microsoft.com/office/drawing/2014/main" id="{D65BEE61-5A30-6655-3583-04B9A2F3F4ED}"/>
+              </a:ext>
+            </a:extLst>
+          </p:cNvPr>
+          <p:cNvSpPr>
+            <a:spLocks noGrp="1"/>
+          </p:cNvSpPr>
+          <p:nvPr>
+            <p:ph idx="1"/>
+          </p:nvPr>
+        </p:nvSpPr>
+        <p:spPr/>
+        <p:txBody>
+          <a:bodyPr>
+            <a:normAutofit/>
+          </a:bodyPr>
+          <a:lstStyle/>
+          <a:p>
+            <a:pPr marL="1944" indent="0">
+              <a:buNone/>
+            </a:pPr>
+            <a:r>
+              <a:rPr lang="en-US" b="1" dirty="0" err="1"/>
+              <a:t>Ungrading</a:t>
+            </a:r>
+            <a:r>
+              <a:rPr lang="en-US" b="1" dirty="0"/>
+              <a:t> (C)</a:t>
+            </a:r>
+            <a:r>
+              <a:rPr lang="en-US" dirty="0"/>
+              <a:t>: </a:t>
+            </a:r>
+            <a:endParaRPr lang="en-US" b="1" dirty="0"/>
+          </a:p>
+          <a:p>
+            <a:pPr lvl="1"/>
+            <a:r>
+              <a:rPr lang="en-US" b="1" dirty="0"/>
+              <a:t>Self-direction improved motivation, learning (x4)</a:t>
+            </a:r>
+          </a:p>
+          <a:p>
+            <a:pPr lvl="1"/>
+            <a:r>
+              <a:rPr lang="en-US" b="1" dirty="0"/>
+              <a:t>Reduced stress (x2)</a:t>
+            </a:r>
+          </a:p>
+          <a:p>
+            <a:pPr lvl="1"/>
+            <a:r>
+              <a:rPr lang="en-US" b="1" dirty="0"/>
+              <a:t>Rigor concerns (x1)</a:t>
+            </a:r>
+          </a:p>
+          <a:p>
+            <a:pPr marL="1944" indent="0">
+              <a:buNone/>
+            </a:pPr>
+            <a:r>
+              <a:rPr lang="en-US" b="1" dirty="0"/>
+              <a:t>Delivery</a:t>
+            </a:r>
+            <a:r>
+              <a:rPr lang="en-US" dirty="0"/>
+              <a:t> (A+C): Needed proper slides (x5)</a:t>
+            </a:r>
+            <a:endParaRPr lang="en-US" b="1" dirty="0"/>
+          </a:p>
+          <a:p>
+            <a:pPr marL="1944" indent="0">
+              <a:buNone/>
+            </a:pPr>
+            <a:r>
+              <a:rPr lang="en-US" b="1" dirty="0"/>
+              <a:t>Social Issues </a:t>
+            </a:r>
+            <a:r>
+              <a:rPr lang="en-US" dirty="0"/>
+              <a:t>(C): Appreciated (x1); Perceived as divisive (x3)</a:t>
+            </a:r>
+            <a:endParaRPr lang="en-US" b="1" dirty="0"/>
+          </a:p>
+          <a:p>
+            <a:pPr marL="1944" indent="0">
+              <a:buNone/>
+            </a:pPr>
+            <a:r>
+              <a:rPr lang="en-US" b="1" dirty="0"/>
+              <a:t>Language Choice </a:t>
+            </a:r>
+            <a:r>
+              <a:rPr lang="en-US" dirty="0"/>
+              <a:t>(B)</a:t>
+            </a:r>
+            <a:r>
+              <a:rPr lang="en-US" b="1" dirty="0"/>
+              <a:t>:  11/26 </a:t>
+            </a:r>
+            <a:r>
+              <a:rPr lang="en-US" dirty="0"/>
+              <a:t>mentioned language choice, all 11 opposed Racket</a:t>
+            </a:r>
+          </a:p>
+          <a:p>
+            <a:pPr marL="1944" indent="0">
+              <a:buNone/>
+            </a:pPr>
+            <a:endParaRPr lang="en-US" dirty="0"/>
+          </a:p>
+          <a:p>
+            <a:endParaRPr lang="en-US" dirty="0"/>
+          </a:p>
+        </p:txBody>
+      </p:sp>
+    </p:spTree>
+    <p:extLst>
+      <p:ext uri="{BB962C8B-B14F-4D97-AF65-F5344CB8AC3E}">
+        <p14:creationId xmlns:p14="http://schemas.microsoft.com/office/powerpoint/2010/main" val="912205658"/>
       </p:ext>
     </p:extLst>
   </p:cSld>
@@ -9266,7 +8581,7 @@
           <p:cNvPr id="2" name="Title 1">
             <a:extLst>
               <a:ext uri="{FF2B5EF4-FFF2-40B4-BE49-F238E27FC236}">
-                <a16:creationId xmlns:a16="http://schemas.microsoft.com/office/drawing/2014/main" id="{1F13D881-B68E-A8CA-25B1-CA5444FD8CCA}"/>
+                <a16:creationId xmlns:a16="http://schemas.microsoft.com/office/drawing/2014/main" id="{D47B53A7-C1FC-FA53-EC8B-2A933759DD5D}"/>
               </a:ext>
             </a:extLst>
           </p:cNvPr>
@@ -9284,7 +8599,7 @@
           <a:p>
             <a:r>
               <a:rPr lang="en-US" dirty="0"/>
-              <a:t>Results</a:t>
+              <a:t>Revisions</a:t>
             </a:r>
           </a:p>
         </p:txBody>
@@ -9294,7 +8609,7 @@
           <p:cNvPr id="3" name="Content Placeholder 2">
             <a:extLst>
               <a:ext uri="{FF2B5EF4-FFF2-40B4-BE49-F238E27FC236}">
-                <a16:creationId xmlns:a16="http://schemas.microsoft.com/office/drawing/2014/main" id="{D65BEE61-5A30-6655-3583-04B9A2F3F4ED}"/>
+                <a16:creationId xmlns:a16="http://schemas.microsoft.com/office/drawing/2014/main" id="{EF7F457D-8986-F241-D599-FA556EA3911D}"/>
               </a:ext>
             </a:extLst>
           </p:cNvPr>
@@ -9307,113 +8622,74 @@
         </p:nvSpPr>
         <p:spPr/>
         <p:txBody>
-          <a:bodyPr>
-            <a:normAutofit/>
-          </a:bodyPr>
-          <a:lstStyle/>
+          <a:bodyPr/>
+          <a:lstStyle/>
+          <a:p>
+            <a:r>
+              <a:rPr lang="en-US" dirty="0"/>
+              <a:t>Based on student recommendations, comprehensive set of slides were developed</a:t>
+            </a:r>
+          </a:p>
+          <a:p>
+            <a:r>
+              <a:rPr lang="en-US" dirty="0"/>
+              <a:t>Based on student recommendations, revised grading scheme to blend </a:t>
+            </a:r>
+            <a:r>
+              <a:rPr lang="en-US" dirty="0" err="1"/>
+              <a:t>autograding</a:t>
+            </a:r>
+            <a:r>
+              <a:rPr lang="en-US" dirty="0"/>
+              <a:t> and ungraded activities</a:t>
+            </a:r>
+          </a:p>
           <a:p>
             <a:pPr marL="1944" indent="0">
               <a:buNone/>
             </a:pPr>
             <a:r>
+              <a:rPr lang="en-US" b="1" dirty="0"/>
+              <a:t>All slides, assignments, </a:t>
+            </a:r>
+            <a:r>
               <a:rPr lang="en-US" b="1" dirty="0" err="1"/>
-              <a:t>Ungrading</a:t>
+              <a:t>autograders</a:t>
             </a:r>
             <a:r>
               <a:rPr lang="en-US" b="1" dirty="0"/>
-              <a:t> (C)</a:t>
-            </a:r>
-            <a:r>
-              <a:rPr lang="en-US" dirty="0"/>
-              <a:t>: </a:t>
-            </a:r>
-            <a:endParaRPr lang="en-US" b="1" dirty="0"/>
-          </a:p>
-          <a:p>
-            <a:pPr lvl="1"/>
-            <a:r>
-              <a:rPr lang="en-US" b="1" dirty="0"/>
-              <a:t>Self-direction improved motivation, learning (x4)</a:t>
-            </a:r>
-          </a:p>
-          <a:p>
-            <a:pPr lvl="1"/>
-            <a:r>
-              <a:rPr lang="en-US" b="1" dirty="0"/>
-              <a:t>Reduced stress (x2)</a:t>
-            </a:r>
-          </a:p>
-          <a:p>
-            <a:pPr lvl="1"/>
-            <a:r>
-              <a:rPr lang="en-US" b="1" dirty="0"/>
-              <a:t>Rigor concerns (x1)</a:t>
-            </a:r>
+              <a:t> </a:t>
+            </a:r>
+            <a:r>
+              <a:rPr lang="en-US" dirty="0"/>
+              <a:t>are available for reuse on GitHub:</a:t>
+            </a:r>
+            <a:br>
+              <a:rPr lang="en-US" dirty="0"/>
+            </a:br>
+            <a:r>
+              <a:rPr lang="en-US" dirty="0">
+                <a:hlinkClick r:id="rId2"/>
+              </a:rPr>
+              <a:t>https://github.com/rbohrer/pl-course</a:t>
+            </a:r>
+            <a:endParaRPr lang="en-US" dirty="0"/>
           </a:p>
           <a:p>
             <a:pPr marL="1944" indent="0">
               <a:buNone/>
             </a:pPr>
             <a:r>
-              <a:rPr lang="en-US" b="1" dirty="0"/>
-              <a:t>Delivery</a:t>
-            </a:r>
-            <a:r>
-              <a:rPr lang="en-US" dirty="0"/>
-              <a:t> (A+C): Needed proper slides (x5)</a:t>
-            </a:r>
-            <a:endParaRPr lang="en-US" b="1" dirty="0"/>
-          </a:p>
-          <a:p>
-            <a:pPr marL="1944" indent="0">
-              <a:buNone/>
-            </a:pPr>
-            <a:r>
-              <a:rPr lang="en-US" b="1" dirty="0"/>
-              <a:t>Social Issues </a:t>
-            </a:r>
-            <a:r>
-              <a:rPr lang="en-US" dirty="0"/>
-              <a:t>(C): Appreciated (x1); Perceived as divisive (x3)</a:t>
-            </a:r>
-            <a:endParaRPr lang="en-US" b="1" dirty="0"/>
-          </a:p>
-          <a:p>
-            <a:pPr marL="1944" indent="0">
-              <a:buNone/>
-            </a:pPr>
-            <a:r>
-              <a:rPr lang="en-US" b="1" dirty="0"/>
-              <a:t>Language Choice </a:t>
-            </a:r>
-            <a:r>
-              <a:rPr lang="en-US" dirty="0"/>
-              <a:t>(B)</a:t>
-            </a:r>
-            <a:r>
-              <a:rPr lang="en-US" b="1" dirty="0"/>
-              <a:t>:  11/26 </a:t>
-            </a:r>
-            <a:r>
-              <a:rPr lang="en-US" dirty="0"/>
-              <a:t>mentioned language choice, all 11 opposed Racket</a:t>
-            </a:r>
-          </a:p>
-          <a:p>
-            <a:pPr marL="1944" indent="0">
-              <a:buNone/>
-            </a:pPr>
-            <a:endParaRPr lang="en-US" dirty="0"/>
-          </a:p>
-          <a:p>
-            <a:endParaRPr lang="en-US" dirty="0"/>
+              <a:rPr lang="en-US" dirty="0"/>
+              <a:t>Open education: Creating course materials takes time; let’s save each other work </a:t>
+            </a:r>
           </a:p>
         </p:txBody>
       </p:sp>
     </p:spTree>
     <p:extLst>
       <p:ext uri="{BB962C8B-B14F-4D97-AF65-F5344CB8AC3E}">
-        <p14:creationId xmlns:p14="http://schemas.microsoft.com/office/powerpoint/2010/main" val="912205658"/>
+        <p14:creationId xmlns:p14="http://schemas.microsoft.com/office/powerpoint/2010/main" val="2760556176"/>
       </p:ext>
     </p:extLst>
   </p:cSld>
@@ -9445,7 +8721,7 @@
           <p:cNvPr id="2" name="Title 1">
             <a:extLst>
               <a:ext uri="{FF2B5EF4-FFF2-40B4-BE49-F238E27FC236}">
-                <a16:creationId xmlns:a16="http://schemas.microsoft.com/office/drawing/2014/main" id="{79BF123F-C43C-DEAD-04B2-6587E6E7E79C}"/>
+                <a16:creationId xmlns:a16="http://schemas.microsoft.com/office/drawing/2014/main" id="{13E4B54B-E65B-9DE9-8063-AC106931FDE5}"/>
               </a:ext>
             </a:extLst>
           </p:cNvPr>
@@ -9463,7 +8739,7 @@
           <a:p>
             <a:r>
               <a:rPr lang="en-US" dirty="0"/>
-              <a:t>Section: Introduction</a:t>
+              <a:t>Introduction: What</a:t>
             </a:r>
           </a:p>
         </p:txBody>
@@ -9473,7 +8749,7 @@
           <p:cNvPr id="3" name="Content Placeholder 2">
             <a:extLst>
               <a:ext uri="{FF2B5EF4-FFF2-40B4-BE49-F238E27FC236}">
-                <a16:creationId xmlns:a16="http://schemas.microsoft.com/office/drawing/2014/main" id="{A01E111B-C080-BE7E-1EBF-3995ABA4FC2B}"/>
+                <a16:creationId xmlns:a16="http://schemas.microsoft.com/office/drawing/2014/main" id="{D0BDE7AD-2CC9-533E-F6DC-4C66FCA12935}"/>
               </a:ext>
             </a:extLst>
           </p:cNvPr>
@@ -9484,11 +8760,104 @@
             <p:ph idx="1"/>
           </p:nvPr>
         </p:nvSpPr>
-        <p:spPr/>
-        <p:txBody>
-          <a:bodyPr/>
-          <a:lstStyle/>
-          <a:p>
+        <p:spPr>
+          <a:xfrm>
+            <a:off x="448056" y="1735200"/>
+            <a:ext cx="11293200" cy="4453844"/>
+          </a:xfrm>
+        </p:spPr>
+        <p:txBody>
+          <a:bodyPr>
+            <a:normAutofit/>
+          </a:bodyPr>
+          <a:lstStyle/>
+          <a:p>
+            <a:pPr marL="1944" indent="0">
+              <a:buNone/>
+            </a:pPr>
+            <a:r>
+              <a:rPr lang="en-US" dirty="0"/>
+              <a:t>This work presents the research and design processes behind the development of</a:t>
+            </a:r>
+            <a:br>
+              <a:rPr lang="en-US" dirty="0"/>
+            </a:br>
+            <a:r>
+              <a:rPr lang="en-US" dirty="0"/>
+              <a:t>“Human-Centered Programming Languages”:</a:t>
+            </a:r>
+          </a:p>
+          <a:p>
+            <a:pPr marL="1944" indent="0">
+              <a:buNone/>
+            </a:pPr>
+            <a:r>
+              <a:rPr lang="en-US" dirty="0"/>
+              <a:t>A new open-access textbook and accompanying course for upper-level undergraduate programming languages courses directed at Computer Science majors</a:t>
+            </a:r>
+          </a:p>
+          <a:p>
+            <a:pPr marL="1944" indent="0">
+              <a:buNone/>
+            </a:pPr>
+            <a:r>
+              <a:rPr lang="en-US" b="1" dirty="0"/>
+              <a:t>Contribution:</a:t>
+            </a:r>
+            <a:r>
+              <a:rPr lang="en-US" dirty="0"/>
+              <a:t> This book is the first truly interdisciplinary book (+course) of its kind, placing shared emphasis on programming language theory and human-centered computing</a:t>
+            </a:r>
+          </a:p>
+          <a:p>
+            <a:pPr marL="1944" indent="0">
+              <a:buNone/>
+            </a:pPr>
+            <a:r>
+              <a:rPr lang="en-US" b="1" dirty="0"/>
+              <a:t>Scale: </a:t>
+            </a:r>
+            <a:r>
+              <a:rPr lang="en-US" dirty="0"/>
+              <a:t>20 chapters, roughly 100k words, prints as ~600 pages</a:t>
+            </a:r>
+          </a:p>
+          <a:p>
+            <a:pPr marL="1944" indent="0">
+              <a:buNone/>
+            </a:pPr>
+            <a:r>
+              <a:rPr lang="en-US" dirty="0"/>
+              <a:t>Read: </a:t>
+            </a:r>
+            <a:r>
+              <a:rPr lang="en-US" dirty="0">
+                <a:hlinkClick r:id="rId2"/>
+              </a:rPr>
+              <a:t>https://bookish.press/hcpl</a:t>
+            </a:r>
+            <a:r>
+              <a:rPr lang="en-US" dirty="0"/>
+              <a:t>  Open course materials!: </a:t>
+            </a:r>
+            <a:r>
+              <a:rPr lang="en-US" dirty="0">
+                <a:hlinkClick r:id="rId3"/>
+              </a:rPr>
+              <a:t>https://github.com/rbohrer/pl-course</a:t>
+            </a:r>
+            <a:endParaRPr lang="en-US" dirty="0"/>
+          </a:p>
+          <a:p>
+            <a:pPr marL="1944" indent="0">
+              <a:buNone/>
+            </a:pPr>
+            <a:endParaRPr lang="en-US" dirty="0"/>
+          </a:p>
+          <a:p>
+            <a:pPr marL="1944" indent="0">
+              <a:buNone/>
+            </a:pPr>
             <a:endParaRPr lang="en-US" dirty="0"/>
           </a:p>
         </p:txBody>
@@ -9496,7 +8865,7 @@
     </p:spTree>
     <p:extLst>
       <p:ext uri="{BB962C8B-B14F-4D97-AF65-F5344CB8AC3E}">
-        <p14:creationId xmlns:p14="http://schemas.microsoft.com/office/powerpoint/2010/main" val="3335115635"/>
+        <p14:creationId xmlns:p14="http://schemas.microsoft.com/office/powerpoint/2010/main" val="952319491"/>
       </p:ext>
     </p:extLst>
   </p:cSld>
@@ -9528,7 +8897,7 @@
           <p:cNvPr id="2" name="Title 1">
             <a:extLst>
               <a:ext uri="{FF2B5EF4-FFF2-40B4-BE49-F238E27FC236}">
-                <a16:creationId xmlns:a16="http://schemas.microsoft.com/office/drawing/2014/main" id="{D47B53A7-C1FC-FA53-EC8B-2A933759DD5D}"/>
+                <a16:creationId xmlns:a16="http://schemas.microsoft.com/office/drawing/2014/main" id="{5618E82D-31C2-B8C9-FA32-4B270DCD748B}"/>
               </a:ext>
             </a:extLst>
           </p:cNvPr>
@@ -9546,7 +8915,7 @@
           <a:p>
             <a:r>
               <a:rPr lang="en-US" dirty="0"/>
-              <a:t>Revisions</a:t>
+              <a:t>Gender Bias</a:t>
             </a:r>
           </a:p>
         </p:txBody>
@@ -9556,7 +8925,7 @@
           <p:cNvPr id="3" name="Content Placeholder 2">
             <a:extLst>
               <a:ext uri="{FF2B5EF4-FFF2-40B4-BE49-F238E27FC236}">
-                <a16:creationId xmlns:a16="http://schemas.microsoft.com/office/drawing/2014/main" id="{EF7F457D-8986-F241-D599-FA556EA3911D}"/>
+                <a16:creationId xmlns:a16="http://schemas.microsoft.com/office/drawing/2014/main" id="{A56BCAEB-3D7A-B22C-A168-83B54273A765}"/>
               </a:ext>
             </a:extLst>
           </p:cNvPr>
@@ -9569,66 +8938,32 @@
         </p:nvSpPr>
         <p:spPr/>
         <p:txBody>
-          <a:bodyPr/>
-          <a:lstStyle/>
-          <a:p>
-            <a:r>
-              <a:rPr lang="en-US" dirty="0"/>
-              <a:t>Based on student recommendations, comprehensive set of slides were developed</a:t>
-            </a:r>
-          </a:p>
-          <a:p>
-            <a:r>
-              <a:rPr lang="en-US" dirty="0"/>
-              <a:t>Based on student recommendations, revised grading scheme to blend </a:t>
-            </a:r>
-            <a:r>
-              <a:rPr lang="en-US" dirty="0" err="1"/>
-              <a:t>autograding</a:t>
-            </a:r>
-            <a:r>
-              <a:rPr lang="en-US" dirty="0"/>
-              <a:t> and ungraded activities</a:t>
-            </a:r>
-          </a:p>
-          <a:p>
-            <a:pPr marL="1944" indent="0">
-              <a:buNone/>
-            </a:pPr>
-            <a:r>
-              <a:rPr lang="en-US" b="1" dirty="0"/>
-              <a:t>All slides, assignments, </a:t>
-            </a:r>
-            <a:r>
-              <a:rPr lang="en-US" b="1" dirty="0" err="1"/>
-              <a:t>autograders</a:t>
-            </a:r>
-            <a:r>
-              <a:rPr lang="en-US" b="1" dirty="0"/>
-              <a:t> </a:t>
-            </a:r>
-            <a:r>
-              <a:rPr lang="en-US" dirty="0"/>
-              <a:t>are available for reuse on GitHub:</a:t>
-            </a:r>
-            <a:br>
-              <a:rPr lang="en-US" dirty="0"/>
-            </a:br>
-            <a:r>
-              <a:rPr lang="en-US" dirty="0">
-                <a:hlinkClick r:id="rId2"/>
-              </a:rPr>
-              <a:t>https://github.com/rbohrer/pl-course</a:t>
-            </a:r>
-            <a:endParaRPr lang="en-US" dirty="0"/>
-          </a:p>
-          <a:p>
-            <a:pPr marL="1944" indent="0">
-              <a:buNone/>
-            </a:pPr>
-            <a:r>
-              <a:rPr lang="en-US" dirty="0"/>
-              <a:t>Open education: Creating course materials takes time; let’s save each other work </a:t>
+          <a:bodyPr>
+            <a:normAutofit lnSpcReduction="10000"/>
+          </a:bodyPr>
+          <a:lstStyle/>
+          <a:p>
+            <a:r>
+              <a:rPr lang="en-US" dirty="0"/>
+              <a:t>Comparing Course A and Course C feedback on social issues in classroom provides a rare opportunity to explore role of student bias in course evaluations</a:t>
+            </a:r>
+          </a:p>
+          <a:p>
+            <a:r>
+              <a:rPr lang="en-US" dirty="0"/>
+              <a:t>… because my gender transition occurred after Course A and before Course C</a:t>
+            </a:r>
+          </a:p>
+          <a:p>
+            <a:r>
+              <a:rPr lang="en-US" dirty="0"/>
+              <a:t>I cannot help but notice that in Course A, supportive students were vocal and unsupportive students took on a restrained tone. In Course C, the numbers and tones flipped, with unsupportive students being the vocal ones</a:t>
+            </a:r>
+          </a:p>
+          <a:p>
+            <a:r>
+              <a:rPr lang="en-US" dirty="0"/>
+              <a:t>This is why “big-Q” qualitative analysis matters. This was a “natural experiment” which cannot be reproduced, yet instructor lived experience during transition deserves to be a part of academic discourse, even without reproducibility</a:t>
             </a:r>
           </a:p>
         </p:txBody>
@@ -9636,7 +8971,7 @@
     </p:spTree>
     <p:extLst>
       <p:ext uri="{BB962C8B-B14F-4D97-AF65-F5344CB8AC3E}">
-        <p14:creationId xmlns:p14="http://schemas.microsoft.com/office/powerpoint/2010/main" val="2760556176"/>
+        <p14:creationId xmlns:p14="http://schemas.microsoft.com/office/powerpoint/2010/main" val="505229885"/>
       </p:ext>
     </p:extLst>
   </p:cSld>
@@ -9668,7 +9003,7 @@
           <p:cNvPr id="2" name="Title 1">
             <a:extLst>
               <a:ext uri="{FF2B5EF4-FFF2-40B4-BE49-F238E27FC236}">
-                <a16:creationId xmlns:a16="http://schemas.microsoft.com/office/drawing/2014/main" id="{5618E82D-31C2-B8C9-FA32-4B270DCD748B}"/>
+                <a16:creationId xmlns:a16="http://schemas.microsoft.com/office/drawing/2014/main" id="{531DAE26-CB42-D05F-FF3C-22F7E903552F}"/>
               </a:ext>
             </a:extLst>
           </p:cNvPr>
@@ -9686,7 +9021,7 @@
           <a:p>
             <a:r>
               <a:rPr lang="en-US" dirty="0"/>
-              <a:t>Gender Bias</a:t>
+              <a:t>Archetypes – Example Dialogue</a:t>
             </a:r>
           </a:p>
         </p:txBody>
@@ -9696,7 +9031,7 @@
           <p:cNvPr id="3" name="Content Placeholder 2">
             <a:extLst>
               <a:ext uri="{FF2B5EF4-FFF2-40B4-BE49-F238E27FC236}">
-                <a16:creationId xmlns:a16="http://schemas.microsoft.com/office/drawing/2014/main" id="{A56BCAEB-3D7A-B22C-A168-83B54273A765}"/>
+                <a16:creationId xmlns:a16="http://schemas.microsoft.com/office/drawing/2014/main" id="{6294EB66-1871-C726-E3CF-0060718B9ECB}"/>
               </a:ext>
             </a:extLst>
           </p:cNvPr>
@@ -9707,542 +9042,62 @@
             <p:ph idx="1"/>
           </p:nvPr>
         </p:nvSpPr>
-        <p:spPr/>
+        <p:spPr>
+          <a:xfrm>
+            <a:off x="448056" y="1735200"/>
+            <a:ext cx="11293200" cy="4935107"/>
+          </a:xfrm>
+        </p:spPr>
         <p:txBody>
           <a:bodyPr>
-            <a:normAutofit lnSpcReduction="10000"/>
+            <a:normAutofit/>
           </a:bodyPr>
           <a:lstStyle/>
           <a:p>
             <a:r>
               <a:rPr lang="en-US" dirty="0"/>
-              <a:t>Comparing Course A and Course C feedback on social issues in classroom provides a rare opportunity to explore role of student bias in course evaluations</a:t>
-            </a:r>
-          </a:p>
-          <a:p>
-            <a:r>
-              <a:rPr lang="en-US" dirty="0"/>
-              <a:t>… because my gender transition occurred after Course A and before Course C</a:t>
-            </a:r>
-          </a:p>
-          <a:p>
-            <a:r>
-              <a:rPr lang="en-US" dirty="0"/>
-              <a:t>I cannot help but notice that in Course A, supportive students were vocal and unsupportive students took on a restrained tone. In Course C, the numbers and tones flipped, with unsupportive students being the vocal ones</a:t>
-            </a:r>
-          </a:p>
-          <a:p>
-            <a:r>
-              <a:rPr lang="en-US" dirty="0"/>
-              <a:t>This is why “big-Q” qualitative analysis matters. This was a “natural experiment” which cannot be reproduced, yet instructor lived experience during transition deserves to be a part of academic discourse, even without reproducibility</a:t>
-            </a:r>
+              <a:t>Question: Do context-free grammars model human language? </a:t>
+            </a:r>
+          </a:p>
+          <a:p>
+            <a:r>
+              <a:rPr lang="en-US" b="1" dirty="0"/>
+              <a:t>Social Scientist:</a:t>
+            </a:r>
+            <a:r>
+              <a:rPr lang="en-US" dirty="0"/>
+              <a:t> Of course they do. I invented context-free grammars and I invented them to model natural human language. That’s what’s so amazing about them, they can model every natural language that has ever existed. </a:t>
+            </a:r>
+          </a:p>
+          <a:p>
+            <a:r>
+              <a:rPr lang="en-US" b="1" dirty="0"/>
+              <a:t>Theorist:</a:t>
+            </a:r>
+            <a:r>
+              <a:rPr lang="en-US" dirty="0"/>
+              <a:t> Woah! Did I just hear you make a universal claim, SS? I never thought I’d see this day. Can I prove this by induction?</a:t>
+            </a:r>
+          </a:p>
+          <a:p>
+            <a:r>
+              <a:rPr lang="en-US" b="1" dirty="0"/>
+              <a:t>Humanist:</a:t>
+            </a:r>
+            <a:r>
+              <a:rPr lang="en-US" dirty="0"/>
+              <a:t> I never thought you would have me agreeing with T, but desperate times call for desperate measures. You and I both know not all human language is context-free. What about Swiss German? [40]</a:t>
+            </a:r>
+          </a:p>
+          <a:p>
+            <a:endParaRPr lang="en-US" dirty="0"/>
           </a:p>
         </p:txBody>
       </p:sp>
     </p:spTree>
     <p:extLst>
       <p:ext uri="{BB962C8B-B14F-4D97-AF65-F5344CB8AC3E}">
-        <p14:creationId xmlns:p14="http://schemas.microsoft.com/office/powerpoint/2010/main" val="505229885"/>
-      </p:ext>
-    </p:extLst>
-  </p:cSld>
-  <p:clrMapOvr>
-    <a:masterClrMapping/>
-  </p:clrMapOvr>
-</p:sld>
-</file>
-
-<file path=ppt/slides/slide32.xml><?xml version="1.0" encoding="utf-8"?>
-<p:sld xmlns:a="http://schemas.openxmlformats.org/drawingml/2006/main" xmlns:r="http://schemas.openxmlformats.org/officeDocument/2006/relationships" xmlns:p="http://schemas.openxmlformats.org/presentationml/2006/main">
-  <p:cSld>
-    <p:spTree>
-      <p:nvGrpSpPr>
-        <p:cNvPr id="1" name=""/>
-        <p:cNvGrpSpPr/>
-        <p:nvPr/>
-      </p:nvGrpSpPr>
-      <p:grpSpPr>
-        <a:xfrm>
-          <a:off x="0" y="0"/>
-          <a:ext cx="0" cy="0"/>
-          <a:chOff x="0" y="0"/>
-          <a:chExt cx="0" cy="0"/>
-        </a:xfrm>
-      </p:grpSpPr>
-      <p:sp>
-        <p:nvSpPr>
-          <p:cNvPr id="2" name="Title 1">
-            <a:extLst>
-              <a:ext uri="{FF2B5EF4-FFF2-40B4-BE49-F238E27FC236}">
-                <a16:creationId xmlns:a16="http://schemas.microsoft.com/office/drawing/2014/main" id="{C8B883FC-CC96-AC95-1199-6EBDF3BC0E00}"/>
-              </a:ext>
-            </a:extLst>
-          </p:cNvPr>
-          <p:cNvSpPr>
-            <a:spLocks noGrp="1"/>
-          </p:cNvSpPr>
-          <p:nvPr>
-            <p:ph type="title"/>
-          </p:nvPr>
-        </p:nvSpPr>
-        <p:spPr/>
-        <p:txBody>
-          <a:bodyPr/>
-          <a:lstStyle/>
-          <a:p>
-            <a:r>
-              <a:rPr lang="en-US" dirty="0"/>
-              <a:t>Section: Conclusion</a:t>
-            </a:r>
-          </a:p>
-        </p:txBody>
-      </p:sp>
-      <p:sp>
-        <p:nvSpPr>
-          <p:cNvPr id="3" name="Content Placeholder 2">
-            <a:extLst>
-              <a:ext uri="{FF2B5EF4-FFF2-40B4-BE49-F238E27FC236}">
-                <a16:creationId xmlns:a16="http://schemas.microsoft.com/office/drawing/2014/main" id="{7654F21B-0FFF-1A2E-6433-BDE1A5900354}"/>
-              </a:ext>
-            </a:extLst>
-          </p:cNvPr>
-          <p:cNvSpPr>
-            <a:spLocks noGrp="1"/>
-          </p:cNvSpPr>
-          <p:nvPr>
-            <p:ph idx="1"/>
-          </p:nvPr>
-        </p:nvSpPr>
-        <p:spPr/>
-        <p:txBody>
-          <a:bodyPr/>
-          <a:lstStyle/>
-          <a:p>
-            <a:endParaRPr lang="en-US"/>
-          </a:p>
-        </p:txBody>
-      </p:sp>
-    </p:spTree>
-    <p:extLst>
-      <p:ext uri="{BB962C8B-B14F-4D97-AF65-F5344CB8AC3E}">
-        <p14:creationId xmlns:p14="http://schemas.microsoft.com/office/powerpoint/2010/main" val="692027459"/>
-      </p:ext>
-    </p:extLst>
-  </p:cSld>
-  <p:clrMapOvr>
-    <a:masterClrMapping/>
-  </p:clrMapOvr>
-</p:sld>
-</file>
-
-<file path=ppt/slides/slide33.xml><?xml version="1.0" encoding="utf-8"?>
-<p:sld xmlns:a="http://schemas.openxmlformats.org/drawingml/2006/main" xmlns:r="http://schemas.openxmlformats.org/officeDocument/2006/relationships" xmlns:p="http://schemas.openxmlformats.org/presentationml/2006/main">
-  <p:cSld>
-    <p:spTree>
-      <p:nvGrpSpPr>
-        <p:cNvPr id="1" name=""/>
-        <p:cNvGrpSpPr/>
-        <p:nvPr/>
-      </p:nvGrpSpPr>
-      <p:grpSpPr>
-        <a:xfrm>
-          <a:off x="0" y="0"/>
-          <a:ext cx="0" cy="0"/>
-          <a:chOff x="0" y="0"/>
-          <a:chExt cx="0" cy="0"/>
-        </a:xfrm>
-      </p:grpSpPr>
-      <p:sp>
-        <p:nvSpPr>
-          <p:cNvPr id="2" name="Title 1">
-            <a:extLst>
-              <a:ext uri="{FF2B5EF4-FFF2-40B4-BE49-F238E27FC236}">
-                <a16:creationId xmlns:a16="http://schemas.microsoft.com/office/drawing/2014/main" id="{476D2B61-1E0B-6B55-A5D6-FA610B98C6B9}"/>
-              </a:ext>
-            </a:extLst>
-          </p:cNvPr>
-          <p:cNvSpPr>
-            <a:spLocks noGrp="1"/>
-          </p:cNvSpPr>
-          <p:nvPr>
-            <p:ph type="title"/>
-          </p:nvPr>
-        </p:nvSpPr>
-        <p:spPr/>
-        <p:txBody>
-          <a:bodyPr/>
-          <a:lstStyle/>
-          <a:p>
-            <a:r>
-              <a:rPr lang="en-US" dirty="0"/>
-              <a:t>Future Plans</a:t>
-            </a:r>
-          </a:p>
-        </p:txBody>
-      </p:sp>
-      <p:sp>
-        <p:nvSpPr>
-          <p:cNvPr id="3" name="Content Placeholder 2">
-            <a:extLst>
-              <a:ext uri="{FF2B5EF4-FFF2-40B4-BE49-F238E27FC236}">
-                <a16:creationId xmlns:a16="http://schemas.microsoft.com/office/drawing/2014/main" id="{DC5C5EAC-FADB-90BF-D0AE-205E4E2B18ED}"/>
-              </a:ext>
-            </a:extLst>
-          </p:cNvPr>
-          <p:cNvSpPr>
-            <a:spLocks noGrp="1"/>
-          </p:cNvSpPr>
-          <p:nvPr>
-            <p:ph idx="1"/>
-          </p:nvPr>
-        </p:nvSpPr>
-        <p:spPr>
-          <a:xfrm>
-            <a:off x="211757" y="1735200"/>
-            <a:ext cx="11608066" cy="3783013"/>
-          </a:xfrm>
-        </p:spPr>
-        <p:txBody>
-          <a:bodyPr/>
-          <a:lstStyle/>
-          <a:p>
-            <a:r>
-              <a:rPr lang="en-US" dirty="0"/>
-              <a:t>I consider the book to be “released” and “in production” as of today, but also…</a:t>
-            </a:r>
-          </a:p>
-          <a:p>
-            <a:r>
-              <a:rPr lang="en-US" dirty="0"/>
-              <a:t>An open-access peer-reviewed publisher will be sought after the current course ends</a:t>
-            </a:r>
-          </a:p>
-          <a:p>
-            <a:r>
-              <a:rPr lang="en-US" dirty="0"/>
-              <a:t>For a “published” edition, deeper dives into the real people behind PL</a:t>
-            </a:r>
-          </a:p>
-          <a:p>
-            <a:r>
-              <a:rPr lang="en-US" dirty="0"/>
-              <a:t>Additional chapters are expected to be added over the years</a:t>
-            </a:r>
-          </a:p>
-          <a:p>
-            <a:r>
-              <a:rPr lang="en-US" sz="2600" b="1" dirty="0"/>
-              <a:t>Next step: </a:t>
-            </a:r>
-            <a:r>
-              <a:rPr lang="en-US" sz="2600" strike="sngStrike" dirty="0"/>
-              <a:t>World domination</a:t>
-            </a:r>
-            <a:r>
-              <a:rPr lang="en-US" sz="2600" dirty="0"/>
-              <a:t> supporting instructors using book outside WPI!</a:t>
-            </a:r>
-            <a:endParaRPr lang="en-US" sz="2600" b="1" dirty="0"/>
-          </a:p>
-        </p:txBody>
-      </p:sp>
-    </p:spTree>
-    <p:extLst>
-      <p:ext uri="{BB962C8B-B14F-4D97-AF65-F5344CB8AC3E}">
-        <p14:creationId xmlns:p14="http://schemas.microsoft.com/office/powerpoint/2010/main" val="2162198908"/>
-      </p:ext>
-    </p:extLst>
-  </p:cSld>
-  <p:clrMapOvr>
-    <a:masterClrMapping/>
-  </p:clrMapOvr>
-</p:sld>
-</file>
-
-<file path=ppt/slides/slide34.xml><?xml version="1.0" encoding="utf-8"?>
-<p:sld xmlns:a="http://schemas.openxmlformats.org/drawingml/2006/main" xmlns:r="http://schemas.openxmlformats.org/officeDocument/2006/relationships" xmlns:p="http://schemas.openxmlformats.org/presentationml/2006/main">
-  <p:cSld>
-    <p:spTree>
-      <p:nvGrpSpPr>
-        <p:cNvPr id="1" name=""/>
-        <p:cNvGrpSpPr/>
-        <p:nvPr/>
-      </p:nvGrpSpPr>
-      <p:grpSpPr>
-        <a:xfrm>
-          <a:off x="0" y="0"/>
-          <a:ext cx="0" cy="0"/>
-          <a:chOff x="0" y="0"/>
-          <a:chExt cx="0" cy="0"/>
-        </a:xfrm>
-      </p:grpSpPr>
-      <p:sp>
-        <p:nvSpPr>
-          <p:cNvPr id="2" name="Title 1">
-            <a:extLst>
-              <a:ext uri="{FF2B5EF4-FFF2-40B4-BE49-F238E27FC236}">
-                <a16:creationId xmlns:a16="http://schemas.microsoft.com/office/drawing/2014/main" id="{7DEEC327-4024-FC52-97C2-709E49DB2CB8}"/>
-              </a:ext>
-            </a:extLst>
-          </p:cNvPr>
-          <p:cNvSpPr>
-            <a:spLocks noGrp="1"/>
-          </p:cNvSpPr>
-          <p:nvPr>
-            <p:ph type="title"/>
-          </p:nvPr>
-        </p:nvSpPr>
-        <p:spPr/>
-        <p:txBody>
-          <a:bodyPr/>
-          <a:lstStyle/>
-          <a:p>
-            <a:r>
-              <a:rPr lang="en-US" dirty="0"/>
-              <a:t>Collaboration Opportunities</a:t>
-            </a:r>
-          </a:p>
-        </p:txBody>
-      </p:sp>
-      <p:sp>
-        <p:nvSpPr>
-          <p:cNvPr id="3" name="Content Placeholder 2">
-            <a:extLst>
-              <a:ext uri="{FF2B5EF4-FFF2-40B4-BE49-F238E27FC236}">
-                <a16:creationId xmlns:a16="http://schemas.microsoft.com/office/drawing/2014/main" id="{CC30BF0A-BC92-85BF-905A-34913C1AF88E}"/>
-              </a:ext>
-            </a:extLst>
-          </p:cNvPr>
-          <p:cNvSpPr>
-            <a:spLocks noGrp="1"/>
-          </p:cNvSpPr>
-          <p:nvPr>
-            <p:ph idx="1"/>
-          </p:nvPr>
-        </p:nvSpPr>
-        <p:spPr/>
-        <p:txBody>
-          <a:bodyPr>
-            <a:normAutofit fontScale="92500"/>
-          </a:bodyPr>
-          <a:lstStyle/>
-          <a:p>
-            <a:pPr marL="1944" indent="0">
-              <a:buNone/>
-            </a:pPr>
-            <a:r>
-              <a:rPr lang="en-US" dirty="0"/>
-              <a:t>Though this work is sole-authored, it is rooted in community, and I am excited to look for collaboration opportunities going forward</a:t>
-            </a:r>
-          </a:p>
-          <a:p>
-            <a:r>
-              <a:rPr lang="en-US" dirty="0"/>
-              <a:t>Certain additions are likely to need collaborators, e.g., PLs for </a:t>
-            </a:r>
-            <a:r>
-              <a:rPr lang="en-US" b="1" dirty="0"/>
-              <a:t>different native/natural languages</a:t>
-            </a:r>
-            <a:endParaRPr lang="en-US" dirty="0"/>
-          </a:p>
-          <a:p>
-            <a:pPr lvl="1"/>
-            <a:r>
-              <a:rPr lang="en-US" dirty="0"/>
-              <a:t>If you are proficient in Classical Chinese (</a:t>
-            </a:r>
-            <a:r>
-              <a:rPr lang="zh-CN" altLang="en-US" dirty="0"/>
-              <a:t>古文</a:t>
-            </a:r>
-            <a:r>
-              <a:rPr lang="en-US" altLang="zh-CN" dirty="0"/>
-              <a:t>/</a:t>
-            </a:r>
-            <a:r>
-              <a:rPr lang="zh-CN" altLang="en-US" dirty="0"/>
-              <a:t>文言文）</a:t>
-            </a:r>
-            <a:r>
-              <a:rPr lang="en-US" altLang="zh-CN" dirty="0"/>
-              <a:t>I will be your friend</a:t>
-            </a:r>
-            <a:endParaRPr lang="en-US" dirty="0"/>
-          </a:p>
-          <a:p>
-            <a:r>
-              <a:rPr lang="en-US" dirty="0"/>
-              <a:t>I’m looking to interview PL researchers with human-centered interests, for “published” ed.</a:t>
-            </a:r>
-          </a:p>
-          <a:p>
-            <a:r>
-              <a:rPr lang="en-US" dirty="0"/>
-              <a:t>My stretch goal is to include comics about the archetypes as well. I will not say no to interested artists, including enthusiasts</a:t>
-            </a:r>
-          </a:p>
-          <a:p>
-            <a:r>
-              <a:rPr lang="en-US" dirty="0"/>
-              <a:t>Open to other ideas!</a:t>
-            </a:r>
-          </a:p>
-        </p:txBody>
-      </p:sp>
-    </p:spTree>
-    <p:extLst>
-      <p:ext uri="{BB962C8B-B14F-4D97-AF65-F5344CB8AC3E}">
-        <p14:creationId xmlns:p14="http://schemas.microsoft.com/office/powerpoint/2010/main" val="2455651094"/>
-      </p:ext>
-    </p:extLst>
-  </p:cSld>
-  <p:clrMapOvr>
-    <a:masterClrMapping/>
-  </p:clrMapOvr>
-</p:sld>
-</file>
-
-<file path=ppt/slides/slide35.xml><?xml version="1.0" encoding="utf-8"?>
-<p:sld xmlns:a="http://schemas.openxmlformats.org/drawingml/2006/main" xmlns:r="http://schemas.openxmlformats.org/officeDocument/2006/relationships" xmlns:p="http://schemas.openxmlformats.org/presentationml/2006/main">
-  <p:cSld>
-    <p:spTree>
-      <p:nvGrpSpPr>
-        <p:cNvPr id="1" name=""/>
-        <p:cNvGrpSpPr/>
-        <p:nvPr/>
-      </p:nvGrpSpPr>
-      <p:grpSpPr>
-        <a:xfrm>
-          <a:off x="0" y="0"/>
-          <a:ext cx="0" cy="0"/>
-          <a:chOff x="0" y="0"/>
-          <a:chExt cx="0" cy="0"/>
-        </a:xfrm>
-      </p:grpSpPr>
-      <p:sp>
-        <p:nvSpPr>
-          <p:cNvPr id="2" name="Title 1">
-            <a:extLst>
-              <a:ext uri="{FF2B5EF4-FFF2-40B4-BE49-F238E27FC236}">
-                <a16:creationId xmlns:a16="http://schemas.microsoft.com/office/drawing/2014/main" id="{F995E521-4686-319B-7490-30379BD66C71}"/>
-              </a:ext>
-            </a:extLst>
-          </p:cNvPr>
-          <p:cNvSpPr>
-            <a:spLocks noGrp="1"/>
-          </p:cNvSpPr>
-          <p:nvPr>
-            <p:ph type="title"/>
-          </p:nvPr>
-        </p:nvSpPr>
-        <p:spPr/>
-        <p:txBody>
-          <a:bodyPr/>
-          <a:lstStyle/>
-          <a:p>
-            <a:r>
-              <a:rPr lang="en-US" dirty="0"/>
-              <a:t>Thank You to Many People!</a:t>
-            </a:r>
-          </a:p>
-        </p:txBody>
-      </p:sp>
-      <p:sp>
-        <p:nvSpPr>
-          <p:cNvPr id="3" name="Content Placeholder 2">
-            <a:extLst>
-              <a:ext uri="{FF2B5EF4-FFF2-40B4-BE49-F238E27FC236}">
-                <a16:creationId xmlns:a16="http://schemas.microsoft.com/office/drawing/2014/main" id="{6E1F46F4-ADB2-D383-89FC-05535F8147EA}"/>
-              </a:ext>
-            </a:extLst>
-          </p:cNvPr>
-          <p:cNvSpPr>
-            <a:spLocks noGrp="1"/>
-          </p:cNvSpPr>
-          <p:nvPr>
-            <p:ph idx="1"/>
-          </p:nvPr>
-        </p:nvSpPr>
-        <p:spPr/>
-        <p:txBody>
-          <a:bodyPr>
-            <a:normAutofit fontScale="92500" lnSpcReduction="20000"/>
-          </a:bodyPr>
-          <a:lstStyle/>
-          <a:p>
-            <a:pPr marL="1944" indent="0">
-              <a:buNone/>
-            </a:pPr>
-            <a:r>
-              <a:rPr lang="en-US" dirty="0"/>
-              <a:t>Writing a book is a significant time and emotional investment. I’m deeply grateful to the </a:t>
-            </a:r>
-            <a:r>
-              <a:rPr lang="en-US" b="1" dirty="0"/>
-              <a:t>many </a:t>
-            </a:r>
-            <a:r>
-              <a:rPr lang="en-US" dirty="0"/>
-              <a:t>people who kept me motivated and supported throughout the writing process</a:t>
-            </a:r>
-          </a:p>
-          <a:p>
-            <a:r>
-              <a:rPr lang="en-US" dirty="0"/>
-              <a:t>Gillian Smith and Chris Martens for reminding me this book needs to exist</a:t>
-            </a:r>
-          </a:p>
-          <a:p>
-            <a:r>
-              <a:rPr lang="en-US" dirty="0"/>
-              <a:t>Matthew Ahrens for feedback on paper draft</a:t>
-            </a:r>
-          </a:p>
-          <a:p>
-            <a:r>
-              <a:rPr lang="en-US" dirty="0"/>
-              <a:t>Molly Feldman for encouraging this paper submission</a:t>
-            </a:r>
-          </a:p>
-          <a:p>
-            <a:r>
-              <a:rPr lang="en-US" dirty="0"/>
-              <a:t>Leif Andersen for lived experience on PL research and disability</a:t>
-            </a:r>
-          </a:p>
-          <a:p>
-            <a:r>
-              <a:rPr lang="en-US" dirty="0"/>
-              <a:t>F.J.J Hermans for encouragement, feedback, and cross-cultural PL expertise</a:t>
-            </a:r>
-          </a:p>
-          <a:p>
-            <a:r>
-              <a:rPr lang="en-US" dirty="0"/>
-              <a:t>Ichiro </a:t>
-            </a:r>
-            <a:r>
-              <a:rPr lang="en-US" dirty="0" err="1"/>
-              <a:t>Hasuo</a:t>
-            </a:r>
-            <a:r>
-              <a:rPr lang="en-US" dirty="0"/>
-              <a:t> for encouraging me to keep my PL brain and human-centered brain on at the same time</a:t>
-            </a:r>
-          </a:p>
-          <a:p>
-            <a:r>
-              <a:rPr lang="en-US" dirty="0"/>
-              <a:t>And many students, friends, and colleagues who told me something in the work resonated with them</a:t>
-            </a:r>
-          </a:p>
-        </p:txBody>
-      </p:sp>
-    </p:spTree>
-    <p:extLst>
-      <p:ext uri="{BB962C8B-B14F-4D97-AF65-F5344CB8AC3E}">
-        <p14:creationId xmlns:p14="http://schemas.microsoft.com/office/powerpoint/2010/main" val="1847003846"/>
+        <p14:creationId xmlns:p14="http://schemas.microsoft.com/office/powerpoint/2010/main" val="1719368644"/>
       </p:ext>
     </p:extLst>
   </p:cSld>
@@ -10274,7 +9129,7 @@
           <p:cNvPr id="2" name="Title 1">
             <a:extLst>
               <a:ext uri="{FF2B5EF4-FFF2-40B4-BE49-F238E27FC236}">
-                <a16:creationId xmlns:a16="http://schemas.microsoft.com/office/drawing/2014/main" id="{13E4B54B-E65B-9DE9-8063-AC106931FDE5}"/>
+                <a16:creationId xmlns:a16="http://schemas.microsoft.com/office/drawing/2014/main" id="{811DB6E4-96AE-E891-5D49-EF9E343A660E}"/>
               </a:ext>
             </a:extLst>
           </p:cNvPr>
@@ -10292,7 +9147,7 @@
           <a:p>
             <a:r>
               <a:rPr lang="en-US" dirty="0"/>
-              <a:t>Introduction: What</a:t>
+              <a:t>Motivation</a:t>
             </a:r>
           </a:p>
         </p:txBody>
@@ -10302,7 +9157,7 @@
           <p:cNvPr id="3" name="Content Placeholder 2">
             <a:extLst>
               <a:ext uri="{FF2B5EF4-FFF2-40B4-BE49-F238E27FC236}">
-                <a16:creationId xmlns:a16="http://schemas.microsoft.com/office/drawing/2014/main" id="{D0BDE7AD-2CC9-533E-F6DC-4C66FCA12935}"/>
+                <a16:creationId xmlns:a16="http://schemas.microsoft.com/office/drawing/2014/main" id="{6F2DF867-2C1B-AD2C-EB35-61ACADDACBC2}"/>
               </a:ext>
             </a:extLst>
           </p:cNvPr>
@@ -10323,79 +9178,45 @@
             </a:pPr>
             <a:r>
               <a:rPr lang="en-US" dirty="0"/>
-              <a:t>This work presents the research and design processes behind the development of</a:t>
-            </a:r>
-            <a:br>
-              <a:rPr lang="en-US" dirty="0"/>
-            </a:br>
-            <a:r>
-              <a:rPr lang="en-US" dirty="0"/>
-              <a:t>“Human-Centered Programming Languages”:</a:t>
-            </a:r>
-          </a:p>
-          <a:p>
-            <a:pPr marL="1944" indent="0">
-              <a:buNone/>
+              <a:t>Who takes a Programming Languages course?</a:t>
+            </a:r>
+          </a:p>
+          <a:p>
+            <a:pPr marL="459144" indent="-457200">
+              <a:buFont typeface="+mj-lt"/>
+              <a:buAutoNum type="arabicPeriod"/>
             </a:pPr>
             <a:r>
-              <a:rPr lang="en-US" dirty="0"/>
-              <a:t>A new open-access textbook and accompanying course for upper-level undergraduate programming languages courses directed at Computer Science majors</a:t>
-            </a:r>
-          </a:p>
-          <a:p>
-            <a:pPr marL="1944" indent="0">
-              <a:buNone/>
+              <a:rPr lang="en-US" sz="2000" dirty="0"/>
+              <a:t>“PL courses are taken by students who want to learn many different languages”?</a:t>
+            </a:r>
+          </a:p>
+          <a:p>
+            <a:pPr marL="459144" indent="-457200">
+              <a:buFont typeface="+mj-lt"/>
+              <a:buAutoNum type="arabicPeriod"/>
             </a:pPr>
             <a:r>
-              <a:rPr lang="en-US" b="1" dirty="0"/>
-              <a:t>Contribution:</a:t>
-            </a:r>
-            <a:r>
-              <a:rPr lang="en-US" dirty="0"/>
-              <a:t> This book is the first truly interdisciplinary book (+course) of its kind, placing shared emphasis on programming language theory and human-centered computing</a:t>
-            </a:r>
-          </a:p>
-          <a:p>
-            <a:pPr marL="1944" indent="0">
-              <a:buNone/>
+              <a:rPr lang="en-US" sz="2000" dirty="0"/>
+              <a:t>“PL courses are taken by students who want to prepare for research in programming language theory.”?</a:t>
+            </a:r>
+          </a:p>
+          <a:p>
+            <a:pPr marL="459144" indent="-457200">
+              <a:buFont typeface="+mj-lt"/>
+              <a:buAutoNum type="arabicPeriod"/>
             </a:pPr>
             <a:r>
-              <a:rPr lang="en-US" b="1" dirty="0"/>
-              <a:t>Scale: </a:t>
-            </a:r>
-            <a:r>
-              <a:rPr lang="en-US" dirty="0"/>
-              <a:t>20 chapters, roughly 100k words, prints as ~600 pages</a:t>
-            </a:r>
-          </a:p>
-          <a:p>
-            <a:pPr marL="1944" indent="0">
-              <a:buNone/>
-            </a:pPr>
-            <a:r>
-              <a:rPr lang="en-US" dirty="0"/>
-              <a:t>Read now: </a:t>
-            </a:r>
-            <a:r>
-              <a:rPr lang="en-US" dirty="0">
-                <a:hlinkClick r:id="rId2"/>
-              </a:rPr>
-              <a:t>https://bookish.press/hcpl</a:t>
-            </a:r>
-            <a:endParaRPr lang="en-US" dirty="0"/>
-          </a:p>
-          <a:p>
-            <a:pPr marL="1944" indent="0">
-              <a:buNone/>
-            </a:pPr>
-            <a:endParaRPr lang="en-US" dirty="0"/>
+              <a:rPr lang="en-US" sz="2000" dirty="0"/>
+              <a:t>“PL courses are taken by students who want to become programmers who understand their tools. “?</a:t>
+            </a:r>
           </a:p>
         </p:txBody>
       </p:sp>
     </p:spTree>
     <p:extLst>
       <p:ext uri="{BB962C8B-B14F-4D97-AF65-F5344CB8AC3E}">
-        <p14:creationId xmlns:p14="http://schemas.microsoft.com/office/powerpoint/2010/main" val="952319491"/>
+        <p14:creationId xmlns:p14="http://schemas.microsoft.com/office/powerpoint/2010/main" val="3906319035"/>
       </p:ext>
     </p:extLst>
   </p:cSld>
@@ -10445,7 +9266,7 @@
           <a:p>
             <a:r>
               <a:rPr lang="en-US" dirty="0"/>
-              <a:t>Introduction: Why</a:t>
+              <a:t>Motivation</a:t>
             </a:r>
           </a:p>
         </p:txBody>
@@ -10509,12 +9330,48 @@
               <a:t>“PL courses are taken by students who want to become programmers who understand their tools. “?</a:t>
             </a:r>
           </a:p>
+          <a:p>
+            <a:pPr marL="459144" indent="-457200">
+              <a:buFont typeface="+mj-lt"/>
+              <a:buAutoNum type="arabicPeriod"/>
+            </a:pPr>
+            <a:r>
+              <a:rPr lang="en-US" sz="2000" b="1" dirty="0"/>
+              <a:t>Our radical answer:  </a:t>
+            </a:r>
+            <a:r>
+              <a:rPr lang="en-US" sz="2000" dirty="0"/>
+              <a:t>PL courses are taken by students who will work in interdisciplinary teams, and who must work across disciplinary boundaries. </a:t>
+            </a:r>
+            <a:r>
+              <a:rPr lang="en-US" sz="2000" b="1" dirty="0"/>
+              <a:t>PL as a breadth course</a:t>
+            </a:r>
+            <a:endParaRPr lang="en-US" sz="2000" dirty="0"/>
+          </a:p>
+          <a:p>
+            <a:pPr marL="1944" indent="0">
+              <a:buNone/>
+            </a:pPr>
+            <a:r>
+              <a:rPr lang="en-US" sz="2000" b="1" dirty="0"/>
+              <a:t>Backed by data:</a:t>
+            </a:r>
+            <a:r>
+              <a:rPr lang="en-US" sz="2000" dirty="0"/>
+              <a:t> My recent graduate PL course was 25% “traditional audience”</a:t>
+            </a:r>
+            <a:br>
+              <a:rPr lang="en-US" sz="2000" b="1" dirty="0"/>
+            </a:br>
+            <a:endParaRPr lang="en-US" sz="2000" b="1" dirty="0"/>
+          </a:p>
         </p:txBody>
       </p:sp>
     </p:spTree>
     <p:extLst>
       <p:ext uri="{BB962C8B-B14F-4D97-AF65-F5344CB8AC3E}">
-        <p14:creationId xmlns:p14="http://schemas.microsoft.com/office/powerpoint/2010/main" val="3906319035"/>
+        <p14:creationId xmlns:p14="http://schemas.microsoft.com/office/powerpoint/2010/main" val="1740857194"/>
       </p:ext>
     </p:extLst>
   </p:cSld>
@@ -10546,7 +9403,7 @@
           <p:cNvPr id="2" name="Title 1">
             <a:extLst>
               <a:ext uri="{FF2B5EF4-FFF2-40B4-BE49-F238E27FC236}">
-                <a16:creationId xmlns:a16="http://schemas.microsoft.com/office/drawing/2014/main" id="{811DB6E4-96AE-E891-5D49-EF9E343A660E}"/>
+                <a16:creationId xmlns:a16="http://schemas.microsoft.com/office/drawing/2014/main" id="{C99643E2-C29F-FE93-9CF3-501FD5B423C4}"/>
               </a:ext>
             </a:extLst>
           </p:cNvPr>
@@ -10564,7 +9421,7 @@
           <a:p>
             <a:r>
               <a:rPr lang="en-US" dirty="0"/>
-              <a:t>Introduction: Why</a:t>
+              <a:t>Defining Audience</a:t>
             </a:r>
           </a:p>
         </p:txBody>
@@ -10574,7 +9431,7 @@
           <p:cNvPr id="3" name="Content Placeholder 2">
             <a:extLst>
               <a:ext uri="{FF2B5EF4-FFF2-40B4-BE49-F238E27FC236}">
-                <a16:creationId xmlns:a16="http://schemas.microsoft.com/office/drawing/2014/main" id="{6F2DF867-2C1B-AD2C-EB35-61ACADDACBC2}"/>
+                <a16:creationId xmlns:a16="http://schemas.microsoft.com/office/drawing/2014/main" id="{A72AF2A1-2676-4541-5376-3F2F18EBB47B}"/>
               </a:ext>
             </a:extLst>
           </p:cNvPr>
@@ -10595,76 +9452,43 @@
             </a:pPr>
             <a:r>
               <a:rPr lang="en-US" dirty="0"/>
-              <a:t>Who takes a Programming Languages course?</a:t>
-            </a:r>
-          </a:p>
-          <a:p>
-            <a:pPr marL="459144" indent="-457200">
-              <a:buFont typeface="+mj-lt"/>
-              <a:buAutoNum type="arabicPeriod"/>
-            </a:pPr>
-            <a:r>
-              <a:rPr lang="en-US" sz="2000" dirty="0"/>
-              <a:t>“PL courses are taken by students who want to learn many different languages”?</a:t>
-            </a:r>
-          </a:p>
-          <a:p>
-            <a:pPr marL="459144" indent="-457200">
-              <a:buFont typeface="+mj-lt"/>
-              <a:buAutoNum type="arabicPeriod"/>
-            </a:pPr>
-            <a:r>
-              <a:rPr lang="en-US" sz="2000" dirty="0"/>
-              <a:t>“PL courses are taken by students who want to prepare for research in programming language theory.”?</a:t>
-            </a:r>
-          </a:p>
-          <a:p>
-            <a:pPr marL="459144" indent="-457200">
-              <a:buFont typeface="+mj-lt"/>
-              <a:buAutoNum type="arabicPeriod"/>
-            </a:pPr>
-            <a:r>
-              <a:rPr lang="en-US" sz="2000" dirty="0"/>
-              <a:t>“PL courses are taken by students who want to become programmers who understand their tools. “?</a:t>
-            </a:r>
-          </a:p>
-          <a:p>
-            <a:pPr marL="459144" indent="-457200">
-              <a:buFont typeface="+mj-lt"/>
-              <a:buAutoNum type="arabicPeriod"/>
-            </a:pPr>
-            <a:r>
-              <a:rPr lang="en-US" sz="2000" b="1" dirty="0"/>
-              <a:t>Our radical answer:  </a:t>
-            </a:r>
-            <a:r>
-              <a:rPr lang="en-US" sz="2000" dirty="0"/>
-              <a:t>PL courses are taken by students who will work in interdisciplinary teams, and who must work across disciplinary boundaries</a:t>
-            </a:r>
-          </a:p>
-          <a:p>
-            <a:pPr marL="1944" indent="0">
-              <a:buNone/>
-            </a:pPr>
-            <a:r>
-              <a:rPr lang="en-US" sz="2000" b="1" dirty="0"/>
-              <a:t>Backed by data:</a:t>
-            </a:r>
-            <a:r>
-              <a:rPr lang="en-US" sz="2000" dirty="0"/>
-              <a:t> My recent graduate PL course was 25% “traditional audience”</a:t>
-            </a:r>
-            <a:br>
-              <a:rPr lang="en-US" sz="2000" b="1" dirty="0"/>
-            </a:br>
-            <a:endParaRPr lang="en-US" sz="2000" b="1" dirty="0"/>
+              <a:t>Who do we design an interdisciplinary book </a:t>
+            </a:r>
+            <a:r>
+              <a:rPr lang="en-US" b="1" dirty="0"/>
+              <a:t>for?</a:t>
+            </a:r>
+            <a:r>
+              <a:rPr lang="en-US" dirty="0"/>
+              <a:t> The HCPL book is scoped based on 2 groups:</a:t>
+            </a:r>
+          </a:p>
+          <a:p>
+            <a:r>
+              <a:rPr lang="en-US" dirty="0"/>
+              <a:t>Students for my undergraduate course: Usually CS majors in years 3-4 with prior experience in interdisciplinary group projects. Most are comfortable programming in several languages but not comfortable with proofs</a:t>
+            </a:r>
+          </a:p>
+          <a:p>
+            <a:r>
+              <a:rPr lang="en-US" dirty="0"/>
+              <a:t>Students for my graduate course: Majors range from CS to robotics, data science, and computational media. Range from 2</a:t>
+            </a:r>
+            <a:r>
+              <a:rPr lang="en-US" baseline="30000" dirty="0"/>
+              <a:t>nd</a:t>
+            </a:r>
+            <a:r>
+              <a:rPr lang="en-US" dirty="0"/>
+              <a:t>-year undergrad to doctoral level. Very wide experience range. Rarely comfortable with proofs</a:t>
+            </a:r>
           </a:p>
         </p:txBody>
       </p:sp>
     </p:spTree>
     <p:extLst>
       <p:ext uri="{BB962C8B-B14F-4D97-AF65-F5344CB8AC3E}">
-        <p14:creationId xmlns:p14="http://schemas.microsoft.com/office/powerpoint/2010/main" val="1740857194"/>
+        <p14:creationId xmlns:p14="http://schemas.microsoft.com/office/powerpoint/2010/main" val="1620283480"/>
       </p:ext>
     </p:extLst>
   </p:cSld>
@@ -10696,7 +9520,7 @@
           <p:cNvPr id="2" name="Title 1">
             <a:extLst>
               <a:ext uri="{FF2B5EF4-FFF2-40B4-BE49-F238E27FC236}">
-                <a16:creationId xmlns:a16="http://schemas.microsoft.com/office/drawing/2014/main" id="{9C12F2B9-8594-5126-559C-D72723CA5C96}"/>
+                <a16:creationId xmlns:a16="http://schemas.microsoft.com/office/drawing/2014/main" id="{5E786DE9-EE34-A40C-11A2-90547EEE475F}"/>
               </a:ext>
             </a:extLst>
           </p:cNvPr>
@@ -10714,7 +9538,7 @@
           <a:p>
             <a:r>
               <a:rPr lang="en-US" dirty="0"/>
-              <a:t>Introduction: How</a:t>
+              <a:t>Outline</a:t>
             </a:r>
           </a:p>
         </p:txBody>
@@ -10724,7 +9548,7 @@
           <p:cNvPr id="3" name="Content Placeholder 2">
             <a:extLst>
               <a:ext uri="{FF2B5EF4-FFF2-40B4-BE49-F238E27FC236}">
-                <a16:creationId xmlns:a16="http://schemas.microsoft.com/office/drawing/2014/main" id="{92122BB0-8A27-2958-1D84-2FD37302941D}"/>
+                <a16:creationId xmlns:a16="http://schemas.microsoft.com/office/drawing/2014/main" id="{BF4AFEFC-93AE-2F4A-222A-0A4406F9DFDE}"/>
               </a:ext>
             </a:extLst>
           </p:cNvPr>
@@ -10735,116 +9559,759 @@
             <p:ph idx="1"/>
           </p:nvPr>
         </p:nvSpPr>
-        <p:spPr/>
-        <p:txBody>
-          <a:bodyPr>
-            <a:normAutofit fontScale="92500" lnSpcReduction="10000"/>
+        <p:spPr>
+          <a:xfrm>
+            <a:off x="448056" y="1151467"/>
+            <a:ext cx="3932033" cy="5125155"/>
+          </a:xfrm>
+        </p:spPr>
+        <p:txBody>
+          <a:bodyPr/>
+          <a:lstStyle/>
+          <a:p>
+            <a:r>
+              <a:rPr lang="en-US" dirty="0"/>
+              <a:t>Chapters selected based on learning objectives, archetypes, students, interest</a:t>
+            </a:r>
+          </a:p>
+        </p:txBody>
+      </p:sp>
+      <p:pic>
+        <p:nvPicPr>
+          <p:cNvPr id="5" name="Picture 4">
+            <a:extLst>
+              <a:ext uri="{FF2B5EF4-FFF2-40B4-BE49-F238E27FC236}">
+                <a16:creationId xmlns:a16="http://schemas.microsoft.com/office/drawing/2014/main" id="{8C5E071E-68B0-BCE6-FD7C-C9D0DCE424EB}"/>
+              </a:ext>
+            </a:extLst>
+          </p:cNvPr>
+          <p:cNvPicPr>
+            <a:picLocks noChangeAspect="1"/>
+          </p:cNvPicPr>
+          <p:nvPr/>
+        </p:nvPicPr>
+        <p:blipFill>
+          <a:blip r:embed="rId2"/>
+          <a:stretch>
+            <a:fillRect/>
+          </a:stretch>
+        </p:blipFill>
+        <p:spPr>
+          <a:xfrm>
+            <a:off x="6802336" y="443790"/>
+            <a:ext cx="5207348" cy="5970420"/>
+          </a:xfrm>
+          <a:prstGeom prst="rect">
+            <a:avLst/>
+          </a:prstGeom>
+        </p:spPr>
+      </p:pic>
+      <p:cxnSp>
+        <p:nvCxnSpPr>
+          <p:cNvPr id="7" name="Straight Connector 6">
+            <a:extLst>
+              <a:ext uri="{FF2B5EF4-FFF2-40B4-BE49-F238E27FC236}">
+                <a16:creationId xmlns:a16="http://schemas.microsoft.com/office/drawing/2014/main" id="{B3379121-891B-1B06-7FB9-BDABC00826AD}"/>
+              </a:ext>
+            </a:extLst>
+          </p:cNvPr>
+          <p:cNvCxnSpPr>
+            <a:cxnSpLocks/>
+          </p:cNvCxnSpPr>
+          <p:nvPr/>
+        </p:nvCxnSpPr>
+        <p:spPr>
+          <a:xfrm>
+            <a:off x="6519511" y="957179"/>
+            <a:ext cx="0" cy="2103654"/>
+          </a:xfrm>
+          <a:prstGeom prst="line">
+            <a:avLst/>
+          </a:prstGeom>
+          <a:ln w="38100">
+            <a:solidFill>
+              <a:schemeClr val="tx1"/>
+            </a:solidFill>
+          </a:ln>
+        </p:spPr>
+        <p:style>
+          <a:lnRef idx="1">
+            <a:schemeClr val="accent1"/>
+          </a:lnRef>
+          <a:fillRef idx="0">
+            <a:schemeClr val="accent1"/>
+          </a:fillRef>
+          <a:effectRef idx="0">
+            <a:schemeClr val="accent1"/>
+          </a:effectRef>
+          <a:fontRef idx="minor">
+            <a:schemeClr val="tx1"/>
+          </a:fontRef>
+        </p:style>
+      </p:cxnSp>
+      <p:cxnSp>
+        <p:nvCxnSpPr>
+          <p:cNvPr id="9" name="Straight Connector 8">
+            <a:extLst>
+              <a:ext uri="{FF2B5EF4-FFF2-40B4-BE49-F238E27FC236}">
+                <a16:creationId xmlns:a16="http://schemas.microsoft.com/office/drawing/2014/main" id="{F6355FFE-855C-584E-E3EA-21E29F7D4238}"/>
+              </a:ext>
+            </a:extLst>
+          </p:cNvPr>
+          <p:cNvCxnSpPr>
+            <a:cxnSpLocks/>
+          </p:cNvCxnSpPr>
+          <p:nvPr/>
+        </p:nvCxnSpPr>
+        <p:spPr>
+          <a:xfrm>
+            <a:off x="6519511" y="3294515"/>
+            <a:ext cx="0" cy="1104230"/>
+          </a:xfrm>
+          <a:prstGeom prst="line">
+            <a:avLst/>
+          </a:prstGeom>
+          <a:ln w="38100">
+            <a:solidFill>
+              <a:schemeClr val="tx1"/>
+            </a:solidFill>
+          </a:ln>
+        </p:spPr>
+        <p:style>
+          <a:lnRef idx="1">
+            <a:schemeClr val="accent1"/>
+          </a:lnRef>
+          <a:fillRef idx="0">
+            <a:schemeClr val="accent1"/>
+          </a:fillRef>
+          <a:effectRef idx="0">
+            <a:schemeClr val="accent1"/>
+          </a:effectRef>
+          <a:fontRef idx="minor">
+            <a:schemeClr val="tx1"/>
+          </a:fontRef>
+        </p:style>
+      </p:cxnSp>
+      <p:cxnSp>
+        <p:nvCxnSpPr>
+          <p:cNvPr id="11" name="Straight Connector 10">
+            <a:extLst>
+              <a:ext uri="{FF2B5EF4-FFF2-40B4-BE49-F238E27FC236}">
+                <a16:creationId xmlns:a16="http://schemas.microsoft.com/office/drawing/2014/main" id="{FFFEDA5D-F578-3004-21B1-4C88BAF6EF19}"/>
+              </a:ext>
+            </a:extLst>
+          </p:cNvPr>
+          <p:cNvCxnSpPr>
+            <a:cxnSpLocks/>
+          </p:cNvCxnSpPr>
+          <p:nvPr/>
+        </p:nvCxnSpPr>
+        <p:spPr>
+          <a:xfrm>
+            <a:off x="6519511" y="4597710"/>
+            <a:ext cx="0" cy="927191"/>
+          </a:xfrm>
+          <a:prstGeom prst="line">
+            <a:avLst/>
+          </a:prstGeom>
+          <a:ln w="38100">
+            <a:solidFill>
+              <a:schemeClr val="tx1"/>
+            </a:solidFill>
+          </a:ln>
+        </p:spPr>
+        <p:style>
+          <a:lnRef idx="1">
+            <a:schemeClr val="accent1"/>
+          </a:lnRef>
+          <a:fillRef idx="0">
+            <a:schemeClr val="accent1"/>
+          </a:fillRef>
+          <a:effectRef idx="0">
+            <a:schemeClr val="accent1"/>
+          </a:effectRef>
+          <a:fontRef idx="minor">
+            <a:schemeClr val="tx1"/>
+          </a:fontRef>
+        </p:style>
+      </p:cxnSp>
+      <p:cxnSp>
+        <p:nvCxnSpPr>
+          <p:cNvPr id="13" name="Straight Connector 12">
+            <a:extLst>
+              <a:ext uri="{FF2B5EF4-FFF2-40B4-BE49-F238E27FC236}">
+                <a16:creationId xmlns:a16="http://schemas.microsoft.com/office/drawing/2014/main" id="{72D6405C-1F53-DA00-CCB0-9AF037BD7C12}"/>
+              </a:ext>
+            </a:extLst>
+          </p:cNvPr>
+          <p:cNvCxnSpPr>
+            <a:cxnSpLocks/>
+          </p:cNvCxnSpPr>
+          <p:nvPr/>
+        </p:nvCxnSpPr>
+        <p:spPr>
+          <a:xfrm>
+            <a:off x="6519511" y="5646210"/>
+            <a:ext cx="0" cy="340704"/>
+          </a:xfrm>
+          <a:prstGeom prst="line">
+            <a:avLst/>
+          </a:prstGeom>
+          <a:ln w="38100">
+            <a:solidFill>
+              <a:schemeClr val="tx1"/>
+            </a:solidFill>
+          </a:ln>
+        </p:spPr>
+        <p:style>
+          <a:lnRef idx="1">
+            <a:schemeClr val="accent1"/>
+          </a:lnRef>
+          <a:fillRef idx="0">
+            <a:schemeClr val="accent1"/>
+          </a:fillRef>
+          <a:effectRef idx="0">
+            <a:schemeClr val="accent1"/>
+          </a:effectRef>
+          <a:fontRef idx="minor">
+            <a:schemeClr val="tx1"/>
+          </a:fontRef>
+        </p:style>
+      </p:cxnSp>
+      <p:cxnSp>
+        <p:nvCxnSpPr>
+          <p:cNvPr id="16" name="Straight Connector 15">
+            <a:extLst>
+              <a:ext uri="{FF2B5EF4-FFF2-40B4-BE49-F238E27FC236}">
+                <a16:creationId xmlns:a16="http://schemas.microsoft.com/office/drawing/2014/main" id="{E9C3BA39-EA39-ED72-8ACD-88959256B74B}"/>
+              </a:ext>
+            </a:extLst>
+          </p:cNvPr>
+          <p:cNvCxnSpPr>
+            <a:cxnSpLocks/>
+          </p:cNvCxnSpPr>
+          <p:nvPr/>
+        </p:nvCxnSpPr>
+        <p:spPr>
+          <a:xfrm flipH="1">
+            <a:off x="6521115" y="957179"/>
+            <a:ext cx="281221" cy="0"/>
+          </a:xfrm>
+          <a:prstGeom prst="line">
+            <a:avLst/>
+          </a:prstGeom>
+          <a:ln w="38100">
+            <a:solidFill>
+              <a:schemeClr val="tx1"/>
+            </a:solidFill>
+          </a:ln>
+        </p:spPr>
+        <p:style>
+          <a:lnRef idx="1">
+            <a:schemeClr val="accent1"/>
+          </a:lnRef>
+          <a:fillRef idx="0">
+            <a:schemeClr val="accent1"/>
+          </a:fillRef>
+          <a:effectRef idx="0">
+            <a:schemeClr val="accent1"/>
+          </a:effectRef>
+          <a:fontRef idx="minor">
+            <a:schemeClr val="tx1"/>
+          </a:fontRef>
+        </p:style>
+      </p:cxnSp>
+      <p:cxnSp>
+        <p:nvCxnSpPr>
+          <p:cNvPr id="18" name="Straight Connector 17">
+            <a:extLst>
+              <a:ext uri="{FF2B5EF4-FFF2-40B4-BE49-F238E27FC236}">
+                <a16:creationId xmlns:a16="http://schemas.microsoft.com/office/drawing/2014/main" id="{53EB0C21-350B-D539-9FCA-56A9CA086A30}"/>
+              </a:ext>
+            </a:extLst>
+          </p:cNvPr>
+          <p:cNvCxnSpPr>
+            <a:cxnSpLocks/>
+          </p:cNvCxnSpPr>
+          <p:nvPr/>
+        </p:nvCxnSpPr>
+        <p:spPr>
+          <a:xfrm flipH="1">
+            <a:off x="6519511" y="3042652"/>
+            <a:ext cx="281221" cy="0"/>
+          </a:xfrm>
+          <a:prstGeom prst="line">
+            <a:avLst/>
+          </a:prstGeom>
+          <a:ln w="38100">
+            <a:solidFill>
+              <a:schemeClr val="tx1"/>
+            </a:solidFill>
+          </a:ln>
+        </p:spPr>
+        <p:style>
+          <a:lnRef idx="1">
+            <a:schemeClr val="accent1"/>
+          </a:lnRef>
+          <a:fillRef idx="0">
+            <a:schemeClr val="accent1"/>
+          </a:fillRef>
+          <a:effectRef idx="0">
+            <a:schemeClr val="accent1"/>
+          </a:effectRef>
+          <a:fontRef idx="minor">
+            <a:schemeClr val="tx1"/>
+          </a:fontRef>
+        </p:style>
+      </p:cxnSp>
+      <p:cxnSp>
+        <p:nvCxnSpPr>
+          <p:cNvPr id="19" name="Straight Connector 18">
+            <a:extLst>
+              <a:ext uri="{FF2B5EF4-FFF2-40B4-BE49-F238E27FC236}">
+                <a16:creationId xmlns:a16="http://schemas.microsoft.com/office/drawing/2014/main" id="{82517FD2-FBCA-250A-424D-978DA8C4CF56}"/>
+              </a:ext>
+            </a:extLst>
+          </p:cNvPr>
+          <p:cNvCxnSpPr>
+            <a:cxnSpLocks/>
+          </p:cNvCxnSpPr>
+          <p:nvPr/>
+        </p:nvCxnSpPr>
+        <p:spPr>
+          <a:xfrm flipH="1">
+            <a:off x="6519511" y="3299194"/>
+            <a:ext cx="281221" cy="0"/>
+          </a:xfrm>
+          <a:prstGeom prst="line">
+            <a:avLst/>
+          </a:prstGeom>
+          <a:ln w="38100">
+            <a:solidFill>
+              <a:schemeClr val="tx1"/>
+            </a:solidFill>
+          </a:ln>
+        </p:spPr>
+        <p:style>
+          <a:lnRef idx="1">
+            <a:schemeClr val="accent1"/>
+          </a:lnRef>
+          <a:fillRef idx="0">
+            <a:schemeClr val="accent1"/>
+          </a:fillRef>
+          <a:effectRef idx="0">
+            <a:schemeClr val="accent1"/>
+          </a:effectRef>
+          <a:fontRef idx="minor">
+            <a:schemeClr val="tx1"/>
+          </a:fontRef>
+        </p:style>
+      </p:cxnSp>
+      <p:cxnSp>
+        <p:nvCxnSpPr>
+          <p:cNvPr id="20" name="Straight Connector 19">
+            <a:extLst>
+              <a:ext uri="{FF2B5EF4-FFF2-40B4-BE49-F238E27FC236}">
+                <a16:creationId xmlns:a16="http://schemas.microsoft.com/office/drawing/2014/main" id="{8E020F6F-A90F-D4E0-8DD7-CEF8CBA7E002}"/>
+              </a:ext>
+            </a:extLst>
+          </p:cNvPr>
+          <p:cNvCxnSpPr>
+            <a:cxnSpLocks/>
+          </p:cNvCxnSpPr>
+          <p:nvPr/>
+        </p:nvCxnSpPr>
+        <p:spPr>
+          <a:xfrm flipH="1">
+            <a:off x="6519511" y="4398745"/>
+            <a:ext cx="281221" cy="0"/>
+          </a:xfrm>
+          <a:prstGeom prst="line">
+            <a:avLst/>
+          </a:prstGeom>
+          <a:ln w="38100">
+            <a:solidFill>
+              <a:schemeClr val="tx1"/>
+            </a:solidFill>
+          </a:ln>
+        </p:spPr>
+        <p:style>
+          <a:lnRef idx="1">
+            <a:schemeClr val="accent1"/>
+          </a:lnRef>
+          <a:fillRef idx="0">
+            <a:schemeClr val="accent1"/>
+          </a:fillRef>
+          <a:effectRef idx="0">
+            <a:schemeClr val="accent1"/>
+          </a:effectRef>
+          <a:fontRef idx="minor">
+            <a:schemeClr val="tx1"/>
+          </a:fontRef>
+        </p:style>
+      </p:cxnSp>
+      <p:cxnSp>
+        <p:nvCxnSpPr>
+          <p:cNvPr id="22" name="Straight Connector 21">
+            <a:extLst>
+              <a:ext uri="{FF2B5EF4-FFF2-40B4-BE49-F238E27FC236}">
+                <a16:creationId xmlns:a16="http://schemas.microsoft.com/office/drawing/2014/main" id="{184C2B91-55DE-7EFD-C25E-50F7DADF5109}"/>
+              </a:ext>
+            </a:extLst>
+          </p:cNvPr>
+          <p:cNvCxnSpPr>
+            <a:cxnSpLocks/>
+          </p:cNvCxnSpPr>
+          <p:nvPr/>
+        </p:nvCxnSpPr>
+        <p:spPr>
+          <a:xfrm flipH="1">
+            <a:off x="6519511" y="4610009"/>
+            <a:ext cx="281221" cy="0"/>
+          </a:xfrm>
+          <a:prstGeom prst="line">
+            <a:avLst/>
+          </a:prstGeom>
+          <a:ln w="38100">
+            <a:solidFill>
+              <a:schemeClr val="tx1"/>
+            </a:solidFill>
+          </a:ln>
+        </p:spPr>
+        <p:style>
+          <a:lnRef idx="1">
+            <a:schemeClr val="accent1"/>
+          </a:lnRef>
+          <a:fillRef idx="0">
+            <a:schemeClr val="accent1"/>
+          </a:fillRef>
+          <a:effectRef idx="0">
+            <a:schemeClr val="accent1"/>
+          </a:effectRef>
+          <a:fontRef idx="minor">
+            <a:schemeClr val="tx1"/>
+          </a:fontRef>
+        </p:style>
+      </p:cxnSp>
+      <p:cxnSp>
+        <p:nvCxnSpPr>
+          <p:cNvPr id="23" name="Straight Connector 22">
+            <a:extLst>
+              <a:ext uri="{FF2B5EF4-FFF2-40B4-BE49-F238E27FC236}">
+                <a16:creationId xmlns:a16="http://schemas.microsoft.com/office/drawing/2014/main" id="{70D31651-A4A2-0B8B-AFD2-7C289BE90125}"/>
+              </a:ext>
+            </a:extLst>
+          </p:cNvPr>
+          <p:cNvCxnSpPr>
+            <a:cxnSpLocks/>
+          </p:cNvCxnSpPr>
+          <p:nvPr/>
+        </p:nvCxnSpPr>
+        <p:spPr>
+          <a:xfrm flipH="1">
+            <a:off x="6519511" y="5524901"/>
+            <a:ext cx="281221" cy="0"/>
+          </a:xfrm>
+          <a:prstGeom prst="line">
+            <a:avLst/>
+          </a:prstGeom>
+          <a:ln w="38100">
+            <a:solidFill>
+              <a:schemeClr val="tx1"/>
+            </a:solidFill>
+          </a:ln>
+        </p:spPr>
+        <p:style>
+          <a:lnRef idx="1">
+            <a:schemeClr val="accent1"/>
+          </a:lnRef>
+          <a:fillRef idx="0">
+            <a:schemeClr val="accent1"/>
+          </a:fillRef>
+          <a:effectRef idx="0">
+            <a:schemeClr val="accent1"/>
+          </a:effectRef>
+          <a:fontRef idx="minor">
+            <a:schemeClr val="tx1"/>
+          </a:fontRef>
+        </p:style>
+      </p:cxnSp>
+      <p:cxnSp>
+        <p:nvCxnSpPr>
+          <p:cNvPr id="24" name="Straight Connector 23">
+            <a:extLst>
+              <a:ext uri="{FF2B5EF4-FFF2-40B4-BE49-F238E27FC236}">
+                <a16:creationId xmlns:a16="http://schemas.microsoft.com/office/drawing/2014/main" id="{4D76A118-FAD2-A93E-FB41-2A28428A15AB}"/>
+              </a:ext>
+            </a:extLst>
+          </p:cNvPr>
+          <p:cNvCxnSpPr>
+            <a:cxnSpLocks/>
+          </p:cNvCxnSpPr>
+          <p:nvPr/>
+        </p:nvCxnSpPr>
+        <p:spPr>
+          <a:xfrm flipH="1">
+            <a:off x="6519511" y="5986914"/>
+            <a:ext cx="281221" cy="0"/>
+          </a:xfrm>
+          <a:prstGeom prst="line">
+            <a:avLst/>
+          </a:prstGeom>
+          <a:ln w="38100">
+            <a:solidFill>
+              <a:schemeClr val="tx1"/>
+            </a:solidFill>
+          </a:ln>
+        </p:spPr>
+        <p:style>
+          <a:lnRef idx="1">
+            <a:schemeClr val="accent1"/>
+          </a:lnRef>
+          <a:fillRef idx="0">
+            <a:schemeClr val="accent1"/>
+          </a:fillRef>
+          <a:effectRef idx="0">
+            <a:schemeClr val="accent1"/>
+          </a:effectRef>
+          <a:fontRef idx="minor">
+            <a:schemeClr val="tx1"/>
+          </a:fontRef>
+        </p:style>
+      </p:cxnSp>
+      <p:cxnSp>
+        <p:nvCxnSpPr>
+          <p:cNvPr id="25" name="Straight Connector 24">
+            <a:extLst>
+              <a:ext uri="{FF2B5EF4-FFF2-40B4-BE49-F238E27FC236}">
+                <a16:creationId xmlns:a16="http://schemas.microsoft.com/office/drawing/2014/main" id="{A9FDB71C-727A-314E-1007-18FE94A1A2D2}"/>
+              </a:ext>
+            </a:extLst>
+          </p:cNvPr>
+          <p:cNvCxnSpPr>
+            <a:cxnSpLocks/>
+          </p:cNvCxnSpPr>
+          <p:nvPr/>
+        </p:nvCxnSpPr>
+        <p:spPr>
+          <a:xfrm flipH="1">
+            <a:off x="6519511" y="5650889"/>
+            <a:ext cx="281221" cy="0"/>
+          </a:xfrm>
+          <a:prstGeom prst="line">
+            <a:avLst/>
+          </a:prstGeom>
+          <a:ln w="38100">
+            <a:solidFill>
+              <a:schemeClr val="tx1"/>
+            </a:solidFill>
+          </a:ln>
+        </p:spPr>
+        <p:style>
+          <a:lnRef idx="1">
+            <a:schemeClr val="accent1"/>
+          </a:lnRef>
+          <a:fillRef idx="0">
+            <a:schemeClr val="accent1"/>
+          </a:fillRef>
+          <a:effectRef idx="0">
+            <a:schemeClr val="accent1"/>
+          </a:effectRef>
+          <a:fontRef idx="minor">
+            <a:schemeClr val="tx1"/>
+          </a:fontRef>
+        </p:style>
+      </p:cxnSp>
+      <p:sp>
+        <p:nvSpPr>
+          <p:cNvPr id="26" name="TextBox 25">
+            <a:extLst>
+              <a:ext uri="{FF2B5EF4-FFF2-40B4-BE49-F238E27FC236}">
+                <a16:creationId xmlns:a16="http://schemas.microsoft.com/office/drawing/2014/main" id="{B21757F9-22B7-45EC-0777-1E89A61D398D}"/>
+              </a:ext>
+            </a:extLst>
+          </p:cNvPr>
+          <p:cNvSpPr txBox="1"/>
+          <p:nvPr/>
+        </p:nvSpPr>
+        <p:spPr>
+          <a:xfrm>
+            <a:off x="4799226" y="1488927"/>
+            <a:ext cx="1688924" cy="923330"/>
+          </a:xfrm>
+          <a:prstGeom prst="rect">
+            <a:avLst/>
+          </a:prstGeom>
+          <a:noFill/>
+        </p:spPr>
+        <p:txBody>
+          <a:bodyPr wrap="none" rtlCol="0">
+            <a:spAutoFit/>
           </a:bodyPr>
           <a:lstStyle/>
           <a:p>
-            <a:pPr marL="1944" indent="0">
-              <a:buNone/>
-            </a:pPr>
-            <a:r>
-              <a:rPr lang="en-US" dirty="0"/>
-              <a:t>Interdisciplinary work is hard; interdisciplinary curriculum is no different</a:t>
-            </a:r>
-          </a:p>
-          <a:p>
-            <a:pPr marL="1944" indent="0">
-              <a:buNone/>
-            </a:pPr>
-            <a:r>
-              <a:rPr lang="en-US" b="1" dirty="0"/>
-              <a:t>Core Pedagogical Strategy:</a:t>
-            </a:r>
-            <a:r>
-              <a:rPr lang="en-US" dirty="0"/>
-              <a:t> Develop characters (“Archetypes”) standing in for different academic disciplines, emphasize student ability to </a:t>
-            </a:r>
-            <a:r>
-              <a:rPr lang="en-US" b="1" u="sng" dirty="0"/>
-              <a:t>communicate</a:t>
-            </a:r>
-            <a:r>
-              <a:rPr lang="en-US" dirty="0"/>
-              <a:t> across each; </a:t>
-            </a:r>
-            <a:r>
-              <a:rPr lang="en-US" b="1" u="sng" dirty="0"/>
-              <a:t>literacy. </a:t>
-            </a:r>
-            <a:r>
-              <a:rPr lang="en-US" dirty="0"/>
-              <a:t>Use design as a uniting topic across disciplines</a:t>
-            </a:r>
-            <a:endParaRPr lang="en-US" i="1" u="sng" dirty="0"/>
-          </a:p>
-          <a:p>
-            <a:pPr marL="1944" indent="0">
-              <a:buNone/>
-            </a:pPr>
-            <a:r>
-              <a:rPr lang="en-US" b="1" dirty="0"/>
-              <a:t>Core Assessment Strategy:</a:t>
-            </a:r>
-            <a:r>
-              <a:rPr lang="en-US" dirty="0"/>
-              <a:t> Two-spoke approach</a:t>
+            <a:pPr algn="ctr"/>
+            <a:r>
+              <a:rPr lang="en-US" dirty="0"/>
+              <a:t>CS Core:</a:t>
             </a:r>
             <a:br>
               <a:rPr lang="en-US" dirty="0"/>
             </a:br>
             <a:r>
-              <a:rPr lang="en-US" b="1" dirty="0"/>
-              <a:t>This approach assumes CS majors</a:t>
-            </a:r>
-            <a:endParaRPr lang="en-US" dirty="0"/>
-          </a:p>
-          <a:p>
-            <a:r>
-              <a:rPr lang="en-US" dirty="0"/>
-              <a:t>Auto-graded programming assignments</a:t>
-            </a:r>
-          </a:p>
-          <a:p>
-            <a:r>
-              <a:rPr lang="en-US" dirty="0"/>
-              <a:t>Participation-graded design assignments</a:t>
-            </a:r>
-            <a:r>
-              <a:rPr lang="en-US" b="1" dirty="0"/>
-              <a:t> (payoff = </a:t>
-            </a:r>
-            <a:r>
-              <a:rPr lang="en-US" dirty="0"/>
-              <a:t>show</a:t>
-            </a:r>
-            <a:r>
-              <a:rPr lang="en-US" b="1" dirty="0"/>
-              <a:t> </a:t>
-            </a:r>
-            <a:r>
-              <a:rPr lang="en-US" dirty="0"/>
-              <a:t>fun output to classmates)</a:t>
-            </a:r>
-          </a:p>
-          <a:p>
-            <a:pPr marL="1944" indent="0">
-              <a:buNone/>
-            </a:pPr>
-            <a:r>
-              <a:rPr lang="en-US" dirty="0"/>
-              <a:t> </a:t>
-            </a:r>
-            <a:endParaRPr lang="en-US" b="1" dirty="0"/>
+              <a:rPr lang="en-US" dirty="0"/>
+              <a:t>Implementation</a:t>
+            </a:r>
+            <a:br>
+              <a:rPr lang="en-US" dirty="0"/>
+            </a:br>
+            <a:r>
+              <a:rPr lang="en-US" dirty="0"/>
+              <a:t>+ Theory</a:t>
+            </a:r>
+          </a:p>
+        </p:txBody>
+      </p:sp>
+      <p:sp>
+        <p:nvSpPr>
+          <p:cNvPr id="27" name="TextBox 26">
+            <a:extLst>
+              <a:ext uri="{FF2B5EF4-FFF2-40B4-BE49-F238E27FC236}">
+                <a16:creationId xmlns:a16="http://schemas.microsoft.com/office/drawing/2014/main" id="{21A32AEA-1DFC-453B-759D-CFFF0D43A1AD}"/>
+              </a:ext>
+            </a:extLst>
+          </p:cNvPr>
+          <p:cNvSpPr txBox="1"/>
+          <p:nvPr/>
+        </p:nvSpPr>
+        <p:spPr>
+          <a:xfrm>
+            <a:off x="4715299" y="3384965"/>
+            <a:ext cx="1840568" cy="923330"/>
+          </a:xfrm>
+          <a:prstGeom prst="rect">
+            <a:avLst/>
+          </a:prstGeom>
+          <a:noFill/>
+        </p:spPr>
+        <p:txBody>
+          <a:bodyPr wrap="none" rtlCol="0">
+            <a:spAutoFit/>
+          </a:bodyPr>
+          <a:lstStyle/>
+          <a:p>
+            <a:pPr algn="ctr"/>
+            <a:r>
+              <a:rPr lang="en-US" dirty="0"/>
+              <a:t>HCI Core:</a:t>
+            </a:r>
+            <a:br>
+              <a:rPr lang="en-US" dirty="0"/>
+            </a:br>
+            <a:r>
+              <a:rPr lang="en-US" dirty="0"/>
+              <a:t>Social Science</a:t>
+            </a:r>
+            <a:br>
+              <a:rPr lang="en-US" dirty="0"/>
+            </a:br>
+            <a:r>
+              <a:rPr lang="en-US" dirty="0"/>
+              <a:t>+ Critical Studies</a:t>
+            </a:r>
+          </a:p>
+        </p:txBody>
+      </p:sp>
+      <p:sp>
+        <p:nvSpPr>
+          <p:cNvPr id="28" name="TextBox 27">
+            <a:extLst>
+              <a:ext uri="{FF2B5EF4-FFF2-40B4-BE49-F238E27FC236}">
+                <a16:creationId xmlns:a16="http://schemas.microsoft.com/office/drawing/2014/main" id="{5546ADA1-1FAC-9533-DE8C-37D07253596B}"/>
+              </a:ext>
+            </a:extLst>
+          </p:cNvPr>
+          <p:cNvSpPr txBox="1"/>
+          <p:nvPr/>
+        </p:nvSpPr>
+        <p:spPr>
+          <a:xfrm>
+            <a:off x="4942925" y="4597709"/>
+            <a:ext cx="1612942" cy="646331"/>
+          </a:xfrm>
+          <a:prstGeom prst="rect">
+            <a:avLst/>
+          </a:prstGeom>
+          <a:noFill/>
+        </p:spPr>
+        <p:txBody>
+          <a:bodyPr wrap="none" rtlCol="0">
+            <a:spAutoFit/>
+          </a:bodyPr>
+          <a:lstStyle/>
+          <a:p>
+            <a:pPr algn="ctr"/>
+            <a:r>
+              <a:rPr lang="en-US" dirty="0"/>
+              <a:t>Media Module:</a:t>
+            </a:r>
+            <a:br>
+              <a:rPr lang="en-US" dirty="0"/>
+            </a:br>
+            <a:r>
+              <a:rPr lang="en-US" dirty="0"/>
+              <a:t>Case Studies</a:t>
+            </a:r>
+          </a:p>
+        </p:txBody>
+      </p:sp>
+      <p:sp>
+        <p:nvSpPr>
+          <p:cNvPr id="29" name="TextBox 28">
+            <a:extLst>
+              <a:ext uri="{FF2B5EF4-FFF2-40B4-BE49-F238E27FC236}">
+                <a16:creationId xmlns:a16="http://schemas.microsoft.com/office/drawing/2014/main" id="{7A6F21C6-EFD4-E9D5-73A0-A7ECF8E40DB6}"/>
+              </a:ext>
+            </a:extLst>
+          </p:cNvPr>
+          <p:cNvSpPr txBox="1"/>
+          <p:nvPr/>
+        </p:nvSpPr>
+        <p:spPr>
+          <a:xfrm>
+            <a:off x="4837481" y="5493396"/>
+            <a:ext cx="1682833" cy="646331"/>
+          </a:xfrm>
+          <a:prstGeom prst="rect">
+            <a:avLst/>
+          </a:prstGeom>
+          <a:noFill/>
+        </p:spPr>
+        <p:txBody>
+          <a:bodyPr wrap="none" rtlCol="0">
+            <a:spAutoFit/>
+          </a:bodyPr>
+          <a:lstStyle/>
+          <a:p>
+            <a:pPr algn="ctr"/>
+            <a:r>
+              <a:rPr lang="en-US" dirty="0"/>
+              <a:t>Advanced</a:t>
+            </a:r>
+            <a:br>
+              <a:rPr lang="en-US" dirty="0"/>
+            </a:br>
+            <a:r>
+              <a:rPr lang="en-US" dirty="0"/>
+              <a:t>Theory Module</a:t>
+            </a:r>
           </a:p>
         </p:txBody>
       </p:sp>
     </p:spTree>
     <p:extLst>
       <p:ext uri="{BB962C8B-B14F-4D97-AF65-F5344CB8AC3E}">
-        <p14:creationId xmlns:p14="http://schemas.microsoft.com/office/powerpoint/2010/main" val="1304884165"/>
+        <p14:creationId xmlns:p14="http://schemas.microsoft.com/office/powerpoint/2010/main" val="2654569342"/>
       </p:ext>
     </p:extLst>
   </p:cSld>
@@ -10876,7 +10343,7 @@
           <p:cNvPr id="2" name="Title 1">
             <a:extLst>
               <a:ext uri="{FF2B5EF4-FFF2-40B4-BE49-F238E27FC236}">
-                <a16:creationId xmlns:a16="http://schemas.microsoft.com/office/drawing/2014/main" id="{C99643E2-C29F-FE93-9CF3-501FD5B423C4}"/>
+                <a16:creationId xmlns:a16="http://schemas.microsoft.com/office/drawing/2014/main" id="{9C12F2B9-8594-5126-559C-D72723CA5C96}"/>
               </a:ext>
             </a:extLst>
           </p:cNvPr>
@@ -10894,7 +10361,7 @@
           <a:p>
             <a:r>
               <a:rPr lang="en-US" dirty="0"/>
-              <a:t>Introduction: Who</a:t>
+              <a:t>Interdisciplinary Strategies</a:t>
             </a:r>
           </a:p>
         </p:txBody>
@@ -10904,7 +10371,7 @@
           <p:cNvPr id="3" name="Content Placeholder 2">
             <a:extLst>
               <a:ext uri="{FF2B5EF4-FFF2-40B4-BE49-F238E27FC236}">
-                <a16:creationId xmlns:a16="http://schemas.microsoft.com/office/drawing/2014/main" id="{A72AF2A1-2676-4541-5376-3F2F18EBB47B}"/>
+                <a16:creationId xmlns:a16="http://schemas.microsoft.com/office/drawing/2014/main" id="{92122BB0-8A27-2958-1D84-2FD37302941D}"/>
               </a:ext>
             </a:extLst>
           </p:cNvPr>
@@ -10917,7 +10384,9 @@
         </p:nvSpPr>
         <p:spPr/>
         <p:txBody>
-          <a:bodyPr/>
+          <a:bodyPr>
+            <a:normAutofit/>
+          </a:bodyPr>
           <a:lstStyle/>
           <a:p>
             <a:pPr marL="1944" indent="0">
@@ -10925,43 +10394,55 @@
             </a:pPr>
             <a:r>
               <a:rPr lang="en-US" dirty="0"/>
-              <a:t>Who do we design an interdisciplinary book </a:t>
-            </a:r>
+              <a:t>Interdisciplinary work is hard; interdisciplinary curriculum is no different</a:t>
+            </a:r>
+          </a:p>
+          <a:p>
+            <a:pPr marL="1944" indent="0">
+              <a:buNone/>
+            </a:pPr>
             <a:r>
               <a:rPr lang="en-US" b="1" dirty="0"/>
-              <a:t>for?</a:t>
-            </a:r>
-            <a:r>
-              <a:rPr lang="en-US" dirty="0"/>
-              <a:t> The HCPL book is scoped based on 2 groups:</a:t>
-            </a:r>
-          </a:p>
-          <a:p>
-            <a:r>
-              <a:rPr lang="en-US" dirty="0"/>
-              <a:t>Students for my undergraduate course: Usually CS majors in years 3-4 with prior experience in interdisciplinary group projects. Most are comfortable programming in several languages but not comfortable with proofs</a:t>
-            </a:r>
-          </a:p>
-          <a:p>
-            <a:r>
-              <a:rPr lang="en-US" dirty="0"/>
-              <a:t>Students for my graduate course: Majors range from CS to robotics, data science, and computational media. Range from 2</a:t>
-            </a:r>
-            <a:r>
-              <a:rPr lang="en-US" baseline="30000" dirty="0"/>
-              <a:t>nd</a:t>
-            </a:r>
-            <a:r>
-              <a:rPr lang="en-US" dirty="0"/>
-              <a:t>-year undergrad to doctoral level. Very wide experience range. Rarely comfortable with proofs</a:t>
-            </a:r>
+              <a:t>Core Pedagogical Strategy:</a:t>
+            </a:r>
+            <a:r>
+              <a:rPr lang="en-US" dirty="0"/>
+              <a:t> Develop characters (“Archetypes”) standing in for different academic disciplines, emphasize student ability to </a:t>
+            </a:r>
+            <a:r>
+              <a:rPr lang="en-US" b="1" u="sng" dirty="0"/>
+              <a:t>communicate</a:t>
+            </a:r>
+            <a:r>
+              <a:rPr lang="en-US" dirty="0"/>
+              <a:t> across each; </a:t>
+            </a:r>
+            <a:r>
+              <a:rPr lang="en-US" b="1" u="sng" dirty="0"/>
+              <a:t>literacy. </a:t>
+            </a:r>
+            <a:r>
+              <a:rPr lang="en-US" dirty="0"/>
+              <a:t>Use design as a uniting topic across disciplines</a:t>
+            </a:r>
+            <a:endParaRPr lang="en-US" i="1" u="sng" dirty="0"/>
+          </a:p>
+          <a:p>
+            <a:pPr marL="1944" indent="0">
+              <a:buNone/>
+            </a:pPr>
+            <a:r>
+              <a:rPr lang="en-US" dirty="0"/>
+              <a:t> </a:t>
+            </a:r>
+            <a:endParaRPr lang="en-US" b="1" dirty="0"/>
           </a:p>
         </p:txBody>
       </p:sp>
     </p:spTree>
     <p:extLst>
       <p:ext uri="{BB962C8B-B14F-4D97-AF65-F5344CB8AC3E}">
-        <p14:creationId xmlns:p14="http://schemas.microsoft.com/office/powerpoint/2010/main" val="1620283480"/>
+        <p14:creationId xmlns:p14="http://schemas.microsoft.com/office/powerpoint/2010/main" val="1304884165"/>
       </p:ext>
     </p:extLst>
   </p:cSld>
@@ -10993,7 +10474,7 @@
           <p:cNvPr id="2" name="Title 1">
             <a:extLst>
               <a:ext uri="{FF2B5EF4-FFF2-40B4-BE49-F238E27FC236}">
-                <a16:creationId xmlns:a16="http://schemas.microsoft.com/office/drawing/2014/main" id="{F11D55F9-28DD-CBA2-ABB2-EBE35B09721D}"/>
+                <a16:creationId xmlns:a16="http://schemas.microsoft.com/office/drawing/2014/main" id="{531DAE26-CB42-D05F-FF3C-22F7E903552F}"/>
               </a:ext>
             </a:extLst>
           </p:cNvPr>
@@ -11011,7 +10492,7 @@
           <a:p>
             <a:r>
               <a:rPr lang="en-US" dirty="0"/>
-              <a:t>Section: The Book</a:t>
+              <a:t>Archetypes: PL as Breadth Topic Through Characters</a:t>
             </a:r>
           </a:p>
         </p:txBody>
@@ -11021,7 +10502,7 @@
           <p:cNvPr id="3" name="Content Placeholder 2">
             <a:extLst>
               <a:ext uri="{FF2B5EF4-FFF2-40B4-BE49-F238E27FC236}">
-                <a16:creationId xmlns:a16="http://schemas.microsoft.com/office/drawing/2014/main" id="{82EF3536-D17B-E578-DCFF-C49CDD190E2B}"/>
+                <a16:creationId xmlns:a16="http://schemas.microsoft.com/office/drawing/2014/main" id="{6294EB66-1871-C726-E3CF-0060718B9ECB}"/>
               </a:ext>
             </a:extLst>
           </p:cNvPr>
@@ -11032,19 +10513,96 @@
             <p:ph idx="1"/>
           </p:nvPr>
         </p:nvSpPr>
-        <p:spPr/>
-        <p:txBody>
-          <a:bodyPr/>
-          <a:lstStyle/>
-          <a:p>
-            <a:endParaRPr lang="en-US"/>
+        <p:spPr>
+          <a:xfrm>
+            <a:off x="448056" y="1735200"/>
+            <a:ext cx="11293200" cy="4935107"/>
+          </a:xfrm>
+        </p:spPr>
+        <p:txBody>
+          <a:bodyPr>
+            <a:normAutofit/>
+          </a:bodyPr>
+          <a:lstStyle/>
+          <a:p>
+            <a:r>
+              <a:rPr lang="en-US" dirty="0"/>
+              <a:t>The </a:t>
+            </a:r>
+            <a:r>
+              <a:rPr lang="en-US" b="1" dirty="0"/>
+              <a:t>Practitioner</a:t>
+            </a:r>
+            <a:r>
+              <a:rPr lang="en-US" dirty="0"/>
+              <a:t> is a typical career programmer</a:t>
+            </a:r>
+          </a:p>
+          <a:p>
+            <a:r>
+              <a:rPr lang="en-US" dirty="0"/>
+              <a:t>The </a:t>
+            </a:r>
+            <a:r>
+              <a:rPr lang="en-US" b="1" dirty="0"/>
+              <a:t>Implementer</a:t>
+            </a:r>
+            <a:r>
+              <a:rPr lang="en-US" dirty="0"/>
+              <a:t> implements, e.g., interpreters or compilers</a:t>
+            </a:r>
+          </a:p>
+          <a:p>
+            <a:r>
+              <a:rPr lang="en-US" dirty="0"/>
+              <a:t>The </a:t>
+            </a:r>
+            <a:r>
+              <a:rPr lang="en-US" b="1" dirty="0"/>
+              <a:t>Theorist</a:t>
+            </a:r>
+            <a:r>
+              <a:rPr lang="en-US" dirty="0"/>
+              <a:t> sees PLs are formal languages.  “Good PL”  = “Analyze it in powerful ways”</a:t>
+            </a:r>
+          </a:p>
+          <a:p>
+            <a:r>
+              <a:rPr lang="en-US" dirty="0"/>
+              <a:t>The </a:t>
+            </a:r>
+            <a:r>
+              <a:rPr lang="en-US" b="1" dirty="0"/>
+              <a:t>Social Scientist </a:t>
+            </a:r>
+            <a:r>
+              <a:rPr lang="en-US" dirty="0"/>
+              <a:t>studies humans, often empirically, for humans’ sake or for design</a:t>
+            </a:r>
+          </a:p>
+          <a:p>
+            <a:r>
+              <a:rPr lang="en-US" dirty="0"/>
+              <a:t>The </a:t>
+            </a:r>
+            <a:r>
+              <a:rPr lang="en-US" b="1" dirty="0"/>
+              <a:t>Humanist</a:t>
+            </a:r>
+            <a:r>
+              <a:rPr lang="en-US" dirty="0"/>
+              <a:t> studies humans too, but often emphasizes structural critique over empiricism</a:t>
+            </a:r>
+          </a:p>
+          <a:p>
+            <a:endParaRPr lang="en-US" dirty="0"/>
           </a:p>
         </p:txBody>
       </p:sp>
     </p:spTree>
     <p:extLst>
       <p:ext uri="{BB962C8B-B14F-4D97-AF65-F5344CB8AC3E}">
-        <p14:creationId xmlns:p14="http://schemas.microsoft.com/office/powerpoint/2010/main" val="306110758"/>
+        <p14:creationId xmlns:p14="http://schemas.microsoft.com/office/powerpoint/2010/main" val="1675350135"/>
       </p:ext>
     </p:extLst>
   </p:cSld>

--- a/LectureSlides/SPLASHE23.pptx
+++ b/LectureSlides/SPLASHE23.pptx
@@ -460,7 +460,7 @@
             <a:fld id="{8256C2ED-54A4-480D-B5C8-65C0D62359B9}" type="datetime2">
               <a:rPr lang="en-US" smtClean="0"/>
               <a:pPr/>
-              <a:t>Wednesday, October 18, 2023</a:t>
+              <a:t>Wednesday, October 25, 2023</a:t>
             </a:fld>
             <a:endParaRPr lang="en-US" dirty="0"/>
           </a:p>
@@ -619,7 +619,7 @@
           <a:p>
             <a:fld id="{53CF612A-4CB0-4F57-9A87-F049CECB184D}" type="datetime2">
               <a:rPr lang="en-US" smtClean="0"/>
-              <a:t>Wednesday, October 18, 2023</a:t>
+              <a:t>Wednesday, October 25, 2023</a:t>
             </a:fld>
             <a:endParaRPr lang="en-US"/>
           </a:p>
@@ -840,7 +840,7 @@
           <a:p>
             <a:fld id="{8F397F40-C8F7-4897-A6B8-241042F913A9}" type="datetime2">
               <a:rPr lang="en-US" smtClean="0"/>
-              <a:t>Wednesday, October 18, 2023</a:t>
+              <a:t>Wednesday, October 25, 2023</a:t>
             </a:fld>
             <a:endParaRPr lang="en-US"/>
           </a:p>
@@ -1198,7 +1198,7 @@
             <a:fld id="{8256C2ED-54A4-480D-B5C8-65C0D62359B9}" type="datetime2">
               <a:rPr lang="en-US" smtClean="0"/>
               <a:pPr/>
-              <a:t>Wednesday, October 18, 2023</a:t>
+              <a:t>Wednesday, October 25, 2023</a:t>
             </a:fld>
             <a:endParaRPr lang="en-US" dirty="0"/>
           </a:p>
@@ -1433,7 +1433,7 @@
           <a:p>
             <a:fld id="{10EDCA73-0A86-4195-A787-75037827079D}" type="datetime2">
               <a:rPr lang="en-US" smtClean="0"/>
-              <a:t>Wednesday, October 18, 2023</a:t>
+              <a:t>Wednesday, October 25, 2023</a:t>
             </a:fld>
             <a:endParaRPr lang="en-US"/>
           </a:p>
@@ -1825,7 +1825,7 @@
           <a:p>
             <a:fld id="{83C75374-B296-498E-A935-80631EA9020D}" type="datetime2">
               <a:rPr lang="en-US" smtClean="0"/>
-              <a:t>Wednesday, October 18, 2023</a:t>
+              <a:t>Wednesday, October 25, 2023</a:t>
             </a:fld>
             <a:endParaRPr lang="en-US"/>
           </a:p>
@@ -2265,7 +2265,7 @@
           <a:p>
             <a:fld id="{B098B728-214A-4ABC-8432-5B3A5A66A987}" type="datetime2">
               <a:rPr lang="en-US" smtClean="0"/>
-              <a:t>Wednesday, October 18, 2023</a:t>
+              <a:t>Wednesday, October 25, 2023</a:t>
             </a:fld>
             <a:endParaRPr lang="en-US" dirty="0"/>
           </a:p>
@@ -2423,7 +2423,7 @@
           <a:p>
             <a:fld id="{015F02D0-6806-43AF-9888-2359BF40C204}" type="datetime2">
               <a:rPr lang="en-US" smtClean="0"/>
-              <a:t>Wednesday, October 18, 2023</a:t>
+              <a:t>Wednesday, October 25, 2023</a:t>
             </a:fld>
             <a:endParaRPr lang="en-US"/>
           </a:p>
@@ -2547,7 +2547,7 @@
           <a:p>
             <a:fld id="{8EE14D2D-B1AF-4197-82D6-FC1F8BD05681}" type="datetime2">
               <a:rPr lang="en-US" smtClean="0"/>
-              <a:t>Wednesday, October 18, 2023</a:t>
+              <a:t>Wednesday, October 25, 2023</a:t>
             </a:fld>
             <a:endParaRPr lang="en-US"/>
           </a:p>
@@ -2875,7 +2875,7 @@
           <a:p>
             <a:fld id="{98771CEB-9838-4245-91B8-EFBAFE2D8B44}" type="datetime2">
               <a:rPr lang="en-US" smtClean="0"/>
-              <a:t>Wednesday, October 18, 2023</a:t>
+              <a:t>Wednesday, October 25, 2023</a:t>
             </a:fld>
             <a:endParaRPr lang="en-US"/>
           </a:p>
@@ -3183,7 +3183,7 @@
           <a:p>
             <a:fld id="{51D3F6BF-A585-41F8-88DF-7E5D069F892A}" type="datetime2">
               <a:rPr lang="en-US" smtClean="0"/>
-              <a:t>Wednesday, October 18, 2023</a:t>
+              <a:t>Wednesday, October 25, 2023</a:t>
             </a:fld>
             <a:endParaRPr lang="en-US"/>
           </a:p>
@@ -3526,7 +3526,7 @@
             <a:fld id="{8256C2ED-54A4-480D-B5C8-65C0D62359B9}" type="datetime2">
               <a:rPr lang="en-US" smtClean="0"/>
               <a:pPr/>
-              <a:t>Wednesday, October 18, 2023</a:t>
+              <a:t>Wednesday, October 25, 2023</a:t>
             </a:fld>
             <a:endParaRPr lang="en-US" dirty="0"/>
           </a:p>
@@ -4297,7 +4297,7 @@
             </a:r>
             <a:r>
               <a:rPr lang="en-US" dirty="0"/>
-              <a:t> Implement function X in Rust; make a picture in Processing</a:t>
+              <a:t> Implement function X in favorite PL; make a picture in Processing</a:t>
             </a:r>
           </a:p>
           <a:p>
@@ -4308,7 +4308,7 @@
             </a:r>
             <a:r>
               <a:rPr lang="en-US" dirty="0"/>
-              <a:t>Implement type-checker in Rust</a:t>
+              <a:t>Implement type-checker in favorite PL</a:t>
             </a:r>
           </a:p>
           <a:p>
@@ -6977,8 +6977,12 @@
           </a:p>
           <a:p>
             <a:r>
-              <a:rPr lang="en-US" dirty="0"/>
-              <a:t>F.J.J Hermans for encouragement, feedback, and cross-cultural PL expertise</a:t>
+              <a:rPr lang="en-US" dirty="0" err="1"/>
+              <a:t>Felienne</a:t>
+            </a:r>
+            <a:r>
+              <a:rPr lang="en-US" dirty="0"/>
+              <a:t> J.J. Hermans for encouragement, feedback, and cross-cultural PL expertise</a:t>
             </a:r>
           </a:p>
           <a:p>
@@ -8862,6 +8866,66 @@
           </a:p>
         </p:txBody>
       </p:sp>
+      <p:pic>
+        <p:nvPicPr>
+          <p:cNvPr id="5" name="Picture 4">
+            <a:extLst>
+              <a:ext uri="{FF2B5EF4-FFF2-40B4-BE49-F238E27FC236}">
+                <a16:creationId xmlns:a16="http://schemas.microsoft.com/office/drawing/2014/main" id="{6C27101A-3BBE-B40B-B246-B2D28F1E2785}"/>
+              </a:ext>
+            </a:extLst>
+          </p:cNvPr>
+          <p:cNvPicPr>
+            <a:picLocks noChangeAspect="1"/>
+          </p:cNvPicPr>
+          <p:nvPr/>
+        </p:nvPicPr>
+        <p:blipFill>
+          <a:blip r:embed="rId4"/>
+          <a:stretch>
+            <a:fillRect/>
+          </a:stretch>
+        </p:blipFill>
+        <p:spPr>
+          <a:xfrm>
+            <a:off x="1747195" y="5483934"/>
+            <a:ext cx="1266938" cy="1266938"/>
+          </a:xfrm>
+          <a:prstGeom prst="rect">
+            <a:avLst/>
+          </a:prstGeom>
+        </p:spPr>
+      </p:pic>
+      <p:pic>
+        <p:nvPicPr>
+          <p:cNvPr id="7" name="Picture 6">
+            <a:extLst>
+              <a:ext uri="{FF2B5EF4-FFF2-40B4-BE49-F238E27FC236}">
+                <a16:creationId xmlns:a16="http://schemas.microsoft.com/office/drawing/2014/main" id="{DB257D38-DAE1-2C46-1CFB-1BC71FF7ADE7}"/>
+              </a:ext>
+            </a:extLst>
+          </p:cNvPr>
+          <p:cNvPicPr>
+            <a:picLocks noChangeAspect="1"/>
+          </p:cNvPicPr>
+          <p:nvPr/>
+        </p:nvPicPr>
+        <p:blipFill>
+          <a:blip r:embed="rId5"/>
+          <a:stretch>
+            <a:fillRect/>
+          </a:stretch>
+        </p:blipFill>
+        <p:spPr>
+          <a:xfrm>
+            <a:off x="9064979" y="5483934"/>
+            <a:ext cx="1264354" cy="1258528"/>
+          </a:xfrm>
+          <a:prstGeom prst="rect">
+            <a:avLst/>
+          </a:prstGeom>
+        </p:spPr>
+      </p:pic>
     </p:spTree>
     <p:extLst>
       <p:ext uri="{BB962C8B-B14F-4D97-AF65-F5344CB8AC3E}">
